--- a/slides/aula 2.pptx
+++ b/slides/aula 2.pptx
@@ -5,7 +5,7 @@
     <p:sldMasterId id="2147483684" r:id="rId1"/>
   </p:sldMasterIdLst>
   <p:notesMasterIdLst>
-    <p:notesMasterId r:id="rId28"/>
+    <p:notesMasterId r:id="rId46"/>
   </p:notesMasterIdLst>
   <p:sldIdLst>
     <p:sldId id="256" r:id="rId2"/>
@@ -26,14 +26,32 @@
     <p:sldId id="304" r:id="rId17"/>
     <p:sldId id="305" r:id="rId18"/>
     <p:sldId id="306" r:id="rId19"/>
-    <p:sldId id="307" r:id="rId20"/>
-    <p:sldId id="308" r:id="rId21"/>
-    <p:sldId id="312" r:id="rId22"/>
-    <p:sldId id="311" r:id="rId23"/>
-    <p:sldId id="310" r:id="rId24"/>
-    <p:sldId id="282" r:id="rId25"/>
-    <p:sldId id="313" r:id="rId26"/>
-    <p:sldId id="314" r:id="rId27"/>
+    <p:sldId id="319" r:id="rId20"/>
+    <p:sldId id="320" r:id="rId21"/>
+    <p:sldId id="331" r:id="rId22"/>
+    <p:sldId id="332" r:id="rId23"/>
+    <p:sldId id="322" r:id="rId24"/>
+    <p:sldId id="321" r:id="rId25"/>
+    <p:sldId id="323" r:id="rId26"/>
+    <p:sldId id="324" r:id="rId27"/>
+    <p:sldId id="325" r:id="rId28"/>
+    <p:sldId id="326" r:id="rId29"/>
+    <p:sldId id="327" r:id="rId30"/>
+    <p:sldId id="328" r:id="rId31"/>
+    <p:sldId id="329" r:id="rId32"/>
+    <p:sldId id="330" r:id="rId33"/>
+    <p:sldId id="307" r:id="rId34"/>
+    <p:sldId id="308" r:id="rId35"/>
+    <p:sldId id="312" r:id="rId36"/>
+    <p:sldId id="311" r:id="rId37"/>
+    <p:sldId id="310" r:id="rId38"/>
+    <p:sldId id="282" r:id="rId39"/>
+    <p:sldId id="313" r:id="rId40"/>
+    <p:sldId id="318" r:id="rId41"/>
+    <p:sldId id="314" r:id="rId42"/>
+    <p:sldId id="315" r:id="rId43"/>
+    <p:sldId id="316" r:id="rId44"/>
+    <p:sldId id="317" r:id="rId45"/>
   </p:sldIdLst>
   <p:sldSz cx="9144000" cy="6858000" type="screen4x3"/>
   <p:notesSz cx="6858000" cy="9144000"/>
@@ -132,6 +150,22 @@
       </a:defRPr>
     </a:lvl9pPr>
   </p:defaultTextStyle>
+  <p:extLst>
+    <p:ext uri="{EFAFB233-063F-42B5-8137-9DF3F51BA10A}">
+      <p15:sldGuideLst xmlns:p15="http://schemas.microsoft.com/office/powerpoint/2012/main">
+        <p15:guide id="1" orient="horz" pos="2160">
+          <p15:clr>
+            <a:srgbClr val="A4A3A4"/>
+          </p15:clr>
+        </p15:guide>
+        <p15:guide id="2" pos="2880">
+          <p15:clr>
+            <a:srgbClr val="A4A3A4"/>
+          </p15:clr>
+        </p15:guide>
+      </p15:sldGuideLst>
+    </p:ext>
+  </p:extLst>
 </p:presentation>
 </file>
 
@@ -217,7 +251,7 @@
           <a:p>
             <a:fld id="{CAE41BF3-95F5-4172-95FB-740FB9C364CC}" type="datetimeFigureOut">
               <a:rPr lang="pt-BR" smtClean="0"/>
-              <a:t>12/09/2019</a:t>
+              <a:t>16/09/2019</a:t>
             </a:fld>
             <a:endParaRPr lang="pt-BR"/>
           </a:p>
@@ -530,6 +564,214 @@
           <a:lstStyle/>
           <a:p>
             <a:r>
+              <a:rPr lang="pt-BR" dirty="0" smtClean="0"/>
+              <a:t>Classes com acesso </a:t>
+            </a:r>
+            <a:r>
+              <a:rPr lang="pt-BR" dirty="0" err="1" smtClean="0"/>
+              <a:t>Public</a:t>
+            </a:r>
+            <a:r>
+              <a:rPr lang="pt-BR" dirty="0" smtClean="0"/>
+              <a:t>: – Podem ser instanciadas dentro de qualquer outra classe, </a:t>
+            </a:r>
+          </a:p>
+          <a:p>
+            <a:r>
+              <a:rPr lang="pt-BR" dirty="0" smtClean="0"/>
+              <a:t>● Qualquer classe pode criar objetos de uma classe pública – Um arquivo .</a:t>
+            </a:r>
+            <a:r>
+              <a:rPr lang="pt-BR" dirty="0" err="1" smtClean="0"/>
+              <a:t>java</a:t>
+            </a:r>
+            <a:r>
+              <a:rPr lang="pt-BR" dirty="0" smtClean="0"/>
+              <a:t> só pode ter uma única classe pública, e esta deverá ter o mesmo nome do arquivo </a:t>
+            </a:r>
+          </a:p>
+          <a:p>
+            <a:r>
+              <a:rPr lang="pt-BR" dirty="0" smtClean="0"/>
+              <a:t>● Apesar de ser pouco comum, é possível que um arquivo .</a:t>
+            </a:r>
+            <a:r>
+              <a:rPr lang="pt-BR" dirty="0" err="1" smtClean="0"/>
+              <a:t>java</a:t>
+            </a:r>
+            <a:r>
+              <a:rPr lang="pt-BR" dirty="0" smtClean="0"/>
+              <a:t> tenha uma classe pública e outras classes com outros acessos, mas esta prática não é recomendada</a:t>
+            </a:r>
+            <a:endParaRPr lang="pt-BR" dirty="0"/>
+          </a:p>
+        </p:txBody>
+      </p:sp>
+      <p:sp>
+        <p:nvSpPr>
+          <p:cNvPr id="4" name="Espaço Reservado para Número de Slide 3"/>
+          <p:cNvSpPr>
+            <a:spLocks noGrp="1"/>
+          </p:cNvSpPr>
+          <p:nvPr>
+            <p:ph type="sldNum" sz="quarter" idx="10"/>
+          </p:nvPr>
+        </p:nvSpPr>
+        <p:spPr/>
+        <p:txBody>
+          <a:bodyPr/>
+          <a:lstStyle/>
+          <a:p>
+            <a:fld id="{589419A9-F28C-41E3-8446-2708A565F008}" type="slidenum">
+              <a:rPr lang="pt-BR" smtClean="0"/>
+              <a:t>26</a:t>
+            </a:fld>
+            <a:endParaRPr lang="pt-BR"/>
+          </a:p>
+        </p:txBody>
+      </p:sp>
+    </p:spTree>
+    <p:extLst>
+      <p:ext uri="{BB962C8B-B14F-4D97-AF65-F5344CB8AC3E}">
+        <p14:creationId xmlns:p14="http://schemas.microsoft.com/office/powerpoint/2010/main" val="334651218"/>
+      </p:ext>
+    </p:extLst>
+  </p:cSld>
+  <p:clrMapOvr>
+    <a:masterClrMapping/>
+  </p:clrMapOvr>
+</p:notes>
+</file>
+
+<file path=ppt/notesSlides/notesSlide10.xml><?xml version="1.0" encoding="utf-8"?>
+<p:notes xmlns:a="http://schemas.openxmlformats.org/drawingml/2006/main" xmlns:r="http://schemas.openxmlformats.org/officeDocument/2006/relationships" xmlns:p="http://schemas.openxmlformats.org/presentationml/2006/main">
+  <p:cSld>
+    <p:spTree>
+      <p:nvGrpSpPr>
+        <p:cNvPr id="1" name=""/>
+        <p:cNvGrpSpPr/>
+        <p:nvPr/>
+      </p:nvGrpSpPr>
+      <p:grpSpPr>
+        <a:xfrm>
+          <a:off x="0" y="0"/>
+          <a:ext cx="0" cy="0"/>
+          <a:chOff x="0" y="0"/>
+          <a:chExt cx="0" cy="0"/>
+        </a:xfrm>
+      </p:grpSpPr>
+      <p:sp>
+        <p:nvSpPr>
+          <p:cNvPr id="2" name="Espaço Reservado para Imagem de Slide 1"/>
+          <p:cNvSpPr>
+            <a:spLocks noGrp="1" noRot="1" noChangeAspect="1"/>
+          </p:cNvSpPr>
+          <p:nvPr>
+            <p:ph type="sldImg"/>
+          </p:nvPr>
+        </p:nvSpPr>
+        <p:spPr/>
+      </p:sp>
+      <p:sp>
+        <p:nvSpPr>
+          <p:cNvPr id="3" name="Espaço Reservado para Anotações 2"/>
+          <p:cNvSpPr>
+            <a:spLocks noGrp="1"/>
+          </p:cNvSpPr>
+          <p:nvPr>
+            <p:ph type="body" idx="1"/>
+          </p:nvPr>
+        </p:nvSpPr>
+        <p:spPr/>
+        <p:txBody>
+          <a:bodyPr/>
+          <a:lstStyle/>
+          <a:p>
+            <a:endParaRPr lang="pt-BR" dirty="0"/>
+          </a:p>
+        </p:txBody>
+      </p:sp>
+      <p:sp>
+        <p:nvSpPr>
+          <p:cNvPr id="4" name="Espaço Reservado para Número de Slide 3"/>
+          <p:cNvSpPr>
+            <a:spLocks noGrp="1"/>
+          </p:cNvSpPr>
+          <p:nvPr>
+            <p:ph type="sldNum" sz="quarter" idx="10"/>
+          </p:nvPr>
+        </p:nvSpPr>
+        <p:spPr/>
+        <p:txBody>
+          <a:bodyPr/>
+          <a:lstStyle/>
+          <a:p>
+            <a:fld id="{589419A9-F28C-41E3-8446-2708A565F008}" type="slidenum">
+              <a:rPr lang="pt-BR" smtClean="0"/>
+              <a:t>40</a:t>
+            </a:fld>
+            <a:endParaRPr lang="pt-BR"/>
+          </a:p>
+        </p:txBody>
+      </p:sp>
+    </p:spTree>
+    <p:extLst>
+      <p:ext uri="{BB962C8B-B14F-4D97-AF65-F5344CB8AC3E}">
+        <p14:creationId xmlns:p14="http://schemas.microsoft.com/office/powerpoint/2010/main" val="1621510583"/>
+      </p:ext>
+    </p:extLst>
+  </p:cSld>
+  <p:clrMapOvr>
+    <a:masterClrMapping/>
+  </p:clrMapOvr>
+</p:notes>
+</file>
+
+<file path=ppt/notesSlides/notesSlide11.xml><?xml version="1.0" encoding="utf-8"?>
+<p:notes xmlns:a="http://schemas.openxmlformats.org/drawingml/2006/main" xmlns:r="http://schemas.openxmlformats.org/officeDocument/2006/relationships" xmlns:p="http://schemas.openxmlformats.org/presentationml/2006/main">
+  <p:cSld>
+    <p:spTree>
+      <p:nvGrpSpPr>
+        <p:cNvPr id="1" name=""/>
+        <p:cNvGrpSpPr/>
+        <p:nvPr/>
+      </p:nvGrpSpPr>
+      <p:grpSpPr>
+        <a:xfrm>
+          <a:off x="0" y="0"/>
+          <a:ext cx="0" cy="0"/>
+          <a:chOff x="0" y="0"/>
+          <a:chExt cx="0" cy="0"/>
+        </a:xfrm>
+      </p:grpSpPr>
+      <p:sp>
+        <p:nvSpPr>
+          <p:cNvPr id="2" name="Espaço Reservado para Imagem de Slide 1"/>
+          <p:cNvSpPr>
+            <a:spLocks noGrp="1" noRot="1" noChangeAspect="1"/>
+          </p:cNvSpPr>
+          <p:nvPr>
+            <p:ph type="sldImg"/>
+          </p:nvPr>
+        </p:nvSpPr>
+        <p:spPr/>
+      </p:sp>
+      <p:sp>
+        <p:nvSpPr>
+          <p:cNvPr id="3" name="Espaço Reservado para Anotações 2"/>
+          <p:cNvSpPr>
+            <a:spLocks noGrp="1"/>
+          </p:cNvSpPr>
+          <p:nvPr>
+            <p:ph type="body" idx="1"/>
+          </p:nvPr>
+        </p:nvSpPr>
+        <p:spPr/>
+        <p:txBody>
+          <a:bodyPr/>
+          <a:lstStyle/>
+          <a:p>
+            <a:r>
               <a:rPr lang="pt-BR" sz="1200" b="0" i="0" kern="1200" dirty="0" smtClean="0">
                 <a:solidFill>
                   <a:schemeClr val="tx1"/>
@@ -685,7 +927,7 @@
           <a:p>
             <a:fld id="{589419A9-F28C-41E3-8446-2708A565F008}" type="slidenum">
               <a:rPr lang="pt-BR" smtClean="0"/>
-              <a:t>24</a:t>
+              <a:t>41</a:t>
             </a:fld>
             <a:endParaRPr lang="pt-BR"/>
           </a:p>
@@ -695,6 +937,663 @@
     <p:extLst>
       <p:ext uri="{BB962C8B-B14F-4D97-AF65-F5344CB8AC3E}">
         <p14:creationId xmlns:p14="http://schemas.microsoft.com/office/powerpoint/2010/main" val="1387743037"/>
+      </p:ext>
+    </p:extLst>
+  </p:cSld>
+  <p:clrMapOvr>
+    <a:masterClrMapping/>
+  </p:clrMapOvr>
+</p:notes>
+</file>
+
+<file path=ppt/notesSlides/notesSlide12.xml><?xml version="1.0" encoding="utf-8"?>
+<p:notes xmlns:a="http://schemas.openxmlformats.org/drawingml/2006/main" xmlns:r="http://schemas.openxmlformats.org/officeDocument/2006/relationships" xmlns:p="http://schemas.openxmlformats.org/presentationml/2006/main">
+  <p:cSld>
+    <p:spTree>
+      <p:nvGrpSpPr>
+        <p:cNvPr id="1" name=""/>
+        <p:cNvGrpSpPr/>
+        <p:nvPr/>
+      </p:nvGrpSpPr>
+      <p:grpSpPr>
+        <a:xfrm>
+          <a:off x="0" y="0"/>
+          <a:ext cx="0" cy="0"/>
+          <a:chOff x="0" y="0"/>
+          <a:chExt cx="0" cy="0"/>
+        </a:xfrm>
+      </p:grpSpPr>
+      <p:sp>
+        <p:nvSpPr>
+          <p:cNvPr id="2" name="Espaço Reservado para Imagem de Slide 1"/>
+          <p:cNvSpPr>
+            <a:spLocks noGrp="1" noRot="1" noChangeAspect="1"/>
+          </p:cNvSpPr>
+          <p:nvPr>
+            <p:ph type="sldImg"/>
+          </p:nvPr>
+        </p:nvSpPr>
+        <p:spPr/>
+      </p:sp>
+      <p:sp>
+        <p:nvSpPr>
+          <p:cNvPr id="3" name="Espaço Reservado para Anotações 2"/>
+          <p:cNvSpPr>
+            <a:spLocks noGrp="1"/>
+          </p:cNvSpPr>
+          <p:nvPr>
+            <p:ph type="body" idx="1"/>
+          </p:nvPr>
+        </p:nvSpPr>
+        <p:spPr/>
+        <p:txBody>
+          <a:bodyPr/>
+          <a:lstStyle/>
+          <a:p>
+            <a:r>
+              <a:rPr lang="pt-BR" sz="1200" b="0" i="0" kern="1200" dirty="0" smtClean="0">
+                <a:solidFill>
+                  <a:schemeClr val="tx1"/>
+                </a:solidFill>
+                <a:effectLst/>
+                <a:latin typeface="+mn-lt"/>
+                <a:ea typeface="+mn-ea"/>
+                <a:cs typeface="+mn-cs"/>
+              </a:rPr>
+              <a:t>Classes coesas não assumem responsabilidades que não são suas. Ou</a:t>
+            </a:r>
+            <a:br>
+              <a:rPr lang="pt-BR" sz="1200" b="0" i="0" kern="1200" dirty="0" smtClean="0">
+                <a:solidFill>
+                  <a:schemeClr val="tx1"/>
+                </a:solidFill>
+                <a:effectLst/>
+                <a:latin typeface="+mn-lt"/>
+                <a:ea typeface="+mn-ea"/>
+                <a:cs typeface="+mn-cs"/>
+              </a:rPr>
+            </a:br>
+            <a:r>
+              <a:rPr lang="pt-BR" sz="1200" b="0" i="0" kern="1200" dirty="0" smtClean="0">
+                <a:solidFill>
+                  <a:schemeClr val="tx1"/>
+                </a:solidFill>
+                <a:effectLst/>
+                <a:latin typeface="+mn-lt"/>
+                <a:ea typeface="+mn-ea"/>
+                <a:cs typeface="+mn-cs"/>
+              </a:rPr>
+              <a:t>seja, não possuem métodos ou atributos não relacionadas diretamente ao</a:t>
+            </a:r>
+            <a:br>
+              <a:rPr lang="pt-BR" sz="1200" b="0" i="0" kern="1200" dirty="0" smtClean="0">
+                <a:solidFill>
+                  <a:schemeClr val="tx1"/>
+                </a:solidFill>
+                <a:effectLst/>
+                <a:latin typeface="+mn-lt"/>
+                <a:ea typeface="+mn-ea"/>
+                <a:cs typeface="+mn-cs"/>
+              </a:rPr>
+            </a:br>
+            <a:r>
+              <a:rPr lang="pt-BR" sz="1200" b="0" i="0" kern="1200" dirty="0" smtClean="0">
+                <a:solidFill>
+                  <a:schemeClr val="tx1"/>
+                </a:solidFill>
+                <a:effectLst/>
+                <a:latin typeface="+mn-lt"/>
+                <a:ea typeface="+mn-ea"/>
+                <a:cs typeface="+mn-cs"/>
+              </a:rPr>
+              <a:t>seu objetivo.</a:t>
+            </a:r>
+            <a:r>
+              <a:rPr lang="pt-BR" sz="1200" b="0" i="0" kern="1200" baseline="0" dirty="0" smtClean="0">
+                <a:solidFill>
+                  <a:schemeClr val="tx1"/>
+                </a:solidFill>
+                <a:effectLst/>
+                <a:latin typeface="+mn-lt"/>
+                <a:ea typeface="+mn-ea"/>
+                <a:cs typeface="+mn-cs"/>
+              </a:rPr>
+              <a:t> (TENTA NÂO DEPENDER DE OUTRAS CLASSES)</a:t>
+            </a:r>
+          </a:p>
+          <a:p>
+            <a:endParaRPr lang="pt-BR" sz="1200" b="0" i="0" kern="1200" baseline="0" dirty="0" smtClean="0">
+              <a:solidFill>
+                <a:schemeClr val="tx1"/>
+              </a:solidFill>
+              <a:effectLst/>
+              <a:latin typeface="+mn-lt"/>
+              <a:ea typeface="+mn-ea"/>
+              <a:cs typeface="+mn-cs"/>
+            </a:endParaRPr>
+          </a:p>
+          <a:p>
+            <a:r>
+              <a:rPr lang="pt-BR" sz="1200" b="0" i="0" kern="1200" dirty="0" smtClean="0">
+                <a:solidFill>
+                  <a:schemeClr val="tx1"/>
+                </a:solidFill>
+                <a:effectLst/>
+                <a:latin typeface="+mn-lt"/>
+                <a:ea typeface="+mn-ea"/>
+                <a:cs typeface="+mn-cs"/>
+              </a:rPr>
+              <a:t>Classes fortemente acopladas dificultam o reuso e a manutenção, pois</a:t>
+            </a:r>
+            <a:br>
+              <a:rPr lang="pt-BR" sz="1200" b="0" i="0" kern="1200" dirty="0" smtClean="0">
+                <a:solidFill>
+                  <a:schemeClr val="tx1"/>
+                </a:solidFill>
+                <a:effectLst/>
+                <a:latin typeface="+mn-lt"/>
+                <a:ea typeface="+mn-ea"/>
+                <a:cs typeface="+mn-cs"/>
+              </a:rPr>
+            </a:br>
+            <a:r>
+              <a:rPr lang="pt-BR" sz="1200" b="0" i="0" kern="1200" dirty="0" smtClean="0">
+                <a:solidFill>
+                  <a:schemeClr val="tx1"/>
+                </a:solidFill>
+                <a:effectLst/>
+                <a:latin typeface="+mn-lt"/>
+                <a:ea typeface="+mn-ea"/>
+                <a:cs typeface="+mn-cs"/>
+              </a:rPr>
+              <a:t>mudanças em uma delas afetarão as outras.</a:t>
+            </a:r>
+            <a:r>
+              <a:rPr lang="pt-BR" dirty="0" smtClean="0"/>
+              <a:t> </a:t>
+            </a:r>
+            <a:r>
+              <a:rPr lang="pt-BR" baseline="0" dirty="0" smtClean="0"/>
+              <a:t> </a:t>
+            </a:r>
+          </a:p>
+          <a:p>
+            <a:endParaRPr lang="pt-BR" baseline="0" dirty="0" smtClean="0"/>
+          </a:p>
+          <a:p>
+            <a:r>
+              <a:rPr lang="pt-BR" baseline="0" dirty="0" smtClean="0"/>
+              <a:t> Exemplo da conta corrente (boa coesão)</a:t>
+            </a:r>
+            <a:endParaRPr lang="pt-BR" dirty="0"/>
+          </a:p>
+        </p:txBody>
+      </p:sp>
+      <p:sp>
+        <p:nvSpPr>
+          <p:cNvPr id="4" name="Espaço Reservado para Número de Slide 3"/>
+          <p:cNvSpPr>
+            <a:spLocks noGrp="1"/>
+          </p:cNvSpPr>
+          <p:nvPr>
+            <p:ph type="sldNum" sz="quarter" idx="10"/>
+          </p:nvPr>
+        </p:nvSpPr>
+        <p:spPr/>
+        <p:txBody>
+          <a:bodyPr/>
+          <a:lstStyle/>
+          <a:p>
+            <a:fld id="{589419A9-F28C-41E3-8446-2708A565F008}" type="slidenum">
+              <a:rPr lang="pt-BR" smtClean="0"/>
+              <a:t>42</a:t>
+            </a:fld>
+            <a:endParaRPr lang="pt-BR"/>
+          </a:p>
+        </p:txBody>
+      </p:sp>
+    </p:spTree>
+    <p:extLst>
+      <p:ext uri="{BB962C8B-B14F-4D97-AF65-F5344CB8AC3E}">
+        <p14:creationId xmlns:p14="http://schemas.microsoft.com/office/powerpoint/2010/main" val="3360845652"/>
+      </p:ext>
+    </p:extLst>
+  </p:cSld>
+  <p:clrMapOvr>
+    <a:masterClrMapping/>
+  </p:clrMapOvr>
+</p:notes>
+</file>
+
+<file path=ppt/notesSlides/notesSlide13.xml><?xml version="1.0" encoding="utf-8"?>
+<p:notes xmlns:a="http://schemas.openxmlformats.org/drawingml/2006/main" xmlns:r="http://schemas.openxmlformats.org/officeDocument/2006/relationships" xmlns:p="http://schemas.openxmlformats.org/presentationml/2006/main">
+  <p:cSld>
+    <p:spTree>
+      <p:nvGrpSpPr>
+        <p:cNvPr id="1" name=""/>
+        <p:cNvGrpSpPr/>
+        <p:nvPr/>
+      </p:nvGrpSpPr>
+      <p:grpSpPr>
+        <a:xfrm>
+          <a:off x="0" y="0"/>
+          <a:ext cx="0" cy="0"/>
+          <a:chOff x="0" y="0"/>
+          <a:chExt cx="0" cy="0"/>
+        </a:xfrm>
+      </p:grpSpPr>
+      <p:sp>
+        <p:nvSpPr>
+          <p:cNvPr id="2" name="Espaço Reservado para Imagem de Slide 1"/>
+          <p:cNvSpPr>
+            <a:spLocks noGrp="1" noRot="1" noChangeAspect="1"/>
+          </p:cNvSpPr>
+          <p:nvPr>
+            <p:ph type="sldImg"/>
+          </p:nvPr>
+        </p:nvSpPr>
+        <p:spPr/>
+      </p:sp>
+      <p:sp>
+        <p:nvSpPr>
+          <p:cNvPr id="3" name="Espaço Reservado para Anotações 2"/>
+          <p:cNvSpPr>
+            <a:spLocks noGrp="1"/>
+          </p:cNvSpPr>
+          <p:nvPr>
+            <p:ph type="body" idx="1"/>
+          </p:nvPr>
+        </p:nvSpPr>
+        <p:spPr/>
+        <p:txBody>
+          <a:bodyPr/>
+          <a:lstStyle/>
+          <a:p>
+            <a:r>
+              <a:rPr lang="pt-BR" sz="1200" b="0" i="0" kern="1200" dirty="0" smtClean="0">
+                <a:solidFill>
+                  <a:schemeClr val="tx1"/>
+                </a:solidFill>
+                <a:effectLst/>
+                <a:latin typeface="+mn-lt"/>
+                <a:ea typeface="+mn-ea"/>
+                <a:cs typeface="+mn-cs"/>
+              </a:rPr>
+              <a:t>Classes coesas não assumem responsabilidades que não são suas. Ou</a:t>
+            </a:r>
+            <a:br>
+              <a:rPr lang="pt-BR" sz="1200" b="0" i="0" kern="1200" dirty="0" smtClean="0">
+                <a:solidFill>
+                  <a:schemeClr val="tx1"/>
+                </a:solidFill>
+                <a:effectLst/>
+                <a:latin typeface="+mn-lt"/>
+                <a:ea typeface="+mn-ea"/>
+                <a:cs typeface="+mn-cs"/>
+              </a:rPr>
+            </a:br>
+            <a:r>
+              <a:rPr lang="pt-BR" sz="1200" b="0" i="0" kern="1200" dirty="0" smtClean="0">
+                <a:solidFill>
+                  <a:schemeClr val="tx1"/>
+                </a:solidFill>
+                <a:effectLst/>
+                <a:latin typeface="+mn-lt"/>
+                <a:ea typeface="+mn-ea"/>
+                <a:cs typeface="+mn-cs"/>
+              </a:rPr>
+              <a:t>seja, não possuem métodos ou atributos não relacionadas diretamente ao</a:t>
+            </a:r>
+            <a:br>
+              <a:rPr lang="pt-BR" sz="1200" b="0" i="0" kern="1200" dirty="0" smtClean="0">
+                <a:solidFill>
+                  <a:schemeClr val="tx1"/>
+                </a:solidFill>
+                <a:effectLst/>
+                <a:latin typeface="+mn-lt"/>
+                <a:ea typeface="+mn-ea"/>
+                <a:cs typeface="+mn-cs"/>
+              </a:rPr>
+            </a:br>
+            <a:r>
+              <a:rPr lang="pt-BR" sz="1200" b="0" i="0" kern="1200" dirty="0" smtClean="0">
+                <a:solidFill>
+                  <a:schemeClr val="tx1"/>
+                </a:solidFill>
+                <a:effectLst/>
+                <a:latin typeface="+mn-lt"/>
+                <a:ea typeface="+mn-ea"/>
+                <a:cs typeface="+mn-cs"/>
+              </a:rPr>
+              <a:t>seu objetivo.</a:t>
+            </a:r>
+            <a:r>
+              <a:rPr lang="pt-BR" sz="1200" b="0" i="0" kern="1200" baseline="0" dirty="0" smtClean="0">
+                <a:solidFill>
+                  <a:schemeClr val="tx1"/>
+                </a:solidFill>
+                <a:effectLst/>
+                <a:latin typeface="+mn-lt"/>
+                <a:ea typeface="+mn-ea"/>
+                <a:cs typeface="+mn-cs"/>
+              </a:rPr>
+              <a:t> (TENTA NÂO DEPENDER DE OUTRAS CLASSES)</a:t>
+            </a:r>
+          </a:p>
+          <a:p>
+            <a:endParaRPr lang="pt-BR" sz="1200" b="0" i="0" kern="1200" baseline="0" dirty="0" smtClean="0">
+              <a:solidFill>
+                <a:schemeClr val="tx1"/>
+              </a:solidFill>
+              <a:effectLst/>
+              <a:latin typeface="+mn-lt"/>
+              <a:ea typeface="+mn-ea"/>
+              <a:cs typeface="+mn-cs"/>
+            </a:endParaRPr>
+          </a:p>
+          <a:p>
+            <a:r>
+              <a:rPr lang="pt-BR" sz="1200" b="0" i="0" kern="1200" dirty="0" smtClean="0">
+                <a:solidFill>
+                  <a:schemeClr val="tx1"/>
+                </a:solidFill>
+                <a:effectLst/>
+                <a:latin typeface="+mn-lt"/>
+                <a:ea typeface="+mn-ea"/>
+                <a:cs typeface="+mn-cs"/>
+              </a:rPr>
+              <a:t>Classes fortemente acopladas dificultam o reuso e a manutenção, pois</a:t>
+            </a:r>
+            <a:br>
+              <a:rPr lang="pt-BR" sz="1200" b="0" i="0" kern="1200" dirty="0" smtClean="0">
+                <a:solidFill>
+                  <a:schemeClr val="tx1"/>
+                </a:solidFill>
+                <a:effectLst/>
+                <a:latin typeface="+mn-lt"/>
+                <a:ea typeface="+mn-ea"/>
+                <a:cs typeface="+mn-cs"/>
+              </a:rPr>
+            </a:br>
+            <a:r>
+              <a:rPr lang="pt-BR" sz="1200" b="0" i="0" kern="1200" dirty="0" smtClean="0">
+                <a:solidFill>
+                  <a:schemeClr val="tx1"/>
+                </a:solidFill>
+                <a:effectLst/>
+                <a:latin typeface="+mn-lt"/>
+                <a:ea typeface="+mn-ea"/>
+                <a:cs typeface="+mn-cs"/>
+              </a:rPr>
+              <a:t>mudanças em uma delas afetarão as outras.</a:t>
+            </a:r>
+            <a:r>
+              <a:rPr lang="pt-BR" dirty="0" smtClean="0"/>
+              <a:t> </a:t>
+            </a:r>
+            <a:r>
+              <a:rPr lang="pt-BR" baseline="0" dirty="0" smtClean="0"/>
+              <a:t> </a:t>
+            </a:r>
+          </a:p>
+          <a:p>
+            <a:endParaRPr lang="pt-BR" baseline="0" dirty="0" smtClean="0"/>
+          </a:p>
+          <a:p>
+            <a:r>
+              <a:rPr lang="pt-BR" baseline="0" dirty="0" smtClean="0"/>
+              <a:t> Exemplo da conta corrente (boa coesão)</a:t>
+            </a:r>
+            <a:endParaRPr lang="pt-BR" dirty="0"/>
+          </a:p>
+        </p:txBody>
+      </p:sp>
+      <p:sp>
+        <p:nvSpPr>
+          <p:cNvPr id="4" name="Espaço Reservado para Número de Slide 3"/>
+          <p:cNvSpPr>
+            <a:spLocks noGrp="1"/>
+          </p:cNvSpPr>
+          <p:nvPr>
+            <p:ph type="sldNum" sz="quarter" idx="10"/>
+          </p:nvPr>
+        </p:nvSpPr>
+        <p:spPr/>
+        <p:txBody>
+          <a:bodyPr/>
+          <a:lstStyle/>
+          <a:p>
+            <a:fld id="{589419A9-F28C-41E3-8446-2708A565F008}" type="slidenum">
+              <a:rPr lang="pt-BR" smtClean="0"/>
+              <a:t>43</a:t>
+            </a:fld>
+            <a:endParaRPr lang="pt-BR"/>
+          </a:p>
+        </p:txBody>
+      </p:sp>
+    </p:spTree>
+    <p:extLst>
+      <p:ext uri="{BB962C8B-B14F-4D97-AF65-F5344CB8AC3E}">
+        <p14:creationId xmlns:p14="http://schemas.microsoft.com/office/powerpoint/2010/main" val="3010354276"/>
+      </p:ext>
+    </p:extLst>
+  </p:cSld>
+  <p:clrMapOvr>
+    <a:masterClrMapping/>
+  </p:clrMapOvr>
+</p:notes>
+</file>
+
+<file path=ppt/notesSlides/notesSlide14.xml><?xml version="1.0" encoding="utf-8"?>
+<p:notes xmlns:a="http://schemas.openxmlformats.org/drawingml/2006/main" xmlns:r="http://schemas.openxmlformats.org/officeDocument/2006/relationships" xmlns:p="http://schemas.openxmlformats.org/presentationml/2006/main">
+  <p:cSld>
+    <p:spTree>
+      <p:nvGrpSpPr>
+        <p:cNvPr id="1" name=""/>
+        <p:cNvGrpSpPr/>
+        <p:nvPr/>
+      </p:nvGrpSpPr>
+      <p:grpSpPr>
+        <a:xfrm>
+          <a:off x="0" y="0"/>
+          <a:ext cx="0" cy="0"/>
+          <a:chOff x="0" y="0"/>
+          <a:chExt cx="0" cy="0"/>
+        </a:xfrm>
+      </p:grpSpPr>
+      <p:sp>
+        <p:nvSpPr>
+          <p:cNvPr id="2" name="Espaço Reservado para Imagem de Slide 1"/>
+          <p:cNvSpPr>
+            <a:spLocks noGrp="1" noRot="1" noChangeAspect="1"/>
+          </p:cNvSpPr>
+          <p:nvPr>
+            <p:ph type="sldImg"/>
+          </p:nvPr>
+        </p:nvSpPr>
+        <p:spPr/>
+      </p:sp>
+      <p:sp>
+        <p:nvSpPr>
+          <p:cNvPr id="3" name="Espaço Reservado para Anotações 2"/>
+          <p:cNvSpPr>
+            <a:spLocks noGrp="1"/>
+          </p:cNvSpPr>
+          <p:nvPr>
+            <p:ph type="body" idx="1"/>
+          </p:nvPr>
+        </p:nvSpPr>
+        <p:spPr/>
+        <p:txBody>
+          <a:bodyPr/>
+          <a:lstStyle/>
+          <a:p>
+            <a:r>
+              <a:rPr lang="pt-BR" sz="1200" b="0" i="0" kern="1200" dirty="0" smtClean="0">
+                <a:solidFill>
+                  <a:schemeClr val="tx1"/>
+                </a:solidFill>
+                <a:effectLst/>
+                <a:latin typeface="+mn-lt"/>
+                <a:ea typeface="+mn-ea"/>
+                <a:cs typeface="+mn-cs"/>
+              </a:rPr>
+              <a:t>Classes coesas não assumem responsabilidades que não são suas. Ou</a:t>
+            </a:r>
+            <a:br>
+              <a:rPr lang="pt-BR" sz="1200" b="0" i="0" kern="1200" dirty="0" smtClean="0">
+                <a:solidFill>
+                  <a:schemeClr val="tx1"/>
+                </a:solidFill>
+                <a:effectLst/>
+                <a:latin typeface="+mn-lt"/>
+                <a:ea typeface="+mn-ea"/>
+                <a:cs typeface="+mn-cs"/>
+              </a:rPr>
+            </a:br>
+            <a:r>
+              <a:rPr lang="pt-BR" sz="1200" b="0" i="0" kern="1200" dirty="0" smtClean="0">
+                <a:solidFill>
+                  <a:schemeClr val="tx1"/>
+                </a:solidFill>
+                <a:effectLst/>
+                <a:latin typeface="+mn-lt"/>
+                <a:ea typeface="+mn-ea"/>
+                <a:cs typeface="+mn-cs"/>
+              </a:rPr>
+              <a:t>seja, não possuem métodos ou atributos não relacionadas diretamente ao</a:t>
+            </a:r>
+            <a:br>
+              <a:rPr lang="pt-BR" sz="1200" b="0" i="0" kern="1200" dirty="0" smtClean="0">
+                <a:solidFill>
+                  <a:schemeClr val="tx1"/>
+                </a:solidFill>
+                <a:effectLst/>
+                <a:latin typeface="+mn-lt"/>
+                <a:ea typeface="+mn-ea"/>
+                <a:cs typeface="+mn-cs"/>
+              </a:rPr>
+            </a:br>
+            <a:r>
+              <a:rPr lang="pt-BR" sz="1200" b="0" i="0" kern="1200" dirty="0" smtClean="0">
+                <a:solidFill>
+                  <a:schemeClr val="tx1"/>
+                </a:solidFill>
+                <a:effectLst/>
+                <a:latin typeface="+mn-lt"/>
+                <a:ea typeface="+mn-ea"/>
+                <a:cs typeface="+mn-cs"/>
+              </a:rPr>
+              <a:t>seu objetivo.</a:t>
+            </a:r>
+            <a:r>
+              <a:rPr lang="pt-BR" sz="1200" b="0" i="0" kern="1200" baseline="0" dirty="0" smtClean="0">
+                <a:solidFill>
+                  <a:schemeClr val="tx1"/>
+                </a:solidFill>
+                <a:effectLst/>
+                <a:latin typeface="+mn-lt"/>
+                <a:ea typeface="+mn-ea"/>
+                <a:cs typeface="+mn-cs"/>
+              </a:rPr>
+              <a:t> (TENTA NÂO DEPENDER DE OUTRAS CLASSES)</a:t>
+            </a:r>
+          </a:p>
+          <a:p>
+            <a:endParaRPr lang="pt-BR" sz="1200" b="0" i="0" kern="1200" baseline="0" dirty="0" smtClean="0">
+              <a:solidFill>
+                <a:schemeClr val="tx1"/>
+              </a:solidFill>
+              <a:effectLst/>
+              <a:latin typeface="+mn-lt"/>
+              <a:ea typeface="+mn-ea"/>
+              <a:cs typeface="+mn-cs"/>
+            </a:endParaRPr>
+          </a:p>
+          <a:p>
+            <a:r>
+              <a:rPr lang="pt-BR" sz="1200" b="0" i="0" kern="1200" dirty="0" smtClean="0">
+                <a:solidFill>
+                  <a:schemeClr val="tx1"/>
+                </a:solidFill>
+                <a:effectLst/>
+                <a:latin typeface="+mn-lt"/>
+                <a:ea typeface="+mn-ea"/>
+                <a:cs typeface="+mn-cs"/>
+              </a:rPr>
+              <a:t>Classes fortemente acopladas dificultam o reuso e a manutenção, pois</a:t>
+            </a:r>
+            <a:br>
+              <a:rPr lang="pt-BR" sz="1200" b="0" i="0" kern="1200" dirty="0" smtClean="0">
+                <a:solidFill>
+                  <a:schemeClr val="tx1"/>
+                </a:solidFill>
+                <a:effectLst/>
+                <a:latin typeface="+mn-lt"/>
+                <a:ea typeface="+mn-ea"/>
+                <a:cs typeface="+mn-cs"/>
+              </a:rPr>
+            </a:br>
+            <a:r>
+              <a:rPr lang="pt-BR" sz="1200" b="0" i="0" kern="1200" dirty="0" smtClean="0">
+                <a:solidFill>
+                  <a:schemeClr val="tx1"/>
+                </a:solidFill>
+                <a:effectLst/>
+                <a:latin typeface="+mn-lt"/>
+                <a:ea typeface="+mn-ea"/>
+                <a:cs typeface="+mn-cs"/>
+              </a:rPr>
+              <a:t>mudanças em uma delas afetarão as outras.</a:t>
+            </a:r>
+            <a:r>
+              <a:rPr lang="pt-BR" dirty="0" smtClean="0"/>
+              <a:t> </a:t>
+            </a:r>
+            <a:r>
+              <a:rPr lang="pt-BR" baseline="0" dirty="0" smtClean="0"/>
+              <a:t> </a:t>
+            </a:r>
+          </a:p>
+          <a:p>
+            <a:endParaRPr lang="pt-BR" baseline="0" dirty="0" smtClean="0"/>
+          </a:p>
+          <a:p>
+            <a:r>
+              <a:rPr lang="pt-BR" baseline="0" dirty="0" smtClean="0"/>
+              <a:t> Exemplo da conta corrente (boa coesão)</a:t>
+            </a:r>
+            <a:endParaRPr lang="pt-BR" dirty="0"/>
+          </a:p>
+        </p:txBody>
+      </p:sp>
+      <p:sp>
+        <p:nvSpPr>
+          <p:cNvPr id="4" name="Espaço Reservado para Número de Slide 3"/>
+          <p:cNvSpPr>
+            <a:spLocks noGrp="1"/>
+          </p:cNvSpPr>
+          <p:nvPr>
+            <p:ph type="sldNum" sz="quarter" idx="10"/>
+          </p:nvPr>
+        </p:nvSpPr>
+        <p:spPr/>
+        <p:txBody>
+          <a:bodyPr/>
+          <a:lstStyle/>
+          <a:p>
+            <a:fld id="{589419A9-F28C-41E3-8446-2708A565F008}" type="slidenum">
+              <a:rPr lang="pt-BR" smtClean="0"/>
+              <a:t>44</a:t>
+            </a:fld>
+            <a:endParaRPr lang="pt-BR"/>
+          </a:p>
+        </p:txBody>
+      </p:sp>
+    </p:spTree>
+    <p:extLst>
+      <p:ext uri="{BB962C8B-B14F-4D97-AF65-F5344CB8AC3E}">
+        <p14:creationId xmlns:p14="http://schemas.microsoft.com/office/powerpoint/2010/main" val="1498363594"/>
       </p:ext>
     </p:extLst>
   </p:cSld>
@@ -749,139 +1648,52 @@
           <a:lstStyle/>
           <a:p>
             <a:r>
-              <a:rPr lang="pt-BR" sz="1200" b="0" i="0" kern="1200" dirty="0" smtClean="0">
-                <a:solidFill>
-                  <a:schemeClr val="tx1"/>
-                </a:solidFill>
-                <a:effectLst/>
-                <a:latin typeface="+mn-lt"/>
-                <a:ea typeface="+mn-ea"/>
-                <a:cs typeface="+mn-cs"/>
-              </a:rPr>
-              <a:t>Classes coesas não assumem responsabilidades que não são suas. Ou</a:t>
-            </a:r>
-            <a:br>
-              <a:rPr lang="pt-BR" sz="1200" b="0" i="0" kern="1200" dirty="0" smtClean="0">
-                <a:solidFill>
-                  <a:schemeClr val="tx1"/>
-                </a:solidFill>
-                <a:effectLst/>
-                <a:latin typeface="+mn-lt"/>
-                <a:ea typeface="+mn-ea"/>
-                <a:cs typeface="+mn-cs"/>
-              </a:rPr>
-            </a:br>
-            <a:r>
-              <a:rPr lang="pt-BR" sz="1200" b="0" i="0" kern="1200" dirty="0" smtClean="0">
-                <a:solidFill>
-                  <a:schemeClr val="tx1"/>
-                </a:solidFill>
-                <a:effectLst/>
-                <a:latin typeface="+mn-lt"/>
-                <a:ea typeface="+mn-ea"/>
-                <a:cs typeface="+mn-cs"/>
-              </a:rPr>
-              <a:t>seja, não possuem métodos ou atributos não relacionadas diretamente ao</a:t>
-            </a:r>
-            <a:br>
-              <a:rPr lang="pt-BR" sz="1200" b="0" i="0" kern="1200" dirty="0" smtClean="0">
-                <a:solidFill>
-                  <a:schemeClr val="tx1"/>
-                </a:solidFill>
-                <a:effectLst/>
-                <a:latin typeface="+mn-lt"/>
-                <a:ea typeface="+mn-ea"/>
-                <a:cs typeface="+mn-cs"/>
-              </a:rPr>
-            </a:br>
-            <a:r>
-              <a:rPr lang="pt-BR" sz="1200" b="0" i="0" kern="1200" dirty="0" smtClean="0">
-                <a:solidFill>
-                  <a:schemeClr val="tx1"/>
-                </a:solidFill>
-                <a:effectLst/>
-                <a:latin typeface="+mn-lt"/>
-                <a:ea typeface="+mn-ea"/>
-                <a:cs typeface="+mn-cs"/>
-              </a:rPr>
-              <a:t>seu objetivo.</a:t>
-            </a:r>
-            <a:r>
-              <a:rPr lang="pt-BR" sz="1200" b="0" i="0" kern="1200" baseline="0" dirty="0" smtClean="0">
-                <a:solidFill>
-                  <a:schemeClr val="tx1"/>
-                </a:solidFill>
-                <a:effectLst/>
-                <a:latin typeface="+mn-lt"/>
-                <a:ea typeface="+mn-ea"/>
-                <a:cs typeface="+mn-cs"/>
-              </a:rPr>
-              <a:t> (TENTA NÂO DEPENDER DE OUTRAS CLASSES)</a:t>
-            </a:r>
-          </a:p>
-          <a:p>
-            <a:endParaRPr lang="pt-BR" sz="1200" b="0" i="0" kern="1200" baseline="0" dirty="0" smtClean="0">
-              <a:solidFill>
-                <a:schemeClr val="tx1"/>
-              </a:solidFill>
-              <a:effectLst/>
-              <a:latin typeface="+mn-lt"/>
-              <a:ea typeface="+mn-ea"/>
-              <a:cs typeface="+mn-cs"/>
-            </a:endParaRPr>
-          </a:p>
-          <a:p>
-            <a:r>
-              <a:rPr lang="pt-BR" sz="1200" b="0" i="0" kern="1200" dirty="0" smtClean="0">
-                <a:solidFill>
-                  <a:schemeClr val="tx1"/>
-                </a:solidFill>
-                <a:effectLst/>
-                <a:latin typeface="+mn-lt"/>
-                <a:ea typeface="+mn-ea"/>
-                <a:cs typeface="+mn-cs"/>
-              </a:rPr>
-              <a:t>Classes fortemente acopladas dificultam o reuso e a manutenção, pois</a:t>
-            </a:r>
-            <a:br>
-              <a:rPr lang="pt-BR" sz="1200" b="0" i="0" kern="1200" dirty="0" smtClean="0">
-                <a:solidFill>
-                  <a:schemeClr val="tx1"/>
-                </a:solidFill>
-                <a:effectLst/>
-                <a:latin typeface="+mn-lt"/>
-                <a:ea typeface="+mn-ea"/>
-                <a:cs typeface="+mn-cs"/>
-              </a:rPr>
-            </a:br>
-            <a:r>
-              <a:rPr lang="pt-BR" sz="1200" b="0" i="0" kern="1200" dirty="0" smtClean="0">
-                <a:solidFill>
-                  <a:schemeClr val="tx1"/>
-                </a:solidFill>
-                <a:effectLst/>
-                <a:latin typeface="+mn-lt"/>
-                <a:ea typeface="+mn-ea"/>
-                <a:cs typeface="+mn-cs"/>
-              </a:rPr>
-              <a:t>mudanças em uma delas afetarão as outras.</a:t>
-            </a:r>
-            <a:r>
               <a:rPr lang="pt-BR" dirty="0" smtClean="0"/>
-              <a:t> </a:t>
-            </a:r>
-            <a:r>
-              <a:rPr lang="pt-BR" baseline="0" dirty="0" smtClean="0"/>
-              <a:t> </a:t>
-            </a:r>
-          </a:p>
-          <a:p>
-            <a:endParaRPr lang="pt-BR" baseline="0" dirty="0" smtClean="0"/>
-          </a:p>
-          <a:p>
-            <a:r>
-              <a:rPr lang="pt-BR" baseline="0" dirty="0" smtClean="0"/>
-              <a:t> Exemplo da conta corrente (boa coesão)</a:t>
+              <a:t>Classes com acesso </a:t>
+            </a:r>
+            <a:r>
+              <a:rPr lang="pt-BR" dirty="0" err="1" smtClean="0"/>
+              <a:t>Public</a:t>
+            </a:r>
+            <a:r>
+              <a:rPr lang="pt-BR" dirty="0" smtClean="0"/>
+              <a:t>: – Podem ser instanciadas dentro de qualquer outra classe, </a:t>
+            </a:r>
+          </a:p>
+          <a:p>
+            <a:r>
+              <a:rPr lang="pt-BR" dirty="0" smtClean="0"/>
+              <a:t>● Qualquer classe pode criar objetos de uma classe pública – Um arquivo .</a:t>
+            </a:r>
+            <a:r>
+              <a:rPr lang="pt-BR" dirty="0" err="1" smtClean="0"/>
+              <a:t>java</a:t>
+            </a:r>
+            <a:r>
+              <a:rPr lang="pt-BR" dirty="0" smtClean="0"/>
+              <a:t> só pode ter uma única classe pública, e esta deverá ter o mesmo nome do </a:t>
+            </a:r>
+            <a:r>
+              <a:rPr lang="pt-BR" smtClean="0"/>
+              <a:t>arquivo </a:t>
+            </a:r>
+          </a:p>
+          <a:p>
+            <a:r>
+              <a:rPr lang="pt-BR" smtClean="0"/>
+              <a:t>● </a:t>
+            </a:r>
+            <a:r>
+              <a:rPr lang="pt-BR" dirty="0" smtClean="0"/>
+              <a:t>Apesar de ser pouco comum, é possível que um arquivo .</a:t>
+            </a:r>
+            <a:r>
+              <a:rPr lang="pt-BR" dirty="0" err="1" smtClean="0"/>
+              <a:t>java</a:t>
+            </a:r>
+            <a:r>
+              <a:rPr lang="pt-BR" dirty="0" smtClean="0"/>
+              <a:t> tenha uma classe pública e outras classes com outros acessos, mas esta prática não é recomendada</a:t>
             </a:r>
             <a:endParaRPr lang="pt-BR" dirty="0"/>
           </a:p>
@@ -904,7 +1716,7 @@
           <a:p>
             <a:fld id="{589419A9-F28C-41E3-8446-2708A565F008}" type="slidenum">
               <a:rPr lang="pt-BR" smtClean="0"/>
-              <a:t>25</a:t>
+              <a:t>27</a:t>
             </a:fld>
             <a:endParaRPr lang="pt-BR"/>
           </a:p>
@@ -913,7 +1725,7 @@
     </p:spTree>
     <p:extLst>
       <p:ext uri="{BB962C8B-B14F-4D97-AF65-F5344CB8AC3E}">
-        <p14:creationId xmlns:p14="http://schemas.microsoft.com/office/powerpoint/2010/main" val="1387743037"/>
+        <p14:creationId xmlns:p14="http://schemas.microsoft.com/office/powerpoint/2010/main" val="2174369448"/>
       </p:ext>
     </p:extLst>
   </p:cSld>
@@ -967,6 +1779,426 @@
           <a:bodyPr/>
           <a:lstStyle/>
           <a:p>
+            <a:endParaRPr lang="pt-BR" dirty="0"/>
+          </a:p>
+        </p:txBody>
+      </p:sp>
+      <p:sp>
+        <p:nvSpPr>
+          <p:cNvPr id="4" name="Espaço Reservado para Número de Slide 3"/>
+          <p:cNvSpPr>
+            <a:spLocks noGrp="1"/>
+          </p:cNvSpPr>
+          <p:nvPr>
+            <p:ph type="sldNum" sz="quarter" idx="10"/>
+          </p:nvPr>
+        </p:nvSpPr>
+        <p:spPr/>
+        <p:txBody>
+          <a:bodyPr/>
+          <a:lstStyle/>
+          <a:p>
+            <a:fld id="{589419A9-F28C-41E3-8446-2708A565F008}" type="slidenum">
+              <a:rPr lang="pt-BR" smtClean="0"/>
+              <a:t>28</a:t>
+            </a:fld>
+            <a:endParaRPr lang="pt-BR"/>
+          </a:p>
+        </p:txBody>
+      </p:sp>
+    </p:spTree>
+    <p:extLst>
+      <p:ext uri="{BB962C8B-B14F-4D97-AF65-F5344CB8AC3E}">
+        <p14:creationId xmlns:p14="http://schemas.microsoft.com/office/powerpoint/2010/main" val="3795701061"/>
+      </p:ext>
+    </p:extLst>
+  </p:cSld>
+  <p:clrMapOvr>
+    <a:masterClrMapping/>
+  </p:clrMapOvr>
+</p:notes>
+</file>
+
+<file path=ppt/notesSlides/notesSlide4.xml><?xml version="1.0" encoding="utf-8"?>
+<p:notes xmlns:a="http://schemas.openxmlformats.org/drawingml/2006/main" xmlns:r="http://schemas.openxmlformats.org/officeDocument/2006/relationships" xmlns:p="http://schemas.openxmlformats.org/presentationml/2006/main">
+  <p:cSld>
+    <p:spTree>
+      <p:nvGrpSpPr>
+        <p:cNvPr id="1" name=""/>
+        <p:cNvGrpSpPr/>
+        <p:nvPr/>
+      </p:nvGrpSpPr>
+      <p:grpSpPr>
+        <a:xfrm>
+          <a:off x="0" y="0"/>
+          <a:ext cx="0" cy="0"/>
+          <a:chOff x="0" y="0"/>
+          <a:chExt cx="0" cy="0"/>
+        </a:xfrm>
+      </p:grpSpPr>
+      <p:sp>
+        <p:nvSpPr>
+          <p:cNvPr id="2" name="Espaço Reservado para Imagem de Slide 1"/>
+          <p:cNvSpPr>
+            <a:spLocks noGrp="1" noRot="1" noChangeAspect="1"/>
+          </p:cNvSpPr>
+          <p:nvPr>
+            <p:ph type="sldImg"/>
+          </p:nvPr>
+        </p:nvSpPr>
+        <p:spPr/>
+      </p:sp>
+      <p:sp>
+        <p:nvSpPr>
+          <p:cNvPr id="3" name="Espaço Reservado para Anotações 2"/>
+          <p:cNvSpPr>
+            <a:spLocks noGrp="1"/>
+          </p:cNvSpPr>
+          <p:nvPr>
+            <p:ph type="body" idx="1"/>
+          </p:nvPr>
+        </p:nvSpPr>
+        <p:spPr/>
+        <p:txBody>
+          <a:bodyPr/>
+          <a:lstStyle/>
+          <a:p>
+            <a:endParaRPr lang="pt-BR" dirty="0"/>
+          </a:p>
+        </p:txBody>
+      </p:sp>
+      <p:sp>
+        <p:nvSpPr>
+          <p:cNvPr id="4" name="Espaço Reservado para Número de Slide 3"/>
+          <p:cNvSpPr>
+            <a:spLocks noGrp="1"/>
+          </p:cNvSpPr>
+          <p:nvPr>
+            <p:ph type="sldNum" sz="quarter" idx="10"/>
+          </p:nvPr>
+        </p:nvSpPr>
+        <p:spPr/>
+        <p:txBody>
+          <a:bodyPr/>
+          <a:lstStyle/>
+          <a:p>
+            <a:fld id="{589419A9-F28C-41E3-8446-2708A565F008}" type="slidenum">
+              <a:rPr lang="pt-BR" smtClean="0"/>
+              <a:t>29</a:t>
+            </a:fld>
+            <a:endParaRPr lang="pt-BR"/>
+          </a:p>
+        </p:txBody>
+      </p:sp>
+    </p:spTree>
+    <p:extLst>
+      <p:ext uri="{BB962C8B-B14F-4D97-AF65-F5344CB8AC3E}">
+        <p14:creationId xmlns:p14="http://schemas.microsoft.com/office/powerpoint/2010/main" val="3311478041"/>
+      </p:ext>
+    </p:extLst>
+  </p:cSld>
+  <p:clrMapOvr>
+    <a:masterClrMapping/>
+  </p:clrMapOvr>
+</p:notes>
+</file>
+
+<file path=ppt/notesSlides/notesSlide5.xml><?xml version="1.0" encoding="utf-8"?>
+<p:notes xmlns:a="http://schemas.openxmlformats.org/drawingml/2006/main" xmlns:r="http://schemas.openxmlformats.org/officeDocument/2006/relationships" xmlns:p="http://schemas.openxmlformats.org/presentationml/2006/main">
+  <p:cSld>
+    <p:spTree>
+      <p:nvGrpSpPr>
+        <p:cNvPr id="1" name=""/>
+        <p:cNvGrpSpPr/>
+        <p:nvPr/>
+      </p:nvGrpSpPr>
+      <p:grpSpPr>
+        <a:xfrm>
+          <a:off x="0" y="0"/>
+          <a:ext cx="0" cy="0"/>
+          <a:chOff x="0" y="0"/>
+          <a:chExt cx="0" cy="0"/>
+        </a:xfrm>
+      </p:grpSpPr>
+      <p:sp>
+        <p:nvSpPr>
+          <p:cNvPr id="2" name="Espaço Reservado para Imagem de Slide 1"/>
+          <p:cNvSpPr>
+            <a:spLocks noGrp="1" noRot="1" noChangeAspect="1"/>
+          </p:cNvSpPr>
+          <p:nvPr>
+            <p:ph type="sldImg"/>
+          </p:nvPr>
+        </p:nvSpPr>
+        <p:spPr/>
+      </p:sp>
+      <p:sp>
+        <p:nvSpPr>
+          <p:cNvPr id="3" name="Espaço Reservado para Anotações 2"/>
+          <p:cNvSpPr>
+            <a:spLocks noGrp="1"/>
+          </p:cNvSpPr>
+          <p:nvPr>
+            <p:ph type="body" idx="1"/>
+          </p:nvPr>
+        </p:nvSpPr>
+        <p:spPr/>
+        <p:txBody>
+          <a:bodyPr/>
+          <a:lstStyle/>
+          <a:p>
+            <a:endParaRPr lang="pt-BR" dirty="0"/>
+          </a:p>
+        </p:txBody>
+      </p:sp>
+      <p:sp>
+        <p:nvSpPr>
+          <p:cNvPr id="4" name="Espaço Reservado para Número de Slide 3"/>
+          <p:cNvSpPr>
+            <a:spLocks noGrp="1"/>
+          </p:cNvSpPr>
+          <p:nvPr>
+            <p:ph type="sldNum" sz="quarter" idx="10"/>
+          </p:nvPr>
+        </p:nvSpPr>
+        <p:spPr/>
+        <p:txBody>
+          <a:bodyPr/>
+          <a:lstStyle/>
+          <a:p>
+            <a:fld id="{589419A9-F28C-41E3-8446-2708A565F008}" type="slidenum">
+              <a:rPr lang="pt-BR" smtClean="0"/>
+              <a:t>30</a:t>
+            </a:fld>
+            <a:endParaRPr lang="pt-BR"/>
+          </a:p>
+        </p:txBody>
+      </p:sp>
+    </p:spTree>
+    <p:extLst>
+      <p:ext uri="{BB962C8B-B14F-4D97-AF65-F5344CB8AC3E}">
+        <p14:creationId xmlns:p14="http://schemas.microsoft.com/office/powerpoint/2010/main" val="2206182060"/>
+      </p:ext>
+    </p:extLst>
+  </p:cSld>
+  <p:clrMapOvr>
+    <a:masterClrMapping/>
+  </p:clrMapOvr>
+</p:notes>
+</file>
+
+<file path=ppt/notesSlides/notesSlide6.xml><?xml version="1.0" encoding="utf-8"?>
+<p:notes xmlns:a="http://schemas.openxmlformats.org/drawingml/2006/main" xmlns:r="http://schemas.openxmlformats.org/officeDocument/2006/relationships" xmlns:p="http://schemas.openxmlformats.org/presentationml/2006/main">
+  <p:cSld>
+    <p:spTree>
+      <p:nvGrpSpPr>
+        <p:cNvPr id="1" name=""/>
+        <p:cNvGrpSpPr/>
+        <p:nvPr/>
+      </p:nvGrpSpPr>
+      <p:grpSpPr>
+        <a:xfrm>
+          <a:off x="0" y="0"/>
+          <a:ext cx="0" cy="0"/>
+          <a:chOff x="0" y="0"/>
+          <a:chExt cx="0" cy="0"/>
+        </a:xfrm>
+      </p:grpSpPr>
+      <p:sp>
+        <p:nvSpPr>
+          <p:cNvPr id="2" name="Espaço Reservado para Imagem de Slide 1"/>
+          <p:cNvSpPr>
+            <a:spLocks noGrp="1" noRot="1" noChangeAspect="1"/>
+          </p:cNvSpPr>
+          <p:nvPr>
+            <p:ph type="sldImg"/>
+          </p:nvPr>
+        </p:nvSpPr>
+        <p:spPr/>
+      </p:sp>
+      <p:sp>
+        <p:nvSpPr>
+          <p:cNvPr id="3" name="Espaço Reservado para Anotações 2"/>
+          <p:cNvSpPr>
+            <a:spLocks noGrp="1"/>
+          </p:cNvSpPr>
+          <p:nvPr>
+            <p:ph type="body" idx="1"/>
+          </p:nvPr>
+        </p:nvSpPr>
+        <p:spPr/>
+        <p:txBody>
+          <a:bodyPr/>
+          <a:lstStyle/>
+          <a:p>
+            <a:endParaRPr lang="pt-BR" dirty="0"/>
+          </a:p>
+        </p:txBody>
+      </p:sp>
+      <p:sp>
+        <p:nvSpPr>
+          <p:cNvPr id="4" name="Espaço Reservado para Número de Slide 3"/>
+          <p:cNvSpPr>
+            <a:spLocks noGrp="1"/>
+          </p:cNvSpPr>
+          <p:nvPr>
+            <p:ph type="sldNum" sz="quarter" idx="10"/>
+          </p:nvPr>
+        </p:nvSpPr>
+        <p:spPr/>
+        <p:txBody>
+          <a:bodyPr/>
+          <a:lstStyle/>
+          <a:p>
+            <a:fld id="{589419A9-F28C-41E3-8446-2708A565F008}" type="slidenum">
+              <a:rPr lang="pt-BR" smtClean="0"/>
+              <a:t>31</a:t>
+            </a:fld>
+            <a:endParaRPr lang="pt-BR"/>
+          </a:p>
+        </p:txBody>
+      </p:sp>
+    </p:spTree>
+    <p:extLst>
+      <p:ext uri="{BB962C8B-B14F-4D97-AF65-F5344CB8AC3E}">
+        <p14:creationId xmlns:p14="http://schemas.microsoft.com/office/powerpoint/2010/main" val="828077195"/>
+      </p:ext>
+    </p:extLst>
+  </p:cSld>
+  <p:clrMapOvr>
+    <a:masterClrMapping/>
+  </p:clrMapOvr>
+</p:notes>
+</file>
+
+<file path=ppt/notesSlides/notesSlide7.xml><?xml version="1.0" encoding="utf-8"?>
+<p:notes xmlns:a="http://schemas.openxmlformats.org/drawingml/2006/main" xmlns:r="http://schemas.openxmlformats.org/officeDocument/2006/relationships" xmlns:p="http://schemas.openxmlformats.org/presentationml/2006/main">
+  <p:cSld>
+    <p:spTree>
+      <p:nvGrpSpPr>
+        <p:cNvPr id="1" name=""/>
+        <p:cNvGrpSpPr/>
+        <p:nvPr/>
+      </p:nvGrpSpPr>
+      <p:grpSpPr>
+        <a:xfrm>
+          <a:off x="0" y="0"/>
+          <a:ext cx="0" cy="0"/>
+          <a:chOff x="0" y="0"/>
+          <a:chExt cx="0" cy="0"/>
+        </a:xfrm>
+      </p:grpSpPr>
+      <p:sp>
+        <p:nvSpPr>
+          <p:cNvPr id="2" name="Espaço Reservado para Imagem de Slide 1"/>
+          <p:cNvSpPr>
+            <a:spLocks noGrp="1" noRot="1" noChangeAspect="1"/>
+          </p:cNvSpPr>
+          <p:nvPr>
+            <p:ph type="sldImg"/>
+          </p:nvPr>
+        </p:nvSpPr>
+        <p:spPr/>
+      </p:sp>
+      <p:sp>
+        <p:nvSpPr>
+          <p:cNvPr id="3" name="Espaço Reservado para Anotações 2"/>
+          <p:cNvSpPr>
+            <a:spLocks noGrp="1"/>
+          </p:cNvSpPr>
+          <p:nvPr>
+            <p:ph type="body" idx="1"/>
+          </p:nvPr>
+        </p:nvSpPr>
+        <p:spPr/>
+        <p:txBody>
+          <a:bodyPr/>
+          <a:lstStyle/>
+          <a:p>
+            <a:endParaRPr lang="pt-BR" dirty="0"/>
+          </a:p>
+        </p:txBody>
+      </p:sp>
+      <p:sp>
+        <p:nvSpPr>
+          <p:cNvPr id="4" name="Espaço Reservado para Número de Slide 3"/>
+          <p:cNvSpPr>
+            <a:spLocks noGrp="1"/>
+          </p:cNvSpPr>
+          <p:nvPr>
+            <p:ph type="sldNum" sz="quarter" idx="10"/>
+          </p:nvPr>
+        </p:nvSpPr>
+        <p:spPr/>
+        <p:txBody>
+          <a:bodyPr/>
+          <a:lstStyle/>
+          <a:p>
+            <a:fld id="{589419A9-F28C-41E3-8446-2708A565F008}" type="slidenum">
+              <a:rPr lang="pt-BR" smtClean="0"/>
+              <a:t>32</a:t>
+            </a:fld>
+            <a:endParaRPr lang="pt-BR"/>
+          </a:p>
+        </p:txBody>
+      </p:sp>
+    </p:spTree>
+    <p:extLst>
+      <p:ext uri="{BB962C8B-B14F-4D97-AF65-F5344CB8AC3E}">
+        <p14:creationId xmlns:p14="http://schemas.microsoft.com/office/powerpoint/2010/main" val="3492682414"/>
+      </p:ext>
+    </p:extLst>
+  </p:cSld>
+  <p:clrMapOvr>
+    <a:masterClrMapping/>
+  </p:clrMapOvr>
+</p:notes>
+</file>
+
+<file path=ppt/notesSlides/notesSlide8.xml><?xml version="1.0" encoding="utf-8"?>
+<p:notes xmlns:a="http://schemas.openxmlformats.org/drawingml/2006/main" xmlns:r="http://schemas.openxmlformats.org/officeDocument/2006/relationships" xmlns:p="http://schemas.openxmlformats.org/presentationml/2006/main">
+  <p:cSld>
+    <p:spTree>
+      <p:nvGrpSpPr>
+        <p:cNvPr id="1" name=""/>
+        <p:cNvGrpSpPr/>
+        <p:nvPr/>
+      </p:nvGrpSpPr>
+      <p:grpSpPr>
+        <a:xfrm>
+          <a:off x="0" y="0"/>
+          <a:ext cx="0" cy="0"/>
+          <a:chOff x="0" y="0"/>
+          <a:chExt cx="0" cy="0"/>
+        </a:xfrm>
+      </p:grpSpPr>
+      <p:sp>
+        <p:nvSpPr>
+          <p:cNvPr id="2" name="Espaço Reservado para Imagem de Slide 1"/>
+          <p:cNvSpPr>
+            <a:spLocks noGrp="1" noRot="1" noChangeAspect="1"/>
+          </p:cNvSpPr>
+          <p:nvPr>
+            <p:ph type="sldImg"/>
+          </p:nvPr>
+        </p:nvSpPr>
+        <p:spPr/>
+      </p:sp>
+      <p:sp>
+        <p:nvSpPr>
+          <p:cNvPr id="3" name="Espaço Reservado para Anotações 2"/>
+          <p:cNvSpPr>
+            <a:spLocks noGrp="1"/>
+          </p:cNvSpPr>
+          <p:nvPr>
+            <p:ph type="body" idx="1"/>
+          </p:nvPr>
+        </p:nvSpPr>
+        <p:spPr/>
+        <p:txBody>
+          <a:bodyPr/>
+          <a:lstStyle/>
+          <a:p>
             <a:r>
               <a:rPr lang="pt-BR" sz="1200" b="0" i="0" kern="1200" dirty="0" smtClean="0">
                 <a:solidFill>
@@ -1123,7 +2355,91 @@
           <a:p>
             <a:fld id="{589419A9-F28C-41E3-8446-2708A565F008}" type="slidenum">
               <a:rPr lang="pt-BR" smtClean="0"/>
-              <a:t>26</a:t>
+              <a:t>38</a:t>
+            </a:fld>
+            <a:endParaRPr lang="pt-BR"/>
+          </a:p>
+        </p:txBody>
+      </p:sp>
+    </p:spTree>
+    <p:extLst>
+      <p:ext uri="{BB962C8B-B14F-4D97-AF65-F5344CB8AC3E}">
+        <p14:creationId xmlns:p14="http://schemas.microsoft.com/office/powerpoint/2010/main" val="1387743037"/>
+      </p:ext>
+    </p:extLst>
+  </p:cSld>
+  <p:clrMapOvr>
+    <a:masterClrMapping/>
+  </p:clrMapOvr>
+</p:notes>
+</file>
+
+<file path=ppt/notesSlides/notesSlide9.xml><?xml version="1.0" encoding="utf-8"?>
+<p:notes xmlns:a="http://schemas.openxmlformats.org/drawingml/2006/main" xmlns:r="http://schemas.openxmlformats.org/officeDocument/2006/relationships" xmlns:p="http://schemas.openxmlformats.org/presentationml/2006/main">
+  <p:cSld>
+    <p:spTree>
+      <p:nvGrpSpPr>
+        <p:cNvPr id="1" name=""/>
+        <p:cNvGrpSpPr/>
+        <p:nvPr/>
+      </p:nvGrpSpPr>
+      <p:grpSpPr>
+        <a:xfrm>
+          <a:off x="0" y="0"/>
+          <a:ext cx="0" cy="0"/>
+          <a:chOff x="0" y="0"/>
+          <a:chExt cx="0" cy="0"/>
+        </a:xfrm>
+      </p:grpSpPr>
+      <p:sp>
+        <p:nvSpPr>
+          <p:cNvPr id="2" name="Espaço Reservado para Imagem de Slide 1"/>
+          <p:cNvSpPr>
+            <a:spLocks noGrp="1" noRot="1" noChangeAspect="1"/>
+          </p:cNvSpPr>
+          <p:nvPr>
+            <p:ph type="sldImg"/>
+          </p:nvPr>
+        </p:nvSpPr>
+        <p:spPr/>
+      </p:sp>
+      <p:sp>
+        <p:nvSpPr>
+          <p:cNvPr id="3" name="Espaço Reservado para Anotações 2"/>
+          <p:cNvSpPr>
+            <a:spLocks noGrp="1"/>
+          </p:cNvSpPr>
+          <p:nvPr>
+            <p:ph type="body" idx="1"/>
+          </p:nvPr>
+        </p:nvSpPr>
+        <p:spPr/>
+        <p:txBody>
+          <a:bodyPr/>
+          <a:lstStyle/>
+          <a:p>
+            <a:endParaRPr lang="pt-BR" dirty="0"/>
+          </a:p>
+        </p:txBody>
+      </p:sp>
+      <p:sp>
+        <p:nvSpPr>
+          <p:cNvPr id="4" name="Espaço Reservado para Número de Slide 3"/>
+          <p:cNvSpPr>
+            <a:spLocks noGrp="1"/>
+          </p:cNvSpPr>
+          <p:nvPr>
+            <p:ph type="sldNum" sz="quarter" idx="10"/>
+          </p:nvPr>
+        </p:nvSpPr>
+        <p:spPr/>
+        <p:txBody>
+          <a:bodyPr/>
+          <a:lstStyle/>
+          <a:p>
+            <a:fld id="{589419A9-F28C-41E3-8446-2708A565F008}" type="slidenum">
+              <a:rPr lang="pt-BR" smtClean="0"/>
+              <a:t>39</a:t>
             </a:fld>
             <a:endParaRPr lang="pt-BR"/>
           </a:p>
@@ -1334,7 +2650,7 @@
           <a:p>
             <a:fld id="{FB16396F-5437-4AAC-8361-EDCE4172AFE2}" type="datetimeFigureOut">
               <a:rPr lang="pt-BR" smtClean="0"/>
-              <a:t>12/09/2019</a:t>
+              <a:t>16/09/2019</a:t>
             </a:fld>
             <a:endParaRPr lang="pt-BR"/>
           </a:p>
@@ -1499,7 +2815,7 @@
           <a:p>
             <a:fld id="{FB16396F-5437-4AAC-8361-EDCE4172AFE2}" type="datetimeFigureOut">
               <a:rPr lang="pt-BR" smtClean="0"/>
-              <a:t>12/09/2019</a:t>
+              <a:t>16/09/2019</a:t>
             </a:fld>
             <a:endParaRPr lang="pt-BR"/>
           </a:p>
@@ -1674,7 +2990,7 @@
           <a:p>
             <a:fld id="{FB16396F-5437-4AAC-8361-EDCE4172AFE2}" type="datetimeFigureOut">
               <a:rPr lang="pt-BR" smtClean="0"/>
-              <a:t>12/09/2019</a:t>
+              <a:t>16/09/2019</a:t>
             </a:fld>
             <a:endParaRPr lang="pt-BR"/>
           </a:p>
@@ -1857,7 +3173,7 @@
           <a:p>
             <a:fld id="{FB16396F-5437-4AAC-8361-EDCE4172AFE2}" type="datetimeFigureOut">
               <a:rPr lang="pt-BR" smtClean="0"/>
-              <a:t>12/09/2019</a:t>
+              <a:t>16/09/2019</a:t>
             </a:fld>
             <a:endParaRPr lang="pt-BR"/>
           </a:p>
@@ -2119,7 +3435,7 @@
           <a:p>
             <a:fld id="{FB16396F-5437-4AAC-8361-EDCE4172AFE2}" type="datetimeFigureOut">
               <a:rPr lang="pt-BR" smtClean="0"/>
-              <a:t>12/09/2019</a:t>
+              <a:t>16/09/2019</a:t>
             </a:fld>
             <a:endParaRPr lang="pt-BR"/>
           </a:p>
@@ -2467,7 +3783,7 @@
           <a:p>
             <a:fld id="{FB16396F-5437-4AAC-8361-EDCE4172AFE2}" type="datetimeFigureOut">
               <a:rPr lang="pt-BR" smtClean="0"/>
-              <a:t>12/09/2019</a:t>
+              <a:t>16/09/2019</a:t>
             </a:fld>
             <a:endParaRPr lang="pt-BR"/>
           </a:p>
@@ -2775,7 +4091,7 @@
           <a:p>
             <a:fld id="{FB16396F-5437-4AAC-8361-EDCE4172AFE2}" type="datetimeFigureOut">
               <a:rPr lang="pt-BR" smtClean="0"/>
-              <a:t>12/09/2019</a:t>
+              <a:t>16/09/2019</a:t>
             </a:fld>
             <a:endParaRPr lang="pt-BR"/>
           </a:p>
@@ -3002,7 +4318,7 @@
           <a:p>
             <a:fld id="{FB16396F-5437-4AAC-8361-EDCE4172AFE2}" type="datetimeFigureOut">
               <a:rPr lang="pt-BR" smtClean="0"/>
-              <a:t>12/09/2019</a:t>
+              <a:t>16/09/2019</a:t>
             </a:fld>
             <a:endParaRPr lang="pt-BR"/>
           </a:p>
@@ -3092,7 +4408,7 @@
           <a:p>
             <a:fld id="{FB16396F-5437-4AAC-8361-EDCE4172AFE2}" type="datetimeFigureOut">
               <a:rPr lang="pt-BR" smtClean="0"/>
-              <a:t>12/09/2019</a:t>
+              <a:t>16/09/2019</a:t>
             </a:fld>
             <a:endParaRPr lang="pt-BR"/>
           </a:p>
@@ -3380,7 +4696,7 @@
           <a:p>
             <a:fld id="{FB16396F-5437-4AAC-8361-EDCE4172AFE2}" type="datetimeFigureOut">
               <a:rPr lang="pt-BR" smtClean="0"/>
-              <a:t>12/09/2019</a:t>
+              <a:t>16/09/2019</a:t>
             </a:fld>
             <a:endParaRPr lang="pt-BR"/>
           </a:p>
@@ -3649,7 +4965,7 @@
           <a:p>
             <a:fld id="{FB16396F-5437-4AAC-8361-EDCE4172AFE2}" type="datetimeFigureOut">
               <a:rPr lang="pt-BR" smtClean="0"/>
-              <a:t>12/09/2019</a:t>
+              <a:t>16/09/2019</a:t>
             </a:fld>
             <a:endParaRPr lang="pt-BR"/>
           </a:p>
@@ -3859,7 +5175,7 @@
           <a:p>
             <a:fld id="{FB16396F-5437-4AAC-8361-EDCE4172AFE2}" type="datetimeFigureOut">
               <a:rPr lang="pt-BR" smtClean="0"/>
-              <a:t>12/09/2019</a:t>
+              <a:t>16/09/2019</a:t>
             </a:fld>
             <a:endParaRPr lang="pt-BR"/>
           </a:p>
@@ -4877,13 +6193,7 @@
               <a:rPr lang="en-US" altLang="pt-BR" sz="3600" b="1" dirty="0" smtClean="0">
                 <a:latin typeface="Lucida Console" panose="020B0609040504020204" pitchFamily="49" charset="0"/>
               </a:rPr>
-              <a:t>LPOO </a:t>
-            </a:r>
-            <a:r>
-              <a:rPr lang="en-US" altLang="pt-BR" sz="3600" b="1" dirty="0" smtClean="0">
-                <a:latin typeface="Lucida Console" panose="020B0609040504020204" pitchFamily="49" charset="0"/>
-              </a:rPr>
-              <a:t>I – Aula 2</a:t>
+              <a:t>LPOO I – Aula 2</a:t>
             </a:r>
             <a:br>
               <a:rPr lang="en-US" altLang="pt-BR" sz="3600" b="1" dirty="0" smtClean="0">
@@ -7368,7 +8678,31 @@
                 </a:solidFill>
                 <a:latin typeface="Bitter" panose="02000000000000000000" pitchFamily="2" charset="0"/>
               </a:rPr>
-              <a:t>Secretario.java</a:t>
+              <a:t>Secretario.java (@</a:t>
+            </a:r>
+            <a:r>
+              <a:rPr lang="pt-BR" sz="2800" dirty="0" err="1" smtClean="0">
+                <a:solidFill>
+                  <a:schemeClr val="tx1">
+                    <a:lumMod val="95000"/>
+                    <a:lumOff val="5000"/>
+                  </a:schemeClr>
+                </a:solidFill>
+                <a:latin typeface="Bitter" panose="02000000000000000000" pitchFamily="2" charset="0"/>
+              </a:rPr>
+              <a:t>override</a:t>
+            </a:r>
+            <a:r>
+              <a:rPr lang="pt-BR" sz="2800" dirty="0" smtClean="0">
+                <a:solidFill>
+                  <a:schemeClr val="tx1">
+                    <a:lumMod val="95000"/>
+                    <a:lumOff val="5000"/>
+                  </a:schemeClr>
+                </a:solidFill>
+                <a:latin typeface="Bitter" panose="02000000000000000000" pitchFamily="2" charset="0"/>
+              </a:rPr>
+              <a:t> não é obrigatório, mas desejável)</a:t>
             </a:r>
             <a:endParaRPr lang="pt-BR" sz="2000" dirty="0">
               <a:solidFill>
@@ -7405,7 +8739,7 @@
         </p:blipFill>
         <p:spPr bwMode="auto">
           <a:xfrm>
-            <a:off x="1547664" y="2348880"/>
+            <a:off x="1547664" y="2564904"/>
             <a:ext cx="6155204" cy="3240360"/>
           </a:xfrm>
           <a:prstGeom prst="rect">
@@ -7695,7 +9029,7 @@
                 </a:solidFill>
                 <a:latin typeface="Bitter" panose="02000000000000000000" pitchFamily="2" charset="0"/>
               </a:rPr>
-              <a:t>Herança</a:t>
+              <a:t>Encapsulamento</a:t>
             </a:r>
             <a:endParaRPr lang="pt-BR" dirty="0">
               <a:solidFill>
@@ -7722,7 +9056,7 @@
         <p:spPr/>
         <p:txBody>
           <a:bodyPr>
-            <a:normAutofit lnSpcReduction="10000"/>
+            <a:normAutofit/>
           </a:bodyPr>
           <a:lstStyle/>
           <a:p>
@@ -7744,7 +9078,73 @@
                 </a:solidFill>
                 <a:latin typeface="Bitter" panose="02000000000000000000" pitchFamily="2" charset="0"/>
               </a:rPr>
-              <a:t>Quando uma classe é um tipo de elemento que pode herdar características e comportamentos de um elemento mais abstrato</a:t>
+              <a:t>Ocultação dos detalhes internos da implementação de uma classe</a:t>
+            </a:r>
+          </a:p>
+          <a:p>
+            <a:pPr>
+              <a:buClr>
+                <a:schemeClr val="tx1">
+                  <a:lumMod val="50000"/>
+                  <a:lumOff val="50000"/>
+                </a:schemeClr>
+              </a:buClr>
+            </a:pPr>
+            <a:r>
+              <a:rPr lang="pt-BR" sz="2800" dirty="0" smtClean="0">
+                <a:solidFill>
+                  <a:schemeClr val="tx1">
+                    <a:lumMod val="95000"/>
+                    <a:lumOff val="5000"/>
+                  </a:schemeClr>
+                </a:solidFill>
+                <a:latin typeface="Bitter" panose="02000000000000000000" pitchFamily="2" charset="0"/>
+              </a:rPr>
+              <a:t>Modularização</a:t>
+            </a:r>
+          </a:p>
+          <a:p>
+            <a:pPr>
+              <a:buClr>
+                <a:schemeClr val="tx1">
+                  <a:lumMod val="50000"/>
+                  <a:lumOff val="50000"/>
+                </a:schemeClr>
+              </a:buClr>
+            </a:pPr>
+            <a:r>
+              <a:rPr lang="pt-BR" sz="2800" dirty="0" smtClean="0">
+                <a:solidFill>
+                  <a:schemeClr val="tx1">
+                    <a:lumMod val="95000"/>
+                    <a:lumOff val="5000"/>
+                  </a:schemeClr>
+                </a:solidFill>
+                <a:latin typeface="Bitter" panose="02000000000000000000" pitchFamily="2" charset="0"/>
+              </a:rPr>
+              <a:t>Controle de acesso</a:t>
+            </a:r>
+          </a:p>
+          <a:p>
+            <a:pPr>
+              <a:buClr>
+                <a:schemeClr val="tx1">
+                  <a:lumMod val="50000"/>
+                  <a:lumOff val="50000"/>
+                </a:schemeClr>
+              </a:buClr>
+            </a:pPr>
+            <a:r>
+              <a:rPr lang="pt-BR" sz="2800" dirty="0" smtClean="0">
+                <a:solidFill>
+                  <a:schemeClr val="tx1">
+                    <a:lumMod val="95000"/>
+                    <a:lumOff val="5000"/>
+                  </a:schemeClr>
+                </a:solidFill>
+                <a:latin typeface="Bitter" panose="02000000000000000000" pitchFamily="2" charset="0"/>
+              </a:rPr>
+              <a:t>Ex.:</a:t>
             </a:r>
           </a:p>
           <a:p>
@@ -7766,118 +9166,14 @@
                 </a:solidFill>
                 <a:latin typeface="Bitter" panose="02000000000000000000" pitchFamily="2" charset="0"/>
               </a:rPr>
-              <a:t>Exemplo: Professor herda da classe Funcionário que herda da classe Pessoa</a:t>
-            </a:r>
-          </a:p>
-          <a:p>
-            <a:pPr lvl="1">
-              <a:buClr>
-                <a:schemeClr val="tx1">
-                  <a:lumMod val="50000"/>
-                  <a:lumOff val="50000"/>
-                </a:schemeClr>
-              </a:buClr>
-            </a:pPr>
-            <a:r>
-              <a:rPr lang="pt-BR" sz="2000" dirty="0" smtClean="0">
-                <a:solidFill>
-                  <a:schemeClr val="tx1">
-                    <a:lumMod val="95000"/>
-                    <a:lumOff val="5000"/>
-                  </a:schemeClr>
-                </a:solidFill>
-                <a:latin typeface="Bitter" panose="02000000000000000000" pitchFamily="2" charset="0"/>
-              </a:rPr>
-              <a:t>Exemplo2: Cachorro herda da classe Mamífero</a:t>
-            </a:r>
-          </a:p>
-          <a:p>
-            <a:pPr>
-              <a:buClr>
-                <a:schemeClr val="tx1">
-                  <a:lumMod val="50000"/>
-                  <a:lumOff val="50000"/>
-                </a:schemeClr>
-              </a:buClr>
-            </a:pPr>
-            <a:r>
-              <a:rPr lang="pt-BR" sz="2800" dirty="0" smtClean="0">
-                <a:solidFill>
-                  <a:schemeClr val="tx1">
-                    <a:lumMod val="95000"/>
-                    <a:lumOff val="5000"/>
-                  </a:schemeClr>
-                </a:solidFill>
-                <a:latin typeface="Bitter" panose="02000000000000000000" pitchFamily="2" charset="0"/>
-              </a:rPr>
-              <a:t>Vantagens:</a:t>
-            </a:r>
-          </a:p>
-          <a:p>
-            <a:pPr lvl="1">
-              <a:buClr>
-                <a:schemeClr val="tx1">
-                  <a:lumMod val="50000"/>
-                  <a:lumOff val="50000"/>
-                </a:schemeClr>
-              </a:buClr>
-            </a:pPr>
-            <a:r>
-              <a:rPr lang="pt-BR" sz="2000" dirty="0" smtClean="0">
-                <a:solidFill>
-                  <a:schemeClr val="tx1">
-                    <a:lumMod val="95000"/>
-                    <a:lumOff val="5000"/>
-                  </a:schemeClr>
-                </a:solidFill>
-                <a:latin typeface="Bitter" panose="02000000000000000000" pitchFamily="2" charset="0"/>
-              </a:rPr>
-              <a:t>Organização e reuso</a:t>
-            </a:r>
-          </a:p>
-          <a:p>
-            <a:pPr lvl="1">
-              <a:buClr>
-                <a:schemeClr val="tx1">
-                  <a:lumMod val="50000"/>
-                  <a:lumOff val="50000"/>
-                </a:schemeClr>
-              </a:buClr>
-            </a:pPr>
-            <a:r>
-              <a:rPr lang="pt-BR" sz="2000" dirty="0" smtClean="0">
-                <a:solidFill>
-                  <a:schemeClr val="tx1">
-                    <a:lumMod val="95000"/>
-                    <a:lumOff val="5000"/>
-                  </a:schemeClr>
-                </a:solidFill>
-                <a:latin typeface="Bitter" panose="02000000000000000000" pitchFamily="2" charset="0"/>
-              </a:rPr>
-              <a:t>Alterar comportamentos da classe pai</a:t>
-            </a:r>
-          </a:p>
-          <a:p>
-            <a:pPr>
-              <a:buClr>
-                <a:schemeClr val="tx1">
-                  <a:lumMod val="50000"/>
-                  <a:lumOff val="50000"/>
-                </a:schemeClr>
-              </a:buClr>
-            </a:pPr>
-            <a:r>
-              <a:rPr lang="pt-BR" sz="2800" dirty="0" smtClean="0">
-                <a:solidFill>
-                  <a:srgbClr val="FF0000"/>
-                </a:solidFill>
-                <a:latin typeface="Bitter" panose="02000000000000000000" pitchFamily="2" charset="0"/>
-              </a:rPr>
-              <a:t>Não existe múltipla herança!!</a:t>
-            </a:r>
-            <a:endParaRPr lang="pt-BR" sz="2800" dirty="0">
+              <a:t>Carro – não precisamos saber como funciona, apenas como dirigi-lo</a:t>
+            </a:r>
+            <a:endParaRPr lang="pt-BR" sz="2000" dirty="0">
               <a:solidFill>
-                <a:srgbClr val="FF0000"/>
+                <a:schemeClr val="tx1">
+                  <a:lumMod val="95000"/>
+                  <a:lumOff val="5000"/>
+                </a:schemeClr>
               </a:solidFill>
               <a:latin typeface="Bitter" panose="02000000000000000000" pitchFamily="2" charset="0"/>
             </a:endParaRPr>
@@ -7887,7 +9183,7 @@
     </p:spTree>
     <p:extLst>
       <p:ext uri="{BB962C8B-B14F-4D97-AF65-F5344CB8AC3E}">
-        <p14:creationId xmlns:p14="http://schemas.microsoft.com/office/powerpoint/2010/main" val="1212697614"/>
+        <p14:creationId xmlns:p14="http://schemas.microsoft.com/office/powerpoint/2010/main" val="1498594991"/>
       </p:ext>
     </p:extLst>
   </p:cSld>
@@ -8089,7 +9385,7 @@
                 </a:solidFill>
                 <a:latin typeface="Bitter" panose="02000000000000000000" pitchFamily="2" charset="0"/>
               </a:rPr>
-              <a:t>Herança</a:t>
+              <a:t>Encapsulamento</a:t>
             </a:r>
             <a:endParaRPr lang="pt-BR" dirty="0">
               <a:solidFill>
@@ -8103,66 +9399,241 @@
           </a:p>
         </p:txBody>
       </p:sp>
-      <p:pic>
-        <p:nvPicPr>
-          <p:cNvPr id="11266" name="Picture 2"/>
-          <p:cNvPicPr>
-            <a:picLocks noGrp="1" noChangeAspect="1" noChangeArrowheads="1"/>
-          </p:cNvPicPr>
+      <p:sp>
+        <p:nvSpPr>
+          <p:cNvPr id="3" name="Espaço Reservado para Conteúdo 2"/>
+          <p:cNvSpPr>
+            <a:spLocks noGrp="1"/>
+          </p:cNvSpPr>
           <p:nvPr>
             <p:ph idx="1"/>
           </p:nvPr>
-        </p:nvPicPr>
-        <p:blipFill>
-          <a:blip r:embed="rId2">
-            <a:extLst>
-              <a:ext uri="{28A0092B-C50C-407E-A947-70E740481C1C}">
-                <a14:useLocalDpi xmlns:a14="http://schemas.microsoft.com/office/drawing/2010/main" val="0"/>
-              </a:ext>
-            </a:extLst>
-          </a:blip>
-          <a:srcRect/>
-          <a:stretch>
-            <a:fillRect/>
-          </a:stretch>
-        </p:blipFill>
-        <p:spPr bwMode="auto">
-          <a:xfrm>
-            <a:off x="2952750" y="1901031"/>
-            <a:ext cx="3238500" cy="3924300"/>
-          </a:xfrm>
-          <a:prstGeom prst="rect">
-            <a:avLst/>
-          </a:prstGeom>
-          <a:noFill/>
-          <a:ln>
-            <a:noFill/>
-          </a:ln>
-          <a:extLst>
-            <a:ext uri="{909E8E84-426E-40DD-AFC4-6F175D3DCCD1}">
-              <a14:hiddenFill xmlns:a14="http://schemas.microsoft.com/office/drawing/2010/main">
-                <a:solidFill>
-                  <a:schemeClr val="accent1"/>
-                </a:solidFill>
-              </a14:hiddenFill>
-            </a:ext>
-            <a:ext uri="{91240B29-F687-4F45-9708-019B960494DF}">
-              <a14:hiddenLine xmlns:a14="http://schemas.microsoft.com/office/drawing/2010/main" w="9525">
-                <a:solidFill>
-                  <a:schemeClr val="tx1"/>
-                </a:solidFill>
-                <a:miter lim="800000"/>
-                <a:headEnd/>
-                <a:tailEnd/>
-              </a14:hiddenLine>
-            </a:ext>
-          </a:extLst>
-        </p:spPr>
-      </p:pic>
+        </p:nvSpPr>
+        <p:spPr/>
+        <p:txBody>
+          <a:bodyPr>
+            <a:normAutofit/>
+          </a:bodyPr>
+          <a:lstStyle/>
+          <a:p>
+            <a:pPr>
+              <a:buClr>
+                <a:schemeClr val="tx1">
+                  <a:lumMod val="50000"/>
+                  <a:lumOff val="50000"/>
+                </a:schemeClr>
+              </a:buClr>
+            </a:pPr>
+            <a:r>
+              <a:rPr lang="pt-BR" sz="2800" dirty="0" smtClean="0">
+                <a:solidFill>
+                  <a:schemeClr val="tx1">
+                    <a:lumMod val="95000"/>
+                    <a:lumOff val="5000"/>
+                  </a:schemeClr>
+                </a:solidFill>
+                <a:latin typeface="Bitter" panose="02000000000000000000" pitchFamily="2" charset="0"/>
+              </a:rPr>
+              <a:t>Mundo vê um objeto pelo que ele é capaz de fazer e não como faz</a:t>
+            </a:r>
+          </a:p>
+          <a:p>
+            <a:pPr>
+              <a:buClr>
+                <a:schemeClr val="tx1">
+                  <a:lumMod val="50000"/>
+                  <a:lumOff val="50000"/>
+                </a:schemeClr>
+              </a:buClr>
+            </a:pPr>
+            <a:r>
+              <a:rPr lang="pt-BR" sz="2800" dirty="0" smtClean="0">
+                <a:solidFill>
+                  <a:schemeClr val="tx1">
+                    <a:lumMod val="95000"/>
+                    <a:lumOff val="5000"/>
+                  </a:schemeClr>
+                </a:solidFill>
+                <a:latin typeface="Bitter" panose="02000000000000000000" pitchFamily="2" charset="0"/>
+              </a:rPr>
+              <a:t>Ex.:</a:t>
+            </a:r>
+          </a:p>
+          <a:p>
+            <a:pPr lvl="1">
+              <a:buClr>
+                <a:schemeClr val="tx1">
+                  <a:lumMod val="50000"/>
+                  <a:lumOff val="50000"/>
+                </a:schemeClr>
+              </a:buClr>
+            </a:pPr>
+            <a:r>
+              <a:rPr lang="pt-BR" sz="2000" dirty="0" smtClean="0">
+                <a:solidFill>
+                  <a:schemeClr val="tx1">
+                    <a:lumMod val="95000"/>
+                    <a:lumOff val="5000"/>
+                  </a:schemeClr>
+                </a:solidFill>
+                <a:latin typeface="Bitter" panose="02000000000000000000" pitchFamily="2" charset="0"/>
+              </a:rPr>
+              <a:t>Carro: Não precisamos conhecer sua implementação, apenas precisamos saber como funciona sua “interface API”</a:t>
+            </a:r>
+          </a:p>
+          <a:p>
+            <a:pPr lvl="1">
+              <a:buClr>
+                <a:schemeClr val="tx1">
+                  <a:lumMod val="50000"/>
+                  <a:lumOff val="50000"/>
+                </a:schemeClr>
+              </a:buClr>
+            </a:pPr>
+            <a:r>
+              <a:rPr lang="pt-BR" sz="2000" dirty="0" smtClean="0">
+                <a:solidFill>
+                  <a:schemeClr val="tx1">
+                    <a:lumMod val="95000"/>
+                    <a:lumOff val="5000"/>
+                  </a:schemeClr>
+                </a:solidFill>
+                <a:latin typeface="Bitter" panose="02000000000000000000" pitchFamily="2" charset="0"/>
+              </a:rPr>
+              <a:t>Acelerar, frear, virar</a:t>
+            </a:r>
+          </a:p>
+          <a:p>
+            <a:pPr lvl="1">
+              <a:buClr>
+                <a:schemeClr val="tx1">
+                  <a:lumMod val="50000"/>
+                  <a:lumOff val="50000"/>
+                </a:schemeClr>
+              </a:buClr>
+            </a:pPr>
+            <a:r>
+              <a:rPr lang="pt-BR" sz="2000" dirty="0" smtClean="0">
+                <a:solidFill>
+                  <a:schemeClr val="tx1">
+                    <a:lumMod val="95000"/>
+                    <a:lumOff val="5000"/>
+                  </a:schemeClr>
+                </a:solidFill>
+                <a:latin typeface="Bitter" panose="02000000000000000000" pitchFamily="2" charset="0"/>
+              </a:rPr>
+              <a:t>Saber o quanto resta de gasolina, rotação de motor</a:t>
+            </a:r>
+          </a:p>
+          <a:p>
+            <a:pPr lvl="1">
+              <a:buClr>
+                <a:schemeClr val="tx1">
+                  <a:lumMod val="50000"/>
+                  <a:lumOff val="50000"/>
+                </a:schemeClr>
+              </a:buClr>
+            </a:pPr>
+            <a:r>
+              <a:rPr lang="pt-BR" sz="2000" dirty="0" smtClean="0">
+                <a:solidFill>
+                  <a:schemeClr val="tx1">
+                    <a:lumMod val="95000"/>
+                    <a:lumOff val="5000"/>
+                  </a:schemeClr>
+                </a:solidFill>
+                <a:latin typeface="Bitter" panose="02000000000000000000" pitchFamily="2" charset="0"/>
+              </a:rPr>
+              <a:t>Com </a:t>
+            </a:r>
+            <a:r>
+              <a:rPr lang="pt-BR" sz="2000" dirty="0" err="1" smtClean="0">
+                <a:solidFill>
+                  <a:schemeClr val="tx1">
+                    <a:lumMod val="95000"/>
+                    <a:lumOff val="5000"/>
+                  </a:schemeClr>
+                </a:solidFill>
+                <a:latin typeface="Bitter" panose="02000000000000000000" pitchFamily="2" charset="0"/>
+              </a:rPr>
+              <a:t>String</a:t>
+            </a:r>
+            <a:r>
+              <a:rPr lang="pt-BR" sz="2000" dirty="0" smtClean="0">
+                <a:solidFill>
+                  <a:schemeClr val="tx1">
+                    <a:lumMod val="95000"/>
+                    <a:lumOff val="5000"/>
+                  </a:schemeClr>
+                </a:solidFill>
+                <a:latin typeface="Bitter" panose="02000000000000000000" pitchFamily="2" charset="0"/>
+              </a:rPr>
+              <a:t>: como concatenar, como fazer </a:t>
+            </a:r>
+            <a:r>
+              <a:rPr lang="pt-BR" sz="2000" dirty="0" err="1" smtClean="0">
+                <a:solidFill>
+                  <a:schemeClr val="tx1">
+                    <a:lumMod val="95000"/>
+                    <a:lumOff val="5000"/>
+                  </a:schemeClr>
+                </a:solidFill>
+                <a:latin typeface="Bitter" panose="02000000000000000000" pitchFamily="2" charset="0"/>
+              </a:rPr>
+              <a:t>grep</a:t>
+            </a:r>
+            <a:r>
+              <a:rPr lang="pt-BR" sz="2000" dirty="0" smtClean="0">
+                <a:solidFill>
+                  <a:schemeClr val="tx1">
+                    <a:lumMod val="95000"/>
+                    <a:lumOff val="5000"/>
+                  </a:schemeClr>
+                </a:solidFill>
+                <a:latin typeface="Bitter" panose="02000000000000000000" pitchFamily="2" charset="0"/>
+              </a:rPr>
+              <a:t>, tamanho da </a:t>
+            </a:r>
+            <a:r>
+              <a:rPr lang="pt-BR" sz="2000" dirty="0" err="1" smtClean="0">
+                <a:solidFill>
+                  <a:schemeClr val="tx1">
+                    <a:lumMod val="95000"/>
+                    <a:lumOff val="5000"/>
+                  </a:schemeClr>
+                </a:solidFill>
+                <a:latin typeface="Bitter" panose="02000000000000000000" pitchFamily="2" charset="0"/>
+              </a:rPr>
+              <a:t>string</a:t>
+            </a:r>
+            <a:r>
+              <a:rPr lang="pt-BR" sz="2000" dirty="0" smtClean="0">
+                <a:solidFill>
+                  <a:schemeClr val="tx1">
+                    <a:lumMod val="95000"/>
+                    <a:lumOff val="5000"/>
+                  </a:schemeClr>
+                </a:solidFill>
+                <a:latin typeface="Bitter" panose="02000000000000000000" pitchFamily="2" charset="0"/>
+              </a:rPr>
+              <a:t>, etc...</a:t>
+            </a:r>
+            <a:endParaRPr lang="pt-BR" sz="2000" dirty="0">
+              <a:solidFill>
+                <a:schemeClr val="tx1">
+                  <a:lumMod val="95000"/>
+                  <a:lumOff val="5000"/>
+                </a:schemeClr>
+              </a:solidFill>
+              <a:latin typeface="Bitter" panose="02000000000000000000" pitchFamily="2" charset="0"/>
+            </a:endParaRPr>
+          </a:p>
+        </p:txBody>
+      </p:sp>
     </p:spTree>
     <p:extLst>
       <p:ext uri="{BB962C8B-B14F-4D97-AF65-F5344CB8AC3E}">
-        <p14:creationId xmlns:p14="http://schemas.microsoft.com/office/powerpoint/2010/main" val="508365782"/>
+        <p14:creationId xmlns:p14="http://schemas.microsoft.com/office/powerpoint/2010/main" val="1957544927"/>
       </p:ext>
     </p:extLst>
   </p:cSld>
@@ -8230,6 +9701,3828 @@
                 </a:solidFill>
                 <a:latin typeface="Bitter" panose="02000000000000000000" pitchFamily="2" charset="0"/>
               </a:rPr>
+              <a:t>Encapsulamento</a:t>
+            </a:r>
+            <a:endParaRPr lang="pt-BR" dirty="0">
+              <a:solidFill>
+                <a:schemeClr val="tx1">
+                  <a:lumMod val="50000"/>
+                  <a:lumOff val="50000"/>
+                </a:schemeClr>
+              </a:solidFill>
+              <a:latin typeface="Bitter" panose="02000000000000000000" pitchFamily="2" charset="0"/>
+            </a:endParaRPr>
+          </a:p>
+        </p:txBody>
+      </p:sp>
+      <p:sp>
+        <p:nvSpPr>
+          <p:cNvPr id="3" name="Espaço Reservado para Conteúdo 2"/>
+          <p:cNvSpPr>
+            <a:spLocks noGrp="1"/>
+          </p:cNvSpPr>
+          <p:nvPr>
+            <p:ph idx="1"/>
+          </p:nvPr>
+        </p:nvSpPr>
+        <p:spPr/>
+        <p:txBody>
+          <a:bodyPr>
+            <a:normAutofit/>
+          </a:bodyPr>
+          <a:lstStyle/>
+          <a:p>
+            <a:pPr>
+              <a:buClr>
+                <a:schemeClr val="tx1">
+                  <a:lumMod val="50000"/>
+                  <a:lumOff val="50000"/>
+                </a:schemeClr>
+              </a:buClr>
+            </a:pPr>
+            <a:r>
+              <a:rPr lang="pt-BR" sz="2800" dirty="0" smtClean="0">
+                <a:solidFill>
+                  <a:schemeClr val="tx1">
+                    <a:lumMod val="95000"/>
+                    <a:lumOff val="5000"/>
+                  </a:schemeClr>
+                </a:solidFill>
+                <a:latin typeface="Bitter" panose="02000000000000000000" pitchFamily="2" charset="0"/>
+              </a:rPr>
+              <a:t>Facilita a modularização (Associação, Composição e Agregação)</a:t>
+            </a:r>
+          </a:p>
+          <a:p>
+            <a:pPr lvl="1">
+              <a:buClr>
+                <a:schemeClr val="tx1">
+                  <a:lumMod val="50000"/>
+                  <a:lumOff val="50000"/>
+                </a:schemeClr>
+              </a:buClr>
+            </a:pPr>
+            <a:r>
+              <a:rPr lang="pt-BR" sz="2000" dirty="0" smtClean="0">
+                <a:solidFill>
+                  <a:schemeClr val="tx1">
+                    <a:lumMod val="95000"/>
+                    <a:lumOff val="5000"/>
+                  </a:schemeClr>
+                </a:solidFill>
+                <a:latin typeface="Bitter" panose="02000000000000000000" pitchFamily="2" charset="0"/>
+              </a:rPr>
+              <a:t>Associação – objeto é composto de outros objetos</a:t>
+            </a:r>
+            <a:endParaRPr lang="pt-BR" sz="2000" dirty="0">
+              <a:solidFill>
+                <a:schemeClr val="tx1">
+                  <a:lumMod val="95000"/>
+                  <a:lumOff val="5000"/>
+                </a:schemeClr>
+              </a:solidFill>
+              <a:latin typeface="Bitter" panose="02000000000000000000" pitchFamily="2" charset="0"/>
+            </a:endParaRPr>
+          </a:p>
+        </p:txBody>
+      </p:sp>
+      <p:pic>
+        <p:nvPicPr>
+          <p:cNvPr id="4" name="Imagem 3"/>
+          <p:cNvPicPr>
+            <a:picLocks noChangeAspect="1"/>
+          </p:cNvPicPr>
+          <p:nvPr/>
+        </p:nvPicPr>
+        <p:blipFill>
+          <a:blip r:embed="rId2"/>
+          <a:stretch>
+            <a:fillRect/>
+          </a:stretch>
+        </p:blipFill>
+        <p:spPr>
+          <a:xfrm>
+            <a:off x="1139044" y="2924944"/>
+            <a:ext cx="6865912" cy="3668090"/>
+          </a:xfrm>
+          <a:prstGeom prst="rect">
+            <a:avLst/>
+          </a:prstGeom>
+        </p:spPr>
+      </p:pic>
+    </p:spTree>
+    <p:extLst>
+      <p:ext uri="{BB962C8B-B14F-4D97-AF65-F5344CB8AC3E}">
+        <p14:creationId xmlns:p14="http://schemas.microsoft.com/office/powerpoint/2010/main" val="1686242101"/>
+      </p:ext>
+    </p:extLst>
+  </p:cSld>
+  <p:clrMapOvr>
+    <a:masterClrMapping/>
+  </p:clrMapOvr>
+  <mc:AlternateContent xmlns:mc="http://schemas.openxmlformats.org/markup-compatibility/2006" xmlns:p14="http://schemas.microsoft.com/office/powerpoint/2010/main">
+    <mc:Choice Requires="p14">
+      <p:transition p14:dur="0"/>
+    </mc:Choice>
+    <mc:Fallback xmlns="">
+      <p:transition/>
+    </mc:Fallback>
+  </mc:AlternateContent>
+  <p:timing>
+    <p:tnLst>
+      <p:par>
+        <p:cTn id="1" dur="indefinite" restart="never" nodeType="tmRoot"/>
+      </p:par>
+    </p:tnLst>
+  </p:timing>
+</p:sld>
+</file>
+
+<file path=ppt/slides/slide22.xml><?xml version="1.0" encoding="utf-8"?>
+<p:sld xmlns:a="http://schemas.openxmlformats.org/drawingml/2006/main" xmlns:r="http://schemas.openxmlformats.org/officeDocument/2006/relationships" xmlns:p="http://schemas.openxmlformats.org/presentationml/2006/main">
+  <p:cSld>
+    <p:spTree>
+      <p:nvGrpSpPr>
+        <p:cNvPr id="1" name=""/>
+        <p:cNvGrpSpPr/>
+        <p:nvPr/>
+      </p:nvGrpSpPr>
+      <p:grpSpPr>
+        <a:xfrm>
+          <a:off x="0" y="0"/>
+          <a:ext cx="0" cy="0"/>
+          <a:chOff x="0" y="0"/>
+          <a:chExt cx="0" cy="0"/>
+        </a:xfrm>
+      </p:grpSpPr>
+      <p:sp>
+        <p:nvSpPr>
+          <p:cNvPr id="2" name="Título 1"/>
+          <p:cNvSpPr>
+            <a:spLocks noGrp="1"/>
+          </p:cNvSpPr>
+          <p:nvPr>
+            <p:ph type="title"/>
+          </p:nvPr>
+        </p:nvSpPr>
+        <p:spPr/>
+        <p:txBody>
+          <a:bodyPr anchor="ctr"/>
+          <a:lstStyle/>
+          <a:p>
+            <a:pPr algn="l"/>
+            <a:r>
+              <a:rPr lang="pt-BR" dirty="0" smtClean="0">
+                <a:solidFill>
+                  <a:schemeClr val="tx1">
+                    <a:lumMod val="50000"/>
+                    <a:lumOff val="50000"/>
+                  </a:schemeClr>
+                </a:solidFill>
+                <a:latin typeface="Bitter" panose="02000000000000000000" pitchFamily="2" charset="0"/>
+              </a:rPr>
+              <a:t>Encapsulamento</a:t>
+            </a:r>
+            <a:endParaRPr lang="pt-BR" dirty="0">
+              <a:solidFill>
+                <a:schemeClr val="tx1">
+                  <a:lumMod val="50000"/>
+                  <a:lumOff val="50000"/>
+                </a:schemeClr>
+              </a:solidFill>
+              <a:latin typeface="Bitter" panose="02000000000000000000" pitchFamily="2" charset="0"/>
+            </a:endParaRPr>
+          </a:p>
+        </p:txBody>
+      </p:sp>
+      <p:sp>
+        <p:nvSpPr>
+          <p:cNvPr id="3" name="Espaço Reservado para Conteúdo 2"/>
+          <p:cNvSpPr>
+            <a:spLocks noGrp="1"/>
+          </p:cNvSpPr>
+          <p:nvPr>
+            <p:ph idx="1"/>
+          </p:nvPr>
+        </p:nvSpPr>
+        <p:spPr/>
+        <p:txBody>
+          <a:bodyPr>
+            <a:normAutofit/>
+          </a:bodyPr>
+          <a:lstStyle/>
+          <a:p>
+            <a:pPr>
+              <a:buClr>
+                <a:schemeClr val="tx1">
+                  <a:lumMod val="50000"/>
+                  <a:lumOff val="50000"/>
+                </a:schemeClr>
+              </a:buClr>
+            </a:pPr>
+            <a:r>
+              <a:rPr lang="pt-BR" sz="2800" dirty="0" smtClean="0">
+                <a:solidFill>
+                  <a:schemeClr val="tx1">
+                    <a:lumMod val="95000"/>
+                    <a:lumOff val="5000"/>
+                  </a:schemeClr>
+                </a:solidFill>
+                <a:latin typeface="Bitter" panose="02000000000000000000" pitchFamily="2" charset="0"/>
+              </a:rPr>
+              <a:t>Facilita a modularização (Associação – Composição e Agregação)</a:t>
+            </a:r>
+          </a:p>
+          <a:p>
+            <a:pPr lvl="1">
+              <a:buClr>
+                <a:schemeClr val="tx1">
+                  <a:lumMod val="50000"/>
+                  <a:lumOff val="50000"/>
+                </a:schemeClr>
+              </a:buClr>
+            </a:pPr>
+            <a:r>
+              <a:rPr lang="pt-BR" sz="2000" dirty="0" smtClean="0">
+                <a:solidFill>
+                  <a:schemeClr val="tx1">
+                    <a:lumMod val="95000"/>
+                    <a:lumOff val="5000"/>
+                  </a:schemeClr>
+                </a:solidFill>
+                <a:latin typeface="Bitter" panose="02000000000000000000" pitchFamily="2" charset="0"/>
+              </a:rPr>
+              <a:t>Associação – objeto é composto de outros objetos</a:t>
+            </a:r>
+          </a:p>
+          <a:p>
+            <a:pPr lvl="2">
+              <a:buClr>
+                <a:schemeClr val="tx1">
+                  <a:lumMod val="50000"/>
+                  <a:lumOff val="50000"/>
+                </a:schemeClr>
+              </a:buClr>
+            </a:pPr>
+            <a:r>
+              <a:rPr lang="pt-BR" sz="2000" dirty="0" smtClean="0">
+                <a:solidFill>
+                  <a:schemeClr val="tx1">
+                    <a:lumMod val="95000"/>
+                    <a:lumOff val="5000"/>
+                  </a:schemeClr>
+                </a:solidFill>
+                <a:latin typeface="Bitter" panose="02000000000000000000" pitchFamily="2" charset="0"/>
+              </a:rPr>
+              <a:t>Composição – objeto só existe se outros existirem. Computador não existe sem processador, disco, </a:t>
+            </a:r>
+            <a:r>
+              <a:rPr lang="pt-BR" sz="2000" dirty="0" err="1" smtClean="0">
+                <a:solidFill>
+                  <a:schemeClr val="tx1">
+                    <a:lumMod val="95000"/>
+                    <a:lumOff val="5000"/>
+                  </a:schemeClr>
+                </a:solidFill>
+                <a:latin typeface="Bitter" panose="02000000000000000000" pitchFamily="2" charset="0"/>
+              </a:rPr>
+              <a:t>etc</a:t>
+            </a:r>
+            <a:endParaRPr lang="pt-BR" sz="2000" dirty="0" smtClean="0">
+              <a:solidFill>
+                <a:schemeClr val="tx1">
+                  <a:lumMod val="95000"/>
+                  <a:lumOff val="5000"/>
+                </a:schemeClr>
+              </a:solidFill>
+              <a:latin typeface="Bitter" panose="02000000000000000000" pitchFamily="2" charset="0"/>
+            </a:endParaRPr>
+          </a:p>
+          <a:p>
+            <a:pPr lvl="2">
+              <a:buClr>
+                <a:schemeClr val="tx1">
+                  <a:lumMod val="50000"/>
+                  <a:lumOff val="50000"/>
+                </a:schemeClr>
+              </a:buClr>
+            </a:pPr>
+            <a:r>
+              <a:rPr lang="pt-BR" sz="2000" dirty="0" smtClean="0">
+                <a:solidFill>
+                  <a:schemeClr val="tx1">
+                    <a:lumMod val="95000"/>
+                    <a:lumOff val="5000"/>
+                  </a:schemeClr>
+                </a:solidFill>
+                <a:latin typeface="Bitter" panose="02000000000000000000" pitchFamily="2" charset="0"/>
+              </a:rPr>
+              <a:t>Agregação – quando um objeto pode existir sem depender do todo. Ex.: carro pode existir sem motorista ou passageiros. Existe associação, mas sem dependência</a:t>
+            </a:r>
+            <a:endParaRPr lang="pt-BR" sz="2000" dirty="0">
+              <a:solidFill>
+                <a:schemeClr val="tx1">
+                  <a:lumMod val="95000"/>
+                  <a:lumOff val="5000"/>
+                </a:schemeClr>
+              </a:solidFill>
+              <a:latin typeface="Bitter" panose="02000000000000000000" pitchFamily="2" charset="0"/>
+            </a:endParaRPr>
+          </a:p>
+        </p:txBody>
+      </p:sp>
+    </p:spTree>
+    <p:extLst>
+      <p:ext uri="{BB962C8B-B14F-4D97-AF65-F5344CB8AC3E}">
+        <p14:creationId xmlns:p14="http://schemas.microsoft.com/office/powerpoint/2010/main" val="1563090365"/>
+      </p:ext>
+    </p:extLst>
+  </p:cSld>
+  <p:clrMapOvr>
+    <a:masterClrMapping/>
+  </p:clrMapOvr>
+  <mc:AlternateContent xmlns:mc="http://schemas.openxmlformats.org/markup-compatibility/2006" xmlns:p14="http://schemas.microsoft.com/office/powerpoint/2010/main">
+    <mc:Choice Requires="p14">
+      <p:transition p14:dur="0"/>
+    </mc:Choice>
+    <mc:Fallback xmlns="">
+      <p:transition/>
+    </mc:Fallback>
+  </mc:AlternateContent>
+  <p:timing>
+    <p:tnLst>
+      <p:par>
+        <p:cTn id="1" dur="indefinite" restart="never" nodeType="tmRoot"/>
+      </p:par>
+    </p:tnLst>
+  </p:timing>
+</p:sld>
+</file>
+
+<file path=ppt/slides/slide23.xml><?xml version="1.0" encoding="utf-8"?>
+<p:sld xmlns:a="http://schemas.openxmlformats.org/drawingml/2006/main" xmlns:r="http://schemas.openxmlformats.org/officeDocument/2006/relationships" xmlns:p="http://schemas.openxmlformats.org/presentationml/2006/main">
+  <p:cSld>
+    <p:spTree>
+      <p:nvGrpSpPr>
+        <p:cNvPr id="1" name=""/>
+        <p:cNvGrpSpPr/>
+        <p:nvPr/>
+      </p:nvGrpSpPr>
+      <p:grpSpPr>
+        <a:xfrm>
+          <a:off x="0" y="0"/>
+          <a:ext cx="0" cy="0"/>
+          <a:chOff x="0" y="0"/>
+          <a:chExt cx="0" cy="0"/>
+        </a:xfrm>
+      </p:grpSpPr>
+      <p:sp>
+        <p:nvSpPr>
+          <p:cNvPr id="2" name="Título 1"/>
+          <p:cNvSpPr>
+            <a:spLocks noGrp="1"/>
+          </p:cNvSpPr>
+          <p:nvPr>
+            <p:ph type="title"/>
+          </p:nvPr>
+        </p:nvSpPr>
+        <p:spPr/>
+        <p:txBody>
+          <a:bodyPr anchor="ctr"/>
+          <a:lstStyle/>
+          <a:p>
+            <a:pPr algn="l"/>
+            <a:r>
+              <a:rPr lang="pt-BR" dirty="0" smtClean="0">
+                <a:solidFill>
+                  <a:schemeClr val="tx1">
+                    <a:lumMod val="50000"/>
+                    <a:lumOff val="50000"/>
+                  </a:schemeClr>
+                </a:solidFill>
+                <a:latin typeface="Bitter" panose="02000000000000000000" pitchFamily="2" charset="0"/>
+              </a:rPr>
+              <a:t>Encapsulamento</a:t>
+            </a:r>
+            <a:endParaRPr lang="pt-BR" dirty="0">
+              <a:solidFill>
+                <a:schemeClr val="tx1">
+                  <a:lumMod val="50000"/>
+                  <a:lumOff val="50000"/>
+                </a:schemeClr>
+              </a:solidFill>
+              <a:latin typeface="Bitter" panose="02000000000000000000" pitchFamily="2" charset="0"/>
+            </a:endParaRPr>
+          </a:p>
+        </p:txBody>
+      </p:sp>
+      <p:sp>
+        <p:nvSpPr>
+          <p:cNvPr id="3" name="Espaço Reservado para Conteúdo 2"/>
+          <p:cNvSpPr>
+            <a:spLocks noGrp="1"/>
+          </p:cNvSpPr>
+          <p:nvPr>
+            <p:ph idx="1"/>
+          </p:nvPr>
+        </p:nvSpPr>
+        <p:spPr/>
+        <p:txBody>
+          <a:bodyPr>
+            <a:normAutofit/>
+          </a:bodyPr>
+          <a:lstStyle/>
+          <a:p>
+            <a:pPr>
+              <a:buClr>
+                <a:schemeClr val="tx1">
+                  <a:lumMod val="50000"/>
+                  <a:lumOff val="50000"/>
+                </a:schemeClr>
+              </a:buClr>
+            </a:pPr>
+            <a:r>
+              <a:rPr lang="pt-BR" sz="2800" dirty="0" smtClean="0">
+                <a:solidFill>
+                  <a:schemeClr val="tx1">
+                    <a:lumMod val="95000"/>
+                    <a:lumOff val="5000"/>
+                  </a:schemeClr>
+                </a:solidFill>
+                <a:latin typeface="Bitter" panose="02000000000000000000" pitchFamily="2" charset="0"/>
+              </a:rPr>
+              <a:t>Vantagens: Manutenção e Reuso</a:t>
+            </a:r>
+          </a:p>
+          <a:p>
+            <a:pPr>
+              <a:buClr>
+                <a:schemeClr val="tx1">
+                  <a:lumMod val="50000"/>
+                  <a:lumOff val="50000"/>
+                </a:schemeClr>
+              </a:buClr>
+            </a:pPr>
+            <a:r>
+              <a:rPr lang="pt-BR" sz="2800" dirty="0" smtClean="0">
+                <a:solidFill>
+                  <a:schemeClr val="tx1">
+                    <a:lumMod val="95000"/>
+                    <a:lumOff val="5000"/>
+                  </a:schemeClr>
+                </a:solidFill>
+                <a:latin typeface="Bitter" panose="02000000000000000000" pitchFamily="2" charset="0"/>
+              </a:rPr>
+              <a:t>Imagine que você implementou uma classe de detecção de colisão de polígonos amplamente utilizada pela comunidade</a:t>
+            </a:r>
+          </a:p>
+          <a:p>
+            <a:pPr lvl="1">
+              <a:buClr>
+                <a:schemeClr val="tx1">
+                  <a:lumMod val="50000"/>
+                  <a:lumOff val="50000"/>
+                </a:schemeClr>
+              </a:buClr>
+            </a:pPr>
+            <a:r>
+              <a:rPr lang="pt-BR" sz="2000" dirty="0" smtClean="0">
+                <a:solidFill>
+                  <a:schemeClr val="tx1">
+                    <a:lumMod val="95000"/>
+                    <a:lumOff val="5000"/>
+                  </a:schemeClr>
+                </a:solidFill>
+                <a:latin typeface="Bitter" panose="02000000000000000000" pitchFamily="2" charset="0"/>
+              </a:rPr>
+              <a:t>Contudo, o algoritmo utilizado é mais lento que outro existente e você precisa modificar</a:t>
+            </a:r>
+          </a:p>
+          <a:p>
+            <a:pPr lvl="1">
+              <a:buClr>
+                <a:schemeClr val="tx1">
+                  <a:lumMod val="50000"/>
+                  <a:lumOff val="50000"/>
+                </a:schemeClr>
+              </a:buClr>
+            </a:pPr>
+            <a:r>
+              <a:rPr lang="pt-BR" sz="2000" dirty="0" smtClean="0">
+                <a:solidFill>
+                  <a:schemeClr val="tx1">
+                    <a:lumMod val="95000"/>
+                    <a:lumOff val="5000"/>
+                  </a:schemeClr>
+                </a:solidFill>
+                <a:latin typeface="Bitter" panose="02000000000000000000" pitchFamily="2" charset="0"/>
+              </a:rPr>
+              <a:t>Caso exista uma função (na sua “API”) chamada “</a:t>
+            </a:r>
+            <a:r>
+              <a:rPr lang="pt-BR" sz="2000" dirty="0" err="1" smtClean="0">
+                <a:solidFill>
+                  <a:srgbClr val="FF0000"/>
+                </a:solidFill>
+                <a:latin typeface="Bitter" panose="02000000000000000000" pitchFamily="2" charset="0"/>
+              </a:rPr>
+              <a:t>public</a:t>
+            </a:r>
+            <a:r>
+              <a:rPr lang="pt-BR" sz="2000" dirty="0" smtClean="0">
+                <a:solidFill>
+                  <a:srgbClr val="FF0000"/>
+                </a:solidFill>
+                <a:latin typeface="Bitter" panose="02000000000000000000" pitchFamily="2" charset="0"/>
+              </a:rPr>
+              <a:t> </a:t>
+            </a:r>
+            <a:r>
+              <a:rPr lang="pt-BR" sz="2000" dirty="0" err="1" smtClean="0">
+                <a:solidFill>
+                  <a:srgbClr val="FF0000"/>
+                </a:solidFill>
+                <a:latin typeface="Bitter" panose="02000000000000000000" pitchFamily="2" charset="0"/>
+              </a:rPr>
+              <a:t>Poligono</a:t>
+            </a:r>
+            <a:r>
+              <a:rPr lang="pt-BR" sz="2000" dirty="0" smtClean="0">
+                <a:solidFill>
+                  <a:srgbClr val="FF0000"/>
+                </a:solidFill>
+                <a:latin typeface="Bitter" panose="02000000000000000000" pitchFamily="2" charset="0"/>
+              </a:rPr>
+              <a:t>[] colisões(Vector[] </a:t>
+            </a:r>
+            <a:r>
+              <a:rPr lang="pt-BR" sz="2000" dirty="0" err="1" smtClean="0">
+                <a:solidFill>
+                  <a:srgbClr val="FF0000"/>
+                </a:solidFill>
+                <a:latin typeface="Bitter" panose="02000000000000000000" pitchFamily="2" charset="0"/>
+              </a:rPr>
+              <a:t>Poligonos</a:t>
+            </a:r>
+            <a:r>
+              <a:rPr lang="pt-BR" sz="2000" dirty="0" smtClean="0">
+                <a:solidFill>
+                  <a:srgbClr val="FF0000"/>
+                </a:solidFill>
+                <a:latin typeface="Bitter" panose="02000000000000000000" pitchFamily="2" charset="0"/>
+              </a:rPr>
+              <a:t>)</a:t>
+            </a:r>
+            <a:r>
+              <a:rPr lang="pt-BR" sz="2000" dirty="0" smtClean="0">
+                <a:solidFill>
+                  <a:schemeClr val="tx1">
+                    <a:lumMod val="95000"/>
+                    <a:lumOff val="5000"/>
+                  </a:schemeClr>
+                </a:solidFill>
+                <a:latin typeface="Bitter" panose="02000000000000000000" pitchFamily="2" charset="0"/>
+              </a:rPr>
+              <a:t>“</a:t>
+            </a:r>
+          </a:p>
+          <a:p>
+            <a:pPr lvl="1">
+              <a:buClr>
+                <a:schemeClr val="tx1">
+                  <a:lumMod val="50000"/>
+                  <a:lumOff val="50000"/>
+                </a:schemeClr>
+              </a:buClr>
+            </a:pPr>
+            <a:r>
+              <a:rPr lang="pt-BR" sz="2000" dirty="0" smtClean="0">
+                <a:solidFill>
+                  <a:schemeClr val="tx1">
+                    <a:lumMod val="95000"/>
+                    <a:lumOff val="5000"/>
+                  </a:schemeClr>
+                </a:solidFill>
+                <a:latin typeface="Bitter" panose="02000000000000000000" pitchFamily="2" charset="0"/>
+              </a:rPr>
+              <a:t>Basta você modificar apenas a implementação interna (na sua “API”) e atualizar sua biblioteca. O funcionamento não será modificado para quem utilizar sua biblioteca</a:t>
+            </a:r>
+            <a:endParaRPr lang="pt-BR" sz="2000" dirty="0">
+              <a:solidFill>
+                <a:schemeClr val="tx1">
+                  <a:lumMod val="95000"/>
+                  <a:lumOff val="5000"/>
+                </a:schemeClr>
+              </a:solidFill>
+              <a:latin typeface="Bitter" panose="02000000000000000000" pitchFamily="2" charset="0"/>
+            </a:endParaRPr>
+          </a:p>
+        </p:txBody>
+      </p:sp>
+    </p:spTree>
+    <p:extLst>
+      <p:ext uri="{BB962C8B-B14F-4D97-AF65-F5344CB8AC3E}">
+        <p14:creationId xmlns:p14="http://schemas.microsoft.com/office/powerpoint/2010/main" val="1451452025"/>
+      </p:ext>
+    </p:extLst>
+  </p:cSld>
+  <p:clrMapOvr>
+    <a:masterClrMapping/>
+  </p:clrMapOvr>
+  <mc:AlternateContent xmlns:mc="http://schemas.openxmlformats.org/markup-compatibility/2006" xmlns:p14="http://schemas.microsoft.com/office/powerpoint/2010/main">
+    <mc:Choice Requires="p14">
+      <p:transition p14:dur="0"/>
+    </mc:Choice>
+    <mc:Fallback xmlns="">
+      <p:transition/>
+    </mc:Fallback>
+  </mc:AlternateContent>
+  <p:timing>
+    <p:tnLst>
+      <p:par>
+        <p:cTn id="1" dur="indefinite" restart="never" nodeType="tmRoot"/>
+      </p:par>
+    </p:tnLst>
+  </p:timing>
+</p:sld>
+</file>
+
+<file path=ppt/slides/slide24.xml><?xml version="1.0" encoding="utf-8"?>
+<p:sld xmlns:a="http://schemas.openxmlformats.org/drawingml/2006/main" xmlns:r="http://schemas.openxmlformats.org/officeDocument/2006/relationships" xmlns:p="http://schemas.openxmlformats.org/presentationml/2006/main">
+  <p:cSld>
+    <p:spTree>
+      <p:nvGrpSpPr>
+        <p:cNvPr id="1" name=""/>
+        <p:cNvGrpSpPr/>
+        <p:nvPr/>
+      </p:nvGrpSpPr>
+      <p:grpSpPr>
+        <a:xfrm>
+          <a:off x="0" y="0"/>
+          <a:ext cx="0" cy="0"/>
+          <a:chOff x="0" y="0"/>
+          <a:chExt cx="0" cy="0"/>
+        </a:xfrm>
+      </p:grpSpPr>
+      <p:sp>
+        <p:nvSpPr>
+          <p:cNvPr id="2" name="Título 1"/>
+          <p:cNvSpPr>
+            <a:spLocks noGrp="1"/>
+          </p:cNvSpPr>
+          <p:nvPr>
+            <p:ph type="title"/>
+          </p:nvPr>
+        </p:nvSpPr>
+        <p:spPr/>
+        <p:txBody>
+          <a:bodyPr anchor="ctr"/>
+          <a:lstStyle/>
+          <a:p>
+            <a:pPr algn="l"/>
+            <a:r>
+              <a:rPr lang="pt-BR" dirty="0" smtClean="0">
+                <a:solidFill>
+                  <a:schemeClr val="tx1">
+                    <a:lumMod val="50000"/>
+                    <a:lumOff val="50000"/>
+                  </a:schemeClr>
+                </a:solidFill>
+                <a:latin typeface="Bitter" panose="02000000000000000000" pitchFamily="2" charset="0"/>
+              </a:rPr>
+              <a:t>Encapsulamento</a:t>
+            </a:r>
+            <a:endParaRPr lang="pt-BR" dirty="0">
+              <a:solidFill>
+                <a:schemeClr val="tx1">
+                  <a:lumMod val="50000"/>
+                  <a:lumOff val="50000"/>
+                </a:schemeClr>
+              </a:solidFill>
+              <a:latin typeface="Bitter" panose="02000000000000000000" pitchFamily="2" charset="0"/>
+            </a:endParaRPr>
+          </a:p>
+        </p:txBody>
+      </p:sp>
+      <p:sp>
+        <p:nvSpPr>
+          <p:cNvPr id="3" name="Espaço Reservado para Conteúdo 2"/>
+          <p:cNvSpPr>
+            <a:spLocks noGrp="1"/>
+          </p:cNvSpPr>
+          <p:nvPr>
+            <p:ph idx="1"/>
+          </p:nvPr>
+        </p:nvSpPr>
+        <p:spPr/>
+        <p:txBody>
+          <a:bodyPr>
+            <a:normAutofit/>
+          </a:bodyPr>
+          <a:lstStyle/>
+          <a:p>
+            <a:pPr>
+              <a:buClr>
+                <a:schemeClr val="tx1">
+                  <a:lumMod val="50000"/>
+                  <a:lumOff val="50000"/>
+                </a:schemeClr>
+              </a:buClr>
+            </a:pPr>
+            <a:r>
+              <a:rPr lang="pt-BR" sz="2800" dirty="0" smtClean="0">
+                <a:solidFill>
+                  <a:schemeClr val="tx1">
+                    <a:lumMod val="95000"/>
+                    <a:lumOff val="5000"/>
+                  </a:schemeClr>
+                </a:solidFill>
+                <a:latin typeface="Bitter" panose="02000000000000000000" pitchFamily="2" charset="0"/>
+              </a:rPr>
+              <a:t>Para isso funcionar, é preciso utilizar os tipos corretos de controle de acesso</a:t>
+            </a:r>
+          </a:p>
+          <a:p>
+            <a:pPr lvl="1">
+              <a:buClr>
+                <a:schemeClr val="tx1">
+                  <a:lumMod val="50000"/>
+                  <a:lumOff val="50000"/>
+                </a:schemeClr>
+              </a:buClr>
+            </a:pPr>
+            <a:r>
+              <a:rPr lang="pt-BR" sz="2000" dirty="0" smtClean="0">
+                <a:solidFill>
+                  <a:schemeClr val="tx1">
+                    <a:lumMod val="95000"/>
+                    <a:lumOff val="5000"/>
+                  </a:schemeClr>
+                </a:solidFill>
+                <a:latin typeface="Bitter" panose="02000000000000000000" pitchFamily="2" charset="0"/>
+              </a:rPr>
+              <a:t>Ex.: Imagine que você criou uma classe </a:t>
+            </a:r>
+            <a:r>
+              <a:rPr lang="pt-BR" sz="2000" dirty="0" err="1" smtClean="0">
+                <a:solidFill>
+                  <a:schemeClr val="tx1">
+                    <a:lumMod val="95000"/>
+                    <a:lumOff val="5000"/>
+                  </a:schemeClr>
+                </a:solidFill>
+                <a:latin typeface="Bitter" panose="02000000000000000000" pitchFamily="2" charset="0"/>
+              </a:rPr>
+              <a:t>ContaBancaria</a:t>
+            </a:r>
+            <a:r>
+              <a:rPr lang="pt-BR" sz="2000" dirty="0" smtClean="0">
+                <a:solidFill>
+                  <a:schemeClr val="tx1">
+                    <a:lumMod val="95000"/>
+                    <a:lumOff val="5000"/>
+                  </a:schemeClr>
+                </a:solidFill>
+                <a:latin typeface="Bitter" panose="02000000000000000000" pitchFamily="2" charset="0"/>
+              </a:rPr>
+              <a:t>() e o atributo “</a:t>
+            </a:r>
+            <a:r>
+              <a:rPr lang="pt-BR" sz="2000" dirty="0" err="1" smtClean="0">
+                <a:solidFill>
+                  <a:schemeClr val="tx1">
+                    <a:lumMod val="95000"/>
+                    <a:lumOff val="5000"/>
+                  </a:schemeClr>
+                </a:solidFill>
+                <a:latin typeface="Bitter" panose="02000000000000000000" pitchFamily="2" charset="0"/>
+              </a:rPr>
+              <a:t>public</a:t>
+            </a:r>
+            <a:r>
+              <a:rPr lang="pt-BR" sz="2000" dirty="0" smtClean="0">
+                <a:solidFill>
+                  <a:schemeClr val="tx1">
+                    <a:lumMod val="95000"/>
+                    <a:lumOff val="5000"/>
+                  </a:schemeClr>
+                </a:solidFill>
+                <a:latin typeface="Bitter" panose="02000000000000000000" pitchFamily="2" charset="0"/>
+              </a:rPr>
+              <a:t> </a:t>
+            </a:r>
+            <a:r>
+              <a:rPr lang="pt-BR" sz="2000" dirty="0" err="1" smtClean="0">
+                <a:solidFill>
+                  <a:schemeClr val="tx1">
+                    <a:lumMod val="95000"/>
+                    <a:lumOff val="5000"/>
+                  </a:schemeClr>
+                </a:solidFill>
+                <a:latin typeface="Bitter" panose="02000000000000000000" pitchFamily="2" charset="0"/>
+              </a:rPr>
+              <a:t>double</a:t>
+            </a:r>
+            <a:r>
+              <a:rPr lang="pt-BR" sz="2000" dirty="0" smtClean="0">
+                <a:solidFill>
+                  <a:schemeClr val="tx1">
+                    <a:lumMod val="95000"/>
+                    <a:lumOff val="5000"/>
+                  </a:schemeClr>
+                </a:solidFill>
+                <a:latin typeface="Bitter" panose="02000000000000000000" pitchFamily="2" charset="0"/>
+              </a:rPr>
+              <a:t> saldo” é do tipo público</a:t>
+            </a:r>
+          </a:p>
+          <a:p>
+            <a:pPr lvl="1">
+              <a:buClr>
+                <a:schemeClr val="tx1">
+                  <a:lumMod val="50000"/>
+                  <a:lumOff val="50000"/>
+                </a:schemeClr>
+              </a:buClr>
+            </a:pPr>
+            <a:r>
+              <a:rPr lang="pt-BR" sz="2000" dirty="0" smtClean="0">
+                <a:solidFill>
+                  <a:schemeClr val="tx1">
+                    <a:lumMod val="95000"/>
+                    <a:lumOff val="5000"/>
+                  </a:schemeClr>
+                </a:solidFill>
+                <a:latin typeface="Bitter" panose="02000000000000000000" pitchFamily="2" charset="0"/>
+              </a:rPr>
+              <a:t>Outra classe maliciosa poderia acessar “</a:t>
+            </a:r>
+            <a:r>
+              <a:rPr lang="pt-BR" sz="2000" dirty="0" err="1" smtClean="0">
+                <a:solidFill>
+                  <a:schemeClr val="tx1">
+                    <a:lumMod val="95000"/>
+                    <a:lumOff val="5000"/>
+                  </a:schemeClr>
+                </a:solidFill>
+                <a:latin typeface="Bitter" panose="02000000000000000000" pitchFamily="2" charset="0"/>
+              </a:rPr>
+              <a:t>objeto.saldo</a:t>
+            </a:r>
+            <a:r>
+              <a:rPr lang="pt-BR" sz="2000" dirty="0" smtClean="0">
+                <a:solidFill>
+                  <a:schemeClr val="tx1">
+                    <a:lumMod val="95000"/>
+                    <a:lumOff val="5000"/>
+                  </a:schemeClr>
+                </a:solidFill>
+                <a:latin typeface="Bitter" panose="02000000000000000000" pitchFamily="2" charset="0"/>
+              </a:rPr>
+              <a:t> += 99999.0;” e modificar o valor do atributo</a:t>
+            </a:r>
+          </a:p>
+          <a:p>
+            <a:pPr>
+              <a:buClr>
+                <a:schemeClr val="tx1">
+                  <a:lumMod val="50000"/>
+                  <a:lumOff val="50000"/>
+                </a:schemeClr>
+              </a:buClr>
+            </a:pPr>
+            <a:r>
+              <a:rPr lang="pt-BR" sz="2800" dirty="0" smtClean="0">
+                <a:solidFill>
+                  <a:schemeClr val="tx1">
+                    <a:lumMod val="95000"/>
+                    <a:lumOff val="5000"/>
+                  </a:schemeClr>
+                </a:solidFill>
+                <a:latin typeface="Bitter" panose="02000000000000000000" pitchFamily="2" charset="0"/>
+              </a:rPr>
+              <a:t>Tipos de controle de acesso em ordem de restrição: </a:t>
+            </a:r>
+            <a:r>
+              <a:rPr lang="pt-BR" sz="2800" dirty="0" err="1" smtClean="0">
+                <a:solidFill>
+                  <a:srgbClr val="FF0000"/>
+                </a:solidFill>
+                <a:latin typeface="Bitter" panose="02000000000000000000" pitchFamily="2" charset="0"/>
+              </a:rPr>
+              <a:t>Public</a:t>
+            </a:r>
+            <a:r>
+              <a:rPr lang="pt-BR" sz="2800" dirty="0" smtClean="0">
+                <a:solidFill>
+                  <a:schemeClr val="tx1">
+                    <a:lumMod val="95000"/>
+                    <a:lumOff val="5000"/>
+                  </a:schemeClr>
+                </a:solidFill>
+                <a:latin typeface="Bitter" panose="02000000000000000000" pitchFamily="2" charset="0"/>
+              </a:rPr>
+              <a:t>, </a:t>
+            </a:r>
+            <a:r>
+              <a:rPr lang="pt-BR" sz="2800" dirty="0" err="1" smtClean="0">
+                <a:solidFill>
+                  <a:srgbClr val="FF0000"/>
+                </a:solidFill>
+                <a:latin typeface="Bitter" panose="02000000000000000000" pitchFamily="2" charset="0"/>
+              </a:rPr>
+              <a:t>Protected</a:t>
+            </a:r>
+            <a:r>
+              <a:rPr lang="pt-BR" sz="2800" dirty="0" smtClean="0">
+                <a:solidFill>
+                  <a:schemeClr val="tx1">
+                    <a:lumMod val="95000"/>
+                    <a:lumOff val="5000"/>
+                  </a:schemeClr>
+                </a:solidFill>
+                <a:latin typeface="Bitter" panose="02000000000000000000" pitchFamily="2" charset="0"/>
+              </a:rPr>
+              <a:t>, </a:t>
+            </a:r>
+            <a:r>
+              <a:rPr lang="pt-BR" sz="2800" dirty="0" err="1" smtClean="0">
+                <a:solidFill>
+                  <a:srgbClr val="FF0000"/>
+                </a:solidFill>
+                <a:latin typeface="Bitter" panose="02000000000000000000" pitchFamily="2" charset="0"/>
+              </a:rPr>
+              <a:t>Package</a:t>
+            </a:r>
+            <a:r>
+              <a:rPr lang="pt-BR" sz="2800" dirty="0" smtClean="0">
+                <a:solidFill>
+                  <a:srgbClr val="FF0000"/>
+                </a:solidFill>
+                <a:latin typeface="Bitter" panose="02000000000000000000" pitchFamily="2" charset="0"/>
+              </a:rPr>
+              <a:t> </a:t>
+            </a:r>
+            <a:r>
+              <a:rPr lang="pt-BR" sz="2800" dirty="0" smtClean="0">
+                <a:solidFill>
+                  <a:schemeClr val="tx1">
+                    <a:lumMod val="95000"/>
+                    <a:lumOff val="5000"/>
+                  </a:schemeClr>
+                </a:solidFill>
+                <a:latin typeface="Bitter" panose="02000000000000000000" pitchFamily="2" charset="0"/>
+              </a:rPr>
+              <a:t>e </a:t>
+            </a:r>
+            <a:r>
+              <a:rPr lang="pt-BR" sz="2800" dirty="0" smtClean="0">
+                <a:solidFill>
+                  <a:srgbClr val="FF0000"/>
+                </a:solidFill>
+                <a:latin typeface="Bitter" panose="02000000000000000000" pitchFamily="2" charset="0"/>
+              </a:rPr>
+              <a:t>Private</a:t>
+            </a:r>
+            <a:endParaRPr lang="pt-BR" sz="2000" dirty="0">
+              <a:solidFill>
+                <a:srgbClr val="FF0000"/>
+              </a:solidFill>
+              <a:latin typeface="Bitter" panose="02000000000000000000" pitchFamily="2" charset="0"/>
+            </a:endParaRPr>
+          </a:p>
+        </p:txBody>
+      </p:sp>
+    </p:spTree>
+    <p:extLst>
+      <p:ext uri="{BB962C8B-B14F-4D97-AF65-F5344CB8AC3E}">
+        <p14:creationId xmlns:p14="http://schemas.microsoft.com/office/powerpoint/2010/main" val="1189344479"/>
+      </p:ext>
+    </p:extLst>
+  </p:cSld>
+  <p:clrMapOvr>
+    <a:masterClrMapping/>
+  </p:clrMapOvr>
+  <mc:AlternateContent xmlns:mc="http://schemas.openxmlformats.org/markup-compatibility/2006" xmlns:p14="http://schemas.microsoft.com/office/powerpoint/2010/main">
+    <mc:Choice Requires="p14">
+      <p:transition p14:dur="0"/>
+    </mc:Choice>
+    <mc:Fallback xmlns="">
+      <p:transition/>
+    </mc:Fallback>
+  </mc:AlternateContent>
+  <p:timing>
+    <p:tnLst>
+      <p:par>
+        <p:cTn id="1" dur="indefinite" restart="never" nodeType="tmRoot"/>
+      </p:par>
+    </p:tnLst>
+  </p:timing>
+</p:sld>
+</file>
+
+<file path=ppt/slides/slide25.xml><?xml version="1.0" encoding="utf-8"?>
+<p:sld xmlns:a="http://schemas.openxmlformats.org/drawingml/2006/main" xmlns:r="http://schemas.openxmlformats.org/officeDocument/2006/relationships" xmlns:p="http://schemas.openxmlformats.org/presentationml/2006/main">
+  <p:cSld>
+    <p:spTree>
+      <p:nvGrpSpPr>
+        <p:cNvPr id="1" name=""/>
+        <p:cNvGrpSpPr/>
+        <p:nvPr/>
+      </p:nvGrpSpPr>
+      <p:grpSpPr>
+        <a:xfrm>
+          <a:off x="0" y="0"/>
+          <a:ext cx="0" cy="0"/>
+          <a:chOff x="0" y="0"/>
+          <a:chExt cx="0" cy="0"/>
+        </a:xfrm>
+      </p:grpSpPr>
+      <p:sp>
+        <p:nvSpPr>
+          <p:cNvPr id="2" name="Título 1"/>
+          <p:cNvSpPr>
+            <a:spLocks noGrp="1"/>
+          </p:cNvSpPr>
+          <p:nvPr>
+            <p:ph type="title"/>
+          </p:nvPr>
+        </p:nvSpPr>
+        <p:spPr/>
+        <p:txBody>
+          <a:bodyPr anchor="ctr"/>
+          <a:lstStyle/>
+          <a:p>
+            <a:pPr algn="l"/>
+            <a:r>
+              <a:rPr lang="pt-BR" dirty="0" smtClean="0">
+                <a:solidFill>
+                  <a:schemeClr val="tx1">
+                    <a:lumMod val="50000"/>
+                    <a:lumOff val="50000"/>
+                  </a:schemeClr>
+                </a:solidFill>
+                <a:latin typeface="Bitter" panose="02000000000000000000" pitchFamily="2" charset="0"/>
+              </a:rPr>
+              <a:t>Encapsulamento</a:t>
+            </a:r>
+            <a:endParaRPr lang="pt-BR" dirty="0">
+              <a:solidFill>
+                <a:schemeClr val="tx1">
+                  <a:lumMod val="50000"/>
+                  <a:lumOff val="50000"/>
+                </a:schemeClr>
+              </a:solidFill>
+              <a:latin typeface="Bitter" panose="02000000000000000000" pitchFamily="2" charset="0"/>
+            </a:endParaRPr>
+          </a:p>
+        </p:txBody>
+      </p:sp>
+      <p:sp>
+        <p:nvSpPr>
+          <p:cNvPr id="3" name="Espaço Reservado para Conteúdo 2"/>
+          <p:cNvSpPr>
+            <a:spLocks noGrp="1"/>
+          </p:cNvSpPr>
+          <p:nvPr>
+            <p:ph idx="1"/>
+          </p:nvPr>
+        </p:nvSpPr>
+        <p:spPr/>
+        <p:txBody>
+          <a:bodyPr>
+            <a:normAutofit/>
+          </a:bodyPr>
+          <a:lstStyle/>
+          <a:p>
+            <a:pPr>
+              <a:buClr>
+                <a:schemeClr val="tx1">
+                  <a:lumMod val="50000"/>
+                  <a:lumOff val="50000"/>
+                </a:schemeClr>
+              </a:buClr>
+            </a:pPr>
+            <a:endParaRPr lang="pt-BR" sz="2000" dirty="0">
+              <a:solidFill>
+                <a:srgbClr val="FF0000"/>
+              </a:solidFill>
+              <a:latin typeface="Bitter" panose="02000000000000000000" pitchFamily="2" charset="0"/>
+            </a:endParaRPr>
+          </a:p>
+        </p:txBody>
+      </p:sp>
+      <p:pic>
+        <p:nvPicPr>
+          <p:cNvPr id="4" name="Imagem 3"/>
+          <p:cNvPicPr>
+            <a:picLocks noChangeAspect="1"/>
+          </p:cNvPicPr>
+          <p:nvPr/>
+        </p:nvPicPr>
+        <p:blipFill>
+          <a:blip r:embed="rId2"/>
+          <a:stretch>
+            <a:fillRect/>
+          </a:stretch>
+        </p:blipFill>
+        <p:spPr>
+          <a:xfrm>
+            <a:off x="266700" y="404664"/>
+            <a:ext cx="8610600" cy="6000750"/>
+          </a:xfrm>
+          <a:prstGeom prst="rect">
+            <a:avLst/>
+          </a:prstGeom>
+        </p:spPr>
+      </p:pic>
+    </p:spTree>
+    <p:extLst>
+      <p:ext uri="{BB962C8B-B14F-4D97-AF65-F5344CB8AC3E}">
+        <p14:creationId xmlns:p14="http://schemas.microsoft.com/office/powerpoint/2010/main" val="2136107476"/>
+      </p:ext>
+    </p:extLst>
+  </p:cSld>
+  <p:clrMapOvr>
+    <a:masterClrMapping/>
+  </p:clrMapOvr>
+  <mc:AlternateContent xmlns:mc="http://schemas.openxmlformats.org/markup-compatibility/2006" xmlns:p14="http://schemas.microsoft.com/office/powerpoint/2010/main">
+    <mc:Choice Requires="p14">
+      <p:transition p14:dur="0"/>
+    </mc:Choice>
+    <mc:Fallback xmlns="">
+      <p:transition/>
+    </mc:Fallback>
+  </mc:AlternateContent>
+  <p:timing>
+    <p:tnLst>
+      <p:par>
+        <p:cTn id="1" dur="indefinite" restart="never" nodeType="tmRoot"/>
+      </p:par>
+    </p:tnLst>
+  </p:timing>
+</p:sld>
+</file>
+
+<file path=ppt/slides/slide26.xml><?xml version="1.0" encoding="utf-8"?>
+<p:sld xmlns:a="http://schemas.openxmlformats.org/drawingml/2006/main" xmlns:r="http://schemas.openxmlformats.org/officeDocument/2006/relationships" xmlns:p="http://schemas.openxmlformats.org/presentationml/2006/main">
+  <p:cSld>
+    <p:spTree>
+      <p:nvGrpSpPr>
+        <p:cNvPr id="1" name=""/>
+        <p:cNvGrpSpPr/>
+        <p:nvPr/>
+      </p:nvGrpSpPr>
+      <p:grpSpPr>
+        <a:xfrm>
+          <a:off x="0" y="0"/>
+          <a:ext cx="0" cy="0"/>
+          <a:chOff x="0" y="0"/>
+          <a:chExt cx="0" cy="0"/>
+        </a:xfrm>
+      </p:grpSpPr>
+      <p:sp>
+        <p:nvSpPr>
+          <p:cNvPr id="2" name="Título 1"/>
+          <p:cNvSpPr>
+            <a:spLocks noGrp="1"/>
+          </p:cNvSpPr>
+          <p:nvPr>
+            <p:ph type="title"/>
+          </p:nvPr>
+        </p:nvSpPr>
+        <p:spPr/>
+        <p:txBody>
+          <a:bodyPr anchor="ctr"/>
+          <a:lstStyle/>
+          <a:p>
+            <a:pPr algn="l"/>
+            <a:r>
+              <a:rPr lang="pt-BR" dirty="0" smtClean="0">
+                <a:solidFill>
+                  <a:schemeClr val="tx1">
+                    <a:lumMod val="50000"/>
+                    <a:lumOff val="50000"/>
+                  </a:schemeClr>
+                </a:solidFill>
+                <a:latin typeface="Bitter" panose="02000000000000000000" pitchFamily="2" charset="0"/>
+              </a:rPr>
+              <a:t>Encapsulamento</a:t>
+            </a:r>
+            <a:endParaRPr lang="pt-BR" dirty="0">
+              <a:solidFill>
+                <a:schemeClr val="tx1">
+                  <a:lumMod val="50000"/>
+                  <a:lumOff val="50000"/>
+                </a:schemeClr>
+              </a:solidFill>
+              <a:latin typeface="Bitter" panose="02000000000000000000" pitchFamily="2" charset="0"/>
+            </a:endParaRPr>
+          </a:p>
+        </p:txBody>
+      </p:sp>
+      <p:sp>
+        <p:nvSpPr>
+          <p:cNvPr id="3" name="Espaço Reservado para Conteúdo 2"/>
+          <p:cNvSpPr>
+            <a:spLocks noGrp="1"/>
+          </p:cNvSpPr>
+          <p:nvPr>
+            <p:ph idx="1"/>
+          </p:nvPr>
+        </p:nvSpPr>
+        <p:spPr/>
+        <p:txBody>
+          <a:bodyPr>
+            <a:normAutofit/>
+          </a:bodyPr>
+          <a:lstStyle/>
+          <a:p>
+            <a:pPr>
+              <a:buClr>
+                <a:schemeClr val="tx1">
+                  <a:lumMod val="50000"/>
+                  <a:lumOff val="50000"/>
+                </a:schemeClr>
+              </a:buClr>
+            </a:pPr>
+            <a:r>
+              <a:rPr lang="pt-BR" sz="2800" dirty="0" err="1" smtClean="0">
+                <a:solidFill>
+                  <a:srgbClr val="FF0000"/>
+                </a:solidFill>
+                <a:latin typeface="Bitter" panose="02000000000000000000" pitchFamily="2" charset="0"/>
+              </a:rPr>
+              <a:t>Public</a:t>
+            </a:r>
+            <a:endParaRPr lang="pt-BR" sz="2800" dirty="0" smtClean="0">
+              <a:solidFill>
+                <a:srgbClr val="FF0000"/>
+              </a:solidFill>
+              <a:latin typeface="Bitter" panose="02000000000000000000" pitchFamily="2" charset="0"/>
+            </a:endParaRPr>
+          </a:p>
+          <a:p>
+            <a:pPr lvl="1">
+              <a:buClr>
+                <a:schemeClr val="tx1">
+                  <a:lumMod val="50000"/>
+                  <a:lumOff val="50000"/>
+                </a:schemeClr>
+              </a:buClr>
+            </a:pPr>
+            <a:r>
+              <a:rPr lang="pt-BR" sz="2000" dirty="0" smtClean="0">
+                <a:solidFill>
+                  <a:schemeClr val="tx1"/>
+                </a:solidFill>
+                <a:latin typeface="Bitter" panose="02000000000000000000" pitchFamily="2" charset="0"/>
+              </a:rPr>
+              <a:t>Permite acesso/escrita (escrita no caso de atributos) a partir de qualquer classe em qualquer pacote</a:t>
+            </a:r>
+          </a:p>
+          <a:p>
+            <a:pPr lvl="1">
+              <a:buClr>
+                <a:schemeClr val="tx1">
+                  <a:lumMod val="50000"/>
+                  <a:lumOff val="50000"/>
+                </a:schemeClr>
+              </a:buClr>
+            </a:pPr>
+            <a:r>
+              <a:rPr lang="pt-BR" sz="2000" dirty="0" smtClean="0">
+                <a:solidFill>
+                  <a:schemeClr val="tx1"/>
+                </a:solidFill>
+                <a:latin typeface="Bitter" panose="02000000000000000000" pitchFamily="2" charset="0"/>
+              </a:rPr>
+              <a:t>Se tiver em pacotes diferentes, basta dá um “</a:t>
+            </a:r>
+            <a:r>
+              <a:rPr lang="pt-BR" sz="2000" dirty="0" err="1" smtClean="0">
+                <a:solidFill>
+                  <a:schemeClr val="tx1"/>
+                </a:solidFill>
+                <a:latin typeface="Bitter" panose="02000000000000000000" pitchFamily="2" charset="0"/>
+              </a:rPr>
+              <a:t>import</a:t>
+            </a:r>
+            <a:r>
+              <a:rPr lang="pt-BR" sz="2000" dirty="0" smtClean="0">
+                <a:solidFill>
+                  <a:schemeClr val="tx1"/>
+                </a:solidFill>
+                <a:latin typeface="Bitter" panose="02000000000000000000" pitchFamily="2" charset="0"/>
+              </a:rPr>
+              <a:t>”</a:t>
+            </a:r>
+            <a:endParaRPr lang="pt-BR" sz="2000" dirty="0">
+              <a:solidFill>
+                <a:srgbClr val="FF0000"/>
+              </a:solidFill>
+              <a:latin typeface="Bitter" panose="02000000000000000000" pitchFamily="2" charset="0"/>
+            </a:endParaRPr>
+          </a:p>
+        </p:txBody>
+      </p:sp>
+    </p:spTree>
+    <p:extLst>
+      <p:ext uri="{BB962C8B-B14F-4D97-AF65-F5344CB8AC3E}">
+        <p14:creationId xmlns:p14="http://schemas.microsoft.com/office/powerpoint/2010/main" val="3603533064"/>
+      </p:ext>
+    </p:extLst>
+  </p:cSld>
+  <p:clrMapOvr>
+    <a:masterClrMapping/>
+  </p:clrMapOvr>
+  <mc:AlternateContent xmlns:mc="http://schemas.openxmlformats.org/markup-compatibility/2006" xmlns:p14="http://schemas.microsoft.com/office/powerpoint/2010/main">
+    <mc:Choice Requires="p14">
+      <p:transition p14:dur="0"/>
+    </mc:Choice>
+    <mc:Fallback xmlns="">
+      <p:transition/>
+    </mc:Fallback>
+  </mc:AlternateContent>
+  <p:timing>
+    <p:tnLst>
+      <p:par>
+        <p:cTn id="1" dur="indefinite" restart="never" nodeType="tmRoot"/>
+      </p:par>
+    </p:tnLst>
+  </p:timing>
+</p:sld>
+</file>
+
+<file path=ppt/slides/slide27.xml><?xml version="1.0" encoding="utf-8"?>
+<p:sld xmlns:a="http://schemas.openxmlformats.org/drawingml/2006/main" xmlns:r="http://schemas.openxmlformats.org/officeDocument/2006/relationships" xmlns:p="http://schemas.openxmlformats.org/presentationml/2006/main">
+  <p:cSld>
+    <p:spTree>
+      <p:nvGrpSpPr>
+        <p:cNvPr id="1" name=""/>
+        <p:cNvGrpSpPr/>
+        <p:nvPr/>
+      </p:nvGrpSpPr>
+      <p:grpSpPr>
+        <a:xfrm>
+          <a:off x="0" y="0"/>
+          <a:ext cx="0" cy="0"/>
+          <a:chOff x="0" y="0"/>
+          <a:chExt cx="0" cy="0"/>
+        </a:xfrm>
+      </p:grpSpPr>
+      <p:sp>
+        <p:nvSpPr>
+          <p:cNvPr id="2" name="Título 1"/>
+          <p:cNvSpPr>
+            <a:spLocks noGrp="1"/>
+          </p:cNvSpPr>
+          <p:nvPr>
+            <p:ph type="title"/>
+          </p:nvPr>
+        </p:nvSpPr>
+        <p:spPr/>
+        <p:txBody>
+          <a:bodyPr anchor="ctr"/>
+          <a:lstStyle/>
+          <a:p>
+            <a:pPr algn="l"/>
+            <a:r>
+              <a:rPr lang="pt-BR" dirty="0" smtClean="0">
+                <a:solidFill>
+                  <a:schemeClr val="tx1">
+                    <a:lumMod val="50000"/>
+                    <a:lumOff val="50000"/>
+                  </a:schemeClr>
+                </a:solidFill>
+                <a:latin typeface="Bitter" panose="02000000000000000000" pitchFamily="2" charset="0"/>
+              </a:rPr>
+              <a:t>Encapsulamento</a:t>
+            </a:r>
+            <a:endParaRPr lang="pt-BR" dirty="0">
+              <a:solidFill>
+                <a:schemeClr val="tx1">
+                  <a:lumMod val="50000"/>
+                  <a:lumOff val="50000"/>
+                </a:schemeClr>
+              </a:solidFill>
+              <a:latin typeface="Bitter" panose="02000000000000000000" pitchFamily="2" charset="0"/>
+            </a:endParaRPr>
+          </a:p>
+        </p:txBody>
+      </p:sp>
+      <p:sp>
+        <p:nvSpPr>
+          <p:cNvPr id="3" name="Espaço Reservado para Conteúdo 2"/>
+          <p:cNvSpPr>
+            <a:spLocks noGrp="1"/>
+          </p:cNvSpPr>
+          <p:nvPr>
+            <p:ph idx="1"/>
+          </p:nvPr>
+        </p:nvSpPr>
+        <p:spPr/>
+        <p:txBody>
+          <a:bodyPr>
+            <a:normAutofit/>
+          </a:bodyPr>
+          <a:lstStyle/>
+          <a:p>
+            <a:pPr>
+              <a:buClr>
+                <a:schemeClr val="tx1">
+                  <a:lumMod val="50000"/>
+                  <a:lumOff val="50000"/>
+                </a:schemeClr>
+              </a:buClr>
+            </a:pPr>
+            <a:r>
+              <a:rPr lang="pt-BR" sz="2800" dirty="0" err="1" smtClean="0">
+                <a:solidFill>
+                  <a:srgbClr val="FF0000"/>
+                </a:solidFill>
+                <a:latin typeface="Bitter" panose="02000000000000000000" pitchFamily="2" charset="0"/>
+              </a:rPr>
+              <a:t>Public</a:t>
+            </a:r>
+            <a:endParaRPr lang="pt-BR" sz="2800" dirty="0" smtClean="0">
+              <a:solidFill>
+                <a:srgbClr val="FF0000"/>
+              </a:solidFill>
+              <a:latin typeface="Bitter" panose="02000000000000000000" pitchFamily="2" charset="0"/>
+            </a:endParaRPr>
+          </a:p>
+          <a:p>
+            <a:pPr lvl="1">
+              <a:buClr>
+                <a:schemeClr val="tx1">
+                  <a:lumMod val="50000"/>
+                  <a:lumOff val="50000"/>
+                </a:schemeClr>
+              </a:buClr>
+            </a:pPr>
+            <a:r>
+              <a:rPr lang="pt-BR" sz="2000" dirty="0" smtClean="0">
+                <a:solidFill>
+                  <a:schemeClr val="tx1"/>
+                </a:solidFill>
+                <a:latin typeface="Bitter" panose="02000000000000000000" pitchFamily="2" charset="0"/>
+              </a:rPr>
+              <a:t>Permite acesso/escrita (escrita no caso de atributos) a partir de qualquer classe em qualquer pacote</a:t>
+            </a:r>
+          </a:p>
+          <a:p>
+            <a:pPr lvl="1">
+              <a:buClr>
+                <a:schemeClr val="tx1">
+                  <a:lumMod val="50000"/>
+                  <a:lumOff val="50000"/>
+                </a:schemeClr>
+              </a:buClr>
+            </a:pPr>
+            <a:r>
+              <a:rPr lang="pt-BR" sz="2000" dirty="0" smtClean="0">
+                <a:solidFill>
+                  <a:schemeClr val="tx1"/>
+                </a:solidFill>
+                <a:latin typeface="Bitter" panose="02000000000000000000" pitchFamily="2" charset="0"/>
+              </a:rPr>
+              <a:t>Se tiver em pacotes diferentes, basta dá um “</a:t>
+            </a:r>
+            <a:r>
+              <a:rPr lang="pt-BR" sz="2000" dirty="0" err="1" smtClean="0">
+                <a:solidFill>
+                  <a:schemeClr val="tx1"/>
+                </a:solidFill>
+                <a:latin typeface="Bitter" panose="02000000000000000000" pitchFamily="2" charset="0"/>
+              </a:rPr>
+              <a:t>import</a:t>
+            </a:r>
+            <a:r>
+              <a:rPr lang="pt-BR" sz="2000" dirty="0" smtClean="0">
+                <a:solidFill>
+                  <a:schemeClr val="tx1"/>
+                </a:solidFill>
+                <a:latin typeface="Bitter" panose="02000000000000000000" pitchFamily="2" charset="0"/>
+              </a:rPr>
+              <a:t>”</a:t>
+            </a:r>
+          </a:p>
+          <a:p>
+            <a:pPr>
+              <a:buClr>
+                <a:schemeClr val="tx1">
+                  <a:lumMod val="50000"/>
+                  <a:lumOff val="50000"/>
+                </a:schemeClr>
+              </a:buClr>
+            </a:pPr>
+            <a:r>
+              <a:rPr lang="pt-BR" sz="2800" dirty="0" err="1" smtClean="0">
+                <a:solidFill>
+                  <a:srgbClr val="FF0000"/>
+                </a:solidFill>
+                <a:latin typeface="Bitter" panose="02000000000000000000" pitchFamily="2" charset="0"/>
+              </a:rPr>
+              <a:t>Protected</a:t>
+            </a:r>
+            <a:endParaRPr lang="pt-BR" sz="2800" dirty="0" smtClean="0">
+              <a:solidFill>
+                <a:srgbClr val="FF0000"/>
+              </a:solidFill>
+              <a:latin typeface="Bitter" panose="02000000000000000000" pitchFamily="2" charset="0"/>
+            </a:endParaRPr>
+          </a:p>
+          <a:p>
+            <a:pPr>
+              <a:buClr>
+                <a:schemeClr val="tx1">
+                  <a:lumMod val="50000"/>
+                  <a:lumOff val="50000"/>
+                </a:schemeClr>
+              </a:buClr>
+            </a:pPr>
+            <a:r>
+              <a:rPr lang="pt-BR" sz="2800" dirty="0" err="1" smtClean="0">
+                <a:solidFill>
+                  <a:srgbClr val="FF0000"/>
+                </a:solidFill>
+                <a:latin typeface="Bitter" panose="02000000000000000000" pitchFamily="2" charset="0"/>
+              </a:rPr>
+              <a:t>Package</a:t>
+            </a:r>
+            <a:endParaRPr lang="pt-BR" sz="2800" dirty="0" smtClean="0">
+              <a:solidFill>
+                <a:srgbClr val="FF0000"/>
+              </a:solidFill>
+              <a:latin typeface="Bitter" panose="02000000000000000000" pitchFamily="2" charset="0"/>
+            </a:endParaRPr>
+          </a:p>
+          <a:p>
+            <a:pPr>
+              <a:buClr>
+                <a:schemeClr val="tx1">
+                  <a:lumMod val="50000"/>
+                  <a:lumOff val="50000"/>
+                </a:schemeClr>
+              </a:buClr>
+            </a:pPr>
+            <a:r>
+              <a:rPr lang="pt-BR" sz="2800" dirty="0" smtClean="0">
+                <a:solidFill>
+                  <a:srgbClr val="FF0000"/>
+                </a:solidFill>
+                <a:latin typeface="Bitter" panose="02000000000000000000" pitchFamily="2" charset="0"/>
+              </a:rPr>
+              <a:t>Private</a:t>
+            </a:r>
+            <a:endParaRPr lang="pt-BR" sz="2000" dirty="0">
+              <a:solidFill>
+                <a:srgbClr val="FF0000"/>
+              </a:solidFill>
+              <a:latin typeface="Bitter" panose="02000000000000000000" pitchFamily="2" charset="0"/>
+            </a:endParaRPr>
+          </a:p>
+        </p:txBody>
+      </p:sp>
+      <p:pic>
+        <p:nvPicPr>
+          <p:cNvPr id="4" name="Imagem 3"/>
+          <p:cNvPicPr>
+            <a:picLocks noChangeAspect="1"/>
+          </p:cNvPicPr>
+          <p:nvPr/>
+        </p:nvPicPr>
+        <p:blipFill>
+          <a:blip r:embed="rId3"/>
+          <a:stretch>
+            <a:fillRect/>
+          </a:stretch>
+        </p:blipFill>
+        <p:spPr>
+          <a:xfrm>
+            <a:off x="0" y="524113"/>
+            <a:ext cx="9144000" cy="5809774"/>
+          </a:xfrm>
+          <a:prstGeom prst="rect">
+            <a:avLst/>
+          </a:prstGeom>
+        </p:spPr>
+      </p:pic>
+    </p:spTree>
+    <p:extLst>
+      <p:ext uri="{BB962C8B-B14F-4D97-AF65-F5344CB8AC3E}">
+        <p14:creationId xmlns:p14="http://schemas.microsoft.com/office/powerpoint/2010/main" val="2443327078"/>
+      </p:ext>
+    </p:extLst>
+  </p:cSld>
+  <p:clrMapOvr>
+    <a:masterClrMapping/>
+  </p:clrMapOvr>
+  <mc:AlternateContent xmlns:mc="http://schemas.openxmlformats.org/markup-compatibility/2006" xmlns:p14="http://schemas.microsoft.com/office/powerpoint/2010/main">
+    <mc:Choice Requires="p14">
+      <p:transition p14:dur="0"/>
+    </mc:Choice>
+    <mc:Fallback xmlns="">
+      <p:transition/>
+    </mc:Fallback>
+  </mc:AlternateContent>
+  <p:timing>
+    <p:tnLst>
+      <p:par>
+        <p:cTn id="1" dur="indefinite" restart="never" nodeType="tmRoot"/>
+      </p:par>
+    </p:tnLst>
+  </p:timing>
+</p:sld>
+</file>
+
+<file path=ppt/slides/slide28.xml><?xml version="1.0" encoding="utf-8"?>
+<p:sld xmlns:a="http://schemas.openxmlformats.org/drawingml/2006/main" xmlns:r="http://schemas.openxmlformats.org/officeDocument/2006/relationships" xmlns:p="http://schemas.openxmlformats.org/presentationml/2006/main">
+  <p:cSld>
+    <p:spTree>
+      <p:nvGrpSpPr>
+        <p:cNvPr id="1" name=""/>
+        <p:cNvGrpSpPr/>
+        <p:nvPr/>
+      </p:nvGrpSpPr>
+      <p:grpSpPr>
+        <a:xfrm>
+          <a:off x="0" y="0"/>
+          <a:ext cx="0" cy="0"/>
+          <a:chOff x="0" y="0"/>
+          <a:chExt cx="0" cy="0"/>
+        </a:xfrm>
+      </p:grpSpPr>
+      <p:sp>
+        <p:nvSpPr>
+          <p:cNvPr id="2" name="Título 1"/>
+          <p:cNvSpPr>
+            <a:spLocks noGrp="1"/>
+          </p:cNvSpPr>
+          <p:nvPr>
+            <p:ph type="title"/>
+          </p:nvPr>
+        </p:nvSpPr>
+        <p:spPr/>
+        <p:txBody>
+          <a:bodyPr anchor="ctr"/>
+          <a:lstStyle/>
+          <a:p>
+            <a:pPr algn="l"/>
+            <a:r>
+              <a:rPr lang="pt-BR" dirty="0" smtClean="0">
+                <a:solidFill>
+                  <a:schemeClr val="tx1">
+                    <a:lumMod val="50000"/>
+                    <a:lumOff val="50000"/>
+                  </a:schemeClr>
+                </a:solidFill>
+                <a:latin typeface="Bitter" panose="02000000000000000000" pitchFamily="2" charset="0"/>
+              </a:rPr>
+              <a:t>Encapsulamento</a:t>
+            </a:r>
+            <a:endParaRPr lang="pt-BR" dirty="0">
+              <a:solidFill>
+                <a:schemeClr val="tx1">
+                  <a:lumMod val="50000"/>
+                  <a:lumOff val="50000"/>
+                </a:schemeClr>
+              </a:solidFill>
+              <a:latin typeface="Bitter" panose="02000000000000000000" pitchFamily="2" charset="0"/>
+            </a:endParaRPr>
+          </a:p>
+        </p:txBody>
+      </p:sp>
+      <p:sp>
+        <p:nvSpPr>
+          <p:cNvPr id="3" name="Espaço Reservado para Conteúdo 2"/>
+          <p:cNvSpPr>
+            <a:spLocks noGrp="1"/>
+          </p:cNvSpPr>
+          <p:nvPr>
+            <p:ph idx="1"/>
+          </p:nvPr>
+        </p:nvSpPr>
+        <p:spPr/>
+        <p:txBody>
+          <a:bodyPr>
+            <a:normAutofit/>
+          </a:bodyPr>
+          <a:lstStyle/>
+          <a:p>
+            <a:pPr>
+              <a:buClr>
+                <a:schemeClr val="tx1">
+                  <a:lumMod val="50000"/>
+                  <a:lumOff val="50000"/>
+                </a:schemeClr>
+              </a:buClr>
+            </a:pPr>
+            <a:r>
+              <a:rPr lang="pt-BR" sz="2800" dirty="0" err="1" smtClean="0">
+                <a:solidFill>
+                  <a:srgbClr val="FF0000"/>
+                </a:solidFill>
+                <a:latin typeface="Bitter" panose="02000000000000000000" pitchFamily="2" charset="0"/>
+              </a:rPr>
+              <a:t>Protected</a:t>
+            </a:r>
+            <a:endParaRPr lang="pt-BR" sz="2800" dirty="0" smtClean="0">
+              <a:solidFill>
+                <a:srgbClr val="FF0000"/>
+              </a:solidFill>
+              <a:latin typeface="Bitter" panose="02000000000000000000" pitchFamily="2" charset="0"/>
+            </a:endParaRPr>
+          </a:p>
+          <a:p>
+            <a:pPr lvl="1">
+              <a:buClr>
+                <a:schemeClr val="tx1">
+                  <a:lumMod val="50000"/>
+                  <a:lumOff val="50000"/>
+                </a:schemeClr>
+              </a:buClr>
+            </a:pPr>
+            <a:r>
+              <a:rPr lang="pt-BR" sz="2000" dirty="0" smtClean="0">
+                <a:solidFill>
+                  <a:schemeClr val="tx1"/>
+                </a:solidFill>
+                <a:latin typeface="Bitter" panose="02000000000000000000" pitchFamily="2" charset="0"/>
+              </a:rPr>
+              <a:t>Permite acesso a partir de uma subclasse da classe atual ou...</a:t>
+            </a:r>
+          </a:p>
+          <a:p>
+            <a:pPr lvl="1">
+              <a:buClr>
+                <a:schemeClr val="tx1">
+                  <a:lumMod val="50000"/>
+                  <a:lumOff val="50000"/>
+                </a:schemeClr>
+              </a:buClr>
+            </a:pPr>
+            <a:r>
+              <a:rPr lang="pt-BR" sz="2000" dirty="0" smtClean="0">
+                <a:solidFill>
+                  <a:schemeClr val="tx1"/>
+                </a:solidFill>
+                <a:latin typeface="Bitter" panose="02000000000000000000" pitchFamily="2" charset="0"/>
+              </a:rPr>
+              <a:t>A partir de uma classe dentro do mesmo pacote</a:t>
+            </a:r>
+          </a:p>
+          <a:p>
+            <a:pPr lvl="1">
+              <a:buClr>
+                <a:schemeClr val="tx1">
+                  <a:lumMod val="50000"/>
+                  <a:lumOff val="50000"/>
+                </a:schemeClr>
+              </a:buClr>
+            </a:pPr>
+            <a:r>
+              <a:rPr lang="pt-BR" sz="2000" dirty="0" smtClean="0">
+                <a:solidFill>
+                  <a:schemeClr val="tx1"/>
+                </a:solidFill>
+                <a:latin typeface="Bitter" panose="02000000000000000000" pitchFamily="2" charset="0"/>
+              </a:rPr>
+              <a:t>No caso de atributos, seus valores podem ser escritos ou lidos diretamente por objetos de um tipo de classe do mesmo pacote (herança) ou subclasse</a:t>
+            </a:r>
+          </a:p>
+          <a:p>
+            <a:pPr lvl="1">
+              <a:buClr>
+                <a:schemeClr val="tx1">
+                  <a:lumMod val="50000"/>
+                  <a:lumOff val="50000"/>
+                </a:schemeClr>
+              </a:buClr>
+            </a:pPr>
+            <a:r>
+              <a:rPr lang="pt-BR" sz="2000" dirty="0" smtClean="0">
+                <a:solidFill>
+                  <a:schemeClr val="tx1"/>
+                </a:solidFill>
+                <a:latin typeface="Bitter" panose="02000000000000000000" pitchFamily="2" charset="0"/>
+              </a:rPr>
+              <a:t>No caso dos métodos, estes poderão ser executados por subclasses e dentro do mesmo pacote</a:t>
+            </a:r>
+            <a:endParaRPr lang="pt-BR" sz="2000" dirty="0" smtClean="0">
+              <a:solidFill>
+                <a:srgbClr val="FF0000"/>
+              </a:solidFill>
+              <a:latin typeface="Bitter" panose="02000000000000000000" pitchFamily="2" charset="0"/>
+            </a:endParaRPr>
+          </a:p>
+          <a:p>
+            <a:pPr>
+              <a:buClr>
+                <a:schemeClr val="tx1">
+                  <a:lumMod val="50000"/>
+                  <a:lumOff val="50000"/>
+                </a:schemeClr>
+              </a:buClr>
+            </a:pPr>
+            <a:r>
+              <a:rPr lang="pt-BR" sz="2800" dirty="0" err="1" smtClean="0">
+                <a:solidFill>
+                  <a:srgbClr val="FF0000"/>
+                </a:solidFill>
+                <a:latin typeface="Bitter" panose="02000000000000000000" pitchFamily="2" charset="0"/>
+              </a:rPr>
+              <a:t>Package</a:t>
+            </a:r>
+            <a:endParaRPr lang="pt-BR" sz="2800" dirty="0" smtClean="0">
+              <a:solidFill>
+                <a:srgbClr val="FF0000"/>
+              </a:solidFill>
+              <a:latin typeface="Bitter" panose="02000000000000000000" pitchFamily="2" charset="0"/>
+            </a:endParaRPr>
+          </a:p>
+          <a:p>
+            <a:pPr>
+              <a:buClr>
+                <a:schemeClr val="tx1">
+                  <a:lumMod val="50000"/>
+                  <a:lumOff val="50000"/>
+                </a:schemeClr>
+              </a:buClr>
+            </a:pPr>
+            <a:r>
+              <a:rPr lang="pt-BR" sz="2800" dirty="0" smtClean="0">
+                <a:solidFill>
+                  <a:srgbClr val="FF0000"/>
+                </a:solidFill>
+                <a:latin typeface="Bitter" panose="02000000000000000000" pitchFamily="2" charset="0"/>
+              </a:rPr>
+              <a:t>Private</a:t>
+            </a:r>
+            <a:endParaRPr lang="pt-BR" sz="2000" dirty="0">
+              <a:solidFill>
+                <a:srgbClr val="FF0000"/>
+              </a:solidFill>
+              <a:latin typeface="Bitter" panose="02000000000000000000" pitchFamily="2" charset="0"/>
+            </a:endParaRPr>
+          </a:p>
+        </p:txBody>
+      </p:sp>
+    </p:spTree>
+    <p:extLst>
+      <p:ext uri="{BB962C8B-B14F-4D97-AF65-F5344CB8AC3E}">
+        <p14:creationId xmlns:p14="http://schemas.microsoft.com/office/powerpoint/2010/main" val="927307273"/>
+      </p:ext>
+    </p:extLst>
+  </p:cSld>
+  <p:clrMapOvr>
+    <a:masterClrMapping/>
+  </p:clrMapOvr>
+  <mc:AlternateContent xmlns:mc="http://schemas.openxmlformats.org/markup-compatibility/2006" xmlns:p14="http://schemas.microsoft.com/office/powerpoint/2010/main">
+    <mc:Choice Requires="p14">
+      <p:transition p14:dur="0"/>
+    </mc:Choice>
+    <mc:Fallback xmlns="">
+      <p:transition/>
+    </mc:Fallback>
+  </mc:AlternateContent>
+  <p:timing>
+    <p:tnLst>
+      <p:par>
+        <p:cTn id="1" dur="indefinite" restart="never" nodeType="tmRoot"/>
+      </p:par>
+    </p:tnLst>
+  </p:timing>
+</p:sld>
+</file>
+
+<file path=ppt/slides/slide29.xml><?xml version="1.0" encoding="utf-8"?>
+<p:sld xmlns:a="http://schemas.openxmlformats.org/drawingml/2006/main" xmlns:r="http://schemas.openxmlformats.org/officeDocument/2006/relationships" xmlns:p="http://schemas.openxmlformats.org/presentationml/2006/main">
+  <p:cSld>
+    <p:spTree>
+      <p:nvGrpSpPr>
+        <p:cNvPr id="1" name=""/>
+        <p:cNvGrpSpPr/>
+        <p:nvPr/>
+      </p:nvGrpSpPr>
+      <p:grpSpPr>
+        <a:xfrm>
+          <a:off x="0" y="0"/>
+          <a:ext cx="0" cy="0"/>
+          <a:chOff x="0" y="0"/>
+          <a:chExt cx="0" cy="0"/>
+        </a:xfrm>
+      </p:grpSpPr>
+      <p:sp>
+        <p:nvSpPr>
+          <p:cNvPr id="2" name="Título 1"/>
+          <p:cNvSpPr>
+            <a:spLocks noGrp="1"/>
+          </p:cNvSpPr>
+          <p:nvPr>
+            <p:ph type="title"/>
+          </p:nvPr>
+        </p:nvSpPr>
+        <p:spPr/>
+        <p:txBody>
+          <a:bodyPr anchor="ctr"/>
+          <a:lstStyle/>
+          <a:p>
+            <a:pPr algn="l"/>
+            <a:r>
+              <a:rPr lang="pt-BR" dirty="0" smtClean="0">
+                <a:solidFill>
+                  <a:schemeClr val="tx1">
+                    <a:lumMod val="50000"/>
+                    <a:lumOff val="50000"/>
+                  </a:schemeClr>
+                </a:solidFill>
+                <a:latin typeface="Bitter" panose="02000000000000000000" pitchFamily="2" charset="0"/>
+              </a:rPr>
+              <a:t>Encapsulamento</a:t>
+            </a:r>
+            <a:endParaRPr lang="pt-BR" dirty="0">
+              <a:solidFill>
+                <a:schemeClr val="tx1">
+                  <a:lumMod val="50000"/>
+                  <a:lumOff val="50000"/>
+                </a:schemeClr>
+              </a:solidFill>
+              <a:latin typeface="Bitter" panose="02000000000000000000" pitchFamily="2" charset="0"/>
+            </a:endParaRPr>
+          </a:p>
+        </p:txBody>
+      </p:sp>
+      <p:sp>
+        <p:nvSpPr>
+          <p:cNvPr id="3" name="Espaço Reservado para Conteúdo 2"/>
+          <p:cNvSpPr>
+            <a:spLocks noGrp="1"/>
+          </p:cNvSpPr>
+          <p:nvPr>
+            <p:ph idx="1"/>
+          </p:nvPr>
+        </p:nvSpPr>
+        <p:spPr/>
+        <p:txBody>
+          <a:bodyPr>
+            <a:normAutofit/>
+          </a:bodyPr>
+          <a:lstStyle/>
+          <a:p>
+            <a:pPr>
+              <a:buClr>
+                <a:schemeClr val="tx1">
+                  <a:lumMod val="50000"/>
+                  <a:lumOff val="50000"/>
+                </a:schemeClr>
+              </a:buClr>
+            </a:pPr>
+            <a:r>
+              <a:rPr lang="pt-BR" sz="2800" dirty="0" err="1" smtClean="0">
+                <a:solidFill>
+                  <a:srgbClr val="FF0000"/>
+                </a:solidFill>
+                <a:latin typeface="Bitter" panose="02000000000000000000" pitchFamily="2" charset="0"/>
+              </a:rPr>
+              <a:t>Protected</a:t>
+            </a:r>
+            <a:endParaRPr lang="pt-BR" sz="2800" dirty="0" smtClean="0">
+              <a:solidFill>
+                <a:srgbClr val="FF0000"/>
+              </a:solidFill>
+              <a:latin typeface="Bitter" panose="02000000000000000000" pitchFamily="2" charset="0"/>
+            </a:endParaRPr>
+          </a:p>
+          <a:p>
+            <a:pPr lvl="1">
+              <a:buClr>
+                <a:schemeClr val="tx1">
+                  <a:lumMod val="50000"/>
+                  <a:lumOff val="50000"/>
+                </a:schemeClr>
+              </a:buClr>
+            </a:pPr>
+            <a:r>
+              <a:rPr lang="pt-BR" sz="2000" dirty="0" smtClean="0">
+                <a:solidFill>
+                  <a:schemeClr val="tx1"/>
+                </a:solidFill>
+                <a:latin typeface="Bitter" panose="02000000000000000000" pitchFamily="2" charset="0"/>
+              </a:rPr>
+              <a:t>Permite acesso a partir de uma subclasse da classe atual ou...</a:t>
+            </a:r>
+          </a:p>
+          <a:p>
+            <a:pPr lvl="1">
+              <a:buClr>
+                <a:schemeClr val="tx1">
+                  <a:lumMod val="50000"/>
+                  <a:lumOff val="50000"/>
+                </a:schemeClr>
+              </a:buClr>
+            </a:pPr>
+            <a:r>
+              <a:rPr lang="pt-BR" sz="2000" dirty="0" smtClean="0">
+                <a:solidFill>
+                  <a:schemeClr val="tx1"/>
+                </a:solidFill>
+                <a:latin typeface="Bitter" panose="02000000000000000000" pitchFamily="2" charset="0"/>
+              </a:rPr>
+              <a:t>A partir de uma classe dentro do mesmo pacote</a:t>
+            </a:r>
+          </a:p>
+          <a:p>
+            <a:pPr lvl="1">
+              <a:buClr>
+                <a:schemeClr val="tx1">
+                  <a:lumMod val="50000"/>
+                  <a:lumOff val="50000"/>
+                </a:schemeClr>
+              </a:buClr>
+            </a:pPr>
+            <a:r>
+              <a:rPr lang="pt-BR" sz="2000" dirty="0" smtClean="0">
+                <a:solidFill>
+                  <a:schemeClr val="tx1"/>
+                </a:solidFill>
+                <a:latin typeface="Bitter" panose="02000000000000000000" pitchFamily="2" charset="0"/>
+              </a:rPr>
+              <a:t>No caso de atributos, seus valores podem ser escritos ou lidos diretamente por objetos de um tipo de classe do mesmo pacote (herança) ou subclasse</a:t>
+            </a:r>
+          </a:p>
+          <a:p>
+            <a:pPr lvl="1">
+              <a:buClr>
+                <a:schemeClr val="tx1">
+                  <a:lumMod val="50000"/>
+                  <a:lumOff val="50000"/>
+                </a:schemeClr>
+              </a:buClr>
+            </a:pPr>
+            <a:r>
+              <a:rPr lang="pt-BR" sz="2000" dirty="0" smtClean="0">
+                <a:solidFill>
+                  <a:schemeClr val="tx1"/>
+                </a:solidFill>
+                <a:latin typeface="Bitter" panose="02000000000000000000" pitchFamily="2" charset="0"/>
+              </a:rPr>
+              <a:t>No caso dos métodos, estes poderão ser executados por subclasses e dentro do mesmo pacote</a:t>
+            </a:r>
+            <a:endParaRPr lang="pt-BR" sz="2000" dirty="0" smtClean="0">
+              <a:solidFill>
+                <a:srgbClr val="FF0000"/>
+              </a:solidFill>
+              <a:latin typeface="Bitter" panose="02000000000000000000" pitchFamily="2" charset="0"/>
+            </a:endParaRPr>
+          </a:p>
+          <a:p>
+            <a:pPr>
+              <a:buClr>
+                <a:schemeClr val="tx1">
+                  <a:lumMod val="50000"/>
+                  <a:lumOff val="50000"/>
+                </a:schemeClr>
+              </a:buClr>
+            </a:pPr>
+            <a:r>
+              <a:rPr lang="pt-BR" sz="2800" dirty="0" err="1" smtClean="0">
+                <a:solidFill>
+                  <a:srgbClr val="FF0000"/>
+                </a:solidFill>
+                <a:latin typeface="Bitter" panose="02000000000000000000" pitchFamily="2" charset="0"/>
+              </a:rPr>
+              <a:t>Package</a:t>
+            </a:r>
+            <a:endParaRPr lang="pt-BR" sz="2800" dirty="0" smtClean="0">
+              <a:solidFill>
+                <a:srgbClr val="FF0000"/>
+              </a:solidFill>
+              <a:latin typeface="Bitter" panose="02000000000000000000" pitchFamily="2" charset="0"/>
+            </a:endParaRPr>
+          </a:p>
+          <a:p>
+            <a:pPr>
+              <a:buClr>
+                <a:schemeClr val="tx1">
+                  <a:lumMod val="50000"/>
+                  <a:lumOff val="50000"/>
+                </a:schemeClr>
+              </a:buClr>
+            </a:pPr>
+            <a:r>
+              <a:rPr lang="pt-BR" sz="2800" dirty="0" smtClean="0">
+                <a:solidFill>
+                  <a:srgbClr val="FF0000"/>
+                </a:solidFill>
+                <a:latin typeface="Bitter" panose="02000000000000000000" pitchFamily="2" charset="0"/>
+              </a:rPr>
+              <a:t>Private</a:t>
+            </a:r>
+            <a:endParaRPr lang="pt-BR" sz="2000" dirty="0">
+              <a:solidFill>
+                <a:srgbClr val="FF0000"/>
+              </a:solidFill>
+              <a:latin typeface="Bitter" panose="02000000000000000000" pitchFamily="2" charset="0"/>
+            </a:endParaRPr>
+          </a:p>
+        </p:txBody>
+      </p:sp>
+      <p:pic>
+        <p:nvPicPr>
+          <p:cNvPr id="4" name="Imagem 3"/>
+          <p:cNvPicPr>
+            <a:picLocks noChangeAspect="1"/>
+          </p:cNvPicPr>
+          <p:nvPr/>
+        </p:nvPicPr>
+        <p:blipFill>
+          <a:blip r:embed="rId3"/>
+          <a:stretch>
+            <a:fillRect/>
+          </a:stretch>
+        </p:blipFill>
+        <p:spPr>
+          <a:xfrm>
+            <a:off x="0" y="413425"/>
+            <a:ext cx="9144000" cy="6031149"/>
+          </a:xfrm>
+          <a:prstGeom prst="rect">
+            <a:avLst/>
+          </a:prstGeom>
+        </p:spPr>
+      </p:pic>
+    </p:spTree>
+    <p:extLst>
+      <p:ext uri="{BB962C8B-B14F-4D97-AF65-F5344CB8AC3E}">
+        <p14:creationId xmlns:p14="http://schemas.microsoft.com/office/powerpoint/2010/main" val="1252695379"/>
+      </p:ext>
+    </p:extLst>
+  </p:cSld>
+  <p:clrMapOvr>
+    <a:masterClrMapping/>
+  </p:clrMapOvr>
+  <mc:AlternateContent xmlns:mc="http://schemas.openxmlformats.org/markup-compatibility/2006" xmlns:p14="http://schemas.microsoft.com/office/powerpoint/2010/main">
+    <mc:Choice Requires="p14">
+      <p:transition p14:dur="0"/>
+    </mc:Choice>
+    <mc:Fallback xmlns="">
+      <p:transition/>
+    </mc:Fallback>
+  </mc:AlternateContent>
+  <p:timing>
+    <p:tnLst>
+      <p:par>
+        <p:cTn id="1" dur="indefinite" restart="never" nodeType="tmRoot"/>
+      </p:par>
+    </p:tnLst>
+  </p:timing>
+</p:sld>
+</file>
+
+<file path=ppt/slides/slide3.xml><?xml version="1.0" encoding="utf-8"?>
+<p:sld xmlns:a="http://schemas.openxmlformats.org/drawingml/2006/main" xmlns:r="http://schemas.openxmlformats.org/officeDocument/2006/relationships" xmlns:p="http://schemas.openxmlformats.org/presentationml/2006/main">
+  <p:cSld>
+    <p:spTree>
+      <p:nvGrpSpPr>
+        <p:cNvPr id="1" name=""/>
+        <p:cNvGrpSpPr/>
+        <p:nvPr/>
+      </p:nvGrpSpPr>
+      <p:grpSpPr>
+        <a:xfrm>
+          <a:off x="0" y="0"/>
+          <a:ext cx="0" cy="0"/>
+          <a:chOff x="0" y="0"/>
+          <a:chExt cx="0" cy="0"/>
+        </a:xfrm>
+      </p:grpSpPr>
+      <p:sp>
+        <p:nvSpPr>
+          <p:cNvPr id="2" name="Título 1"/>
+          <p:cNvSpPr>
+            <a:spLocks noGrp="1"/>
+          </p:cNvSpPr>
+          <p:nvPr>
+            <p:ph type="title"/>
+          </p:nvPr>
+        </p:nvSpPr>
+        <p:spPr/>
+        <p:txBody>
+          <a:bodyPr anchor="ctr"/>
+          <a:lstStyle/>
+          <a:p>
+            <a:pPr algn="l"/>
+            <a:r>
+              <a:rPr lang="pt-BR" dirty="0" smtClean="0">
+                <a:solidFill>
+                  <a:schemeClr val="tx1">
+                    <a:lumMod val="50000"/>
+                    <a:lumOff val="50000"/>
+                  </a:schemeClr>
+                </a:solidFill>
+                <a:latin typeface="Bitter" panose="02000000000000000000" pitchFamily="2" charset="0"/>
+              </a:rPr>
+              <a:t>Métodos Especiais</a:t>
+            </a:r>
+            <a:endParaRPr lang="pt-BR" dirty="0">
+              <a:solidFill>
+                <a:schemeClr val="tx1">
+                  <a:lumMod val="50000"/>
+                  <a:lumOff val="50000"/>
+                </a:schemeClr>
+              </a:solidFill>
+              <a:latin typeface="Bitter" panose="02000000000000000000" pitchFamily="2" charset="0"/>
+            </a:endParaRPr>
+          </a:p>
+        </p:txBody>
+      </p:sp>
+      <p:sp>
+        <p:nvSpPr>
+          <p:cNvPr id="3" name="Espaço Reservado para Conteúdo 2"/>
+          <p:cNvSpPr>
+            <a:spLocks noGrp="1"/>
+          </p:cNvSpPr>
+          <p:nvPr>
+            <p:ph idx="1"/>
+          </p:nvPr>
+        </p:nvSpPr>
+        <p:spPr/>
+        <p:txBody>
+          <a:bodyPr>
+            <a:normAutofit/>
+          </a:bodyPr>
+          <a:lstStyle/>
+          <a:p>
+            <a:pPr>
+              <a:buClr>
+                <a:schemeClr val="tx1">
+                  <a:lumMod val="50000"/>
+                  <a:lumOff val="50000"/>
+                </a:schemeClr>
+              </a:buClr>
+            </a:pPr>
+            <a:r>
+              <a:rPr lang="pt-BR" sz="2800" dirty="0" smtClean="0">
+                <a:solidFill>
+                  <a:schemeClr val="tx1">
+                    <a:lumMod val="95000"/>
+                    <a:lumOff val="5000"/>
+                  </a:schemeClr>
+                </a:solidFill>
+                <a:latin typeface="Bitter" panose="02000000000000000000" pitchFamily="2" charset="0"/>
+              </a:rPr>
+              <a:t>Construtores/Destrutores</a:t>
+            </a:r>
+          </a:p>
+          <a:p>
+            <a:pPr lvl="1">
+              <a:buClr>
+                <a:schemeClr val="tx1">
+                  <a:lumMod val="50000"/>
+                  <a:lumOff val="50000"/>
+                </a:schemeClr>
+              </a:buClr>
+            </a:pPr>
+            <a:r>
+              <a:rPr lang="pt-BR" sz="2000" dirty="0" smtClean="0">
+                <a:solidFill>
+                  <a:schemeClr val="tx1">
+                    <a:lumMod val="95000"/>
+                    <a:lumOff val="5000"/>
+                  </a:schemeClr>
+                </a:solidFill>
+                <a:latin typeface="Bitter" panose="02000000000000000000" pitchFamily="2" charset="0"/>
+              </a:rPr>
+              <a:t>Construtor: executado quando um novo objeto da classe é criado</a:t>
+            </a:r>
+          </a:p>
+          <a:p>
+            <a:pPr lvl="1">
+              <a:buClr>
+                <a:schemeClr val="tx1">
+                  <a:lumMod val="50000"/>
+                  <a:lumOff val="50000"/>
+                </a:schemeClr>
+              </a:buClr>
+            </a:pPr>
+            <a:r>
+              <a:rPr lang="pt-BR" sz="2000" dirty="0" smtClean="0">
+                <a:solidFill>
+                  <a:schemeClr val="tx1">
+                    <a:lumMod val="95000"/>
+                    <a:lumOff val="5000"/>
+                  </a:schemeClr>
+                </a:solidFill>
+                <a:latin typeface="Bitter" panose="02000000000000000000" pitchFamily="2" charset="0"/>
+              </a:rPr>
+              <a:t>Destrutor: executado quando o </a:t>
+            </a:r>
+            <a:r>
+              <a:rPr lang="pt-BR" sz="2000" dirty="0" err="1" smtClean="0">
+                <a:solidFill>
+                  <a:schemeClr val="tx1">
+                    <a:lumMod val="95000"/>
+                    <a:lumOff val="5000"/>
+                  </a:schemeClr>
+                </a:solidFill>
+                <a:latin typeface="Bitter" panose="02000000000000000000" pitchFamily="2" charset="0"/>
+              </a:rPr>
+              <a:t>garbage</a:t>
+            </a:r>
+            <a:r>
+              <a:rPr lang="pt-BR" sz="2000" dirty="0" smtClean="0">
+                <a:solidFill>
+                  <a:schemeClr val="tx1">
+                    <a:lumMod val="95000"/>
+                    <a:lumOff val="5000"/>
+                  </a:schemeClr>
+                </a:solidFill>
+                <a:latin typeface="Bitter" panose="02000000000000000000" pitchFamily="2" charset="0"/>
+              </a:rPr>
+              <a:t> </a:t>
+            </a:r>
+            <a:r>
+              <a:rPr lang="pt-BR" sz="2000" dirty="0" err="1" smtClean="0">
+                <a:solidFill>
+                  <a:schemeClr val="tx1">
+                    <a:lumMod val="95000"/>
+                    <a:lumOff val="5000"/>
+                  </a:schemeClr>
+                </a:solidFill>
+                <a:latin typeface="Bitter" panose="02000000000000000000" pitchFamily="2" charset="0"/>
+              </a:rPr>
+              <a:t>collector</a:t>
+            </a:r>
+            <a:r>
+              <a:rPr lang="pt-BR" sz="2000" dirty="0" smtClean="0">
+                <a:solidFill>
+                  <a:schemeClr val="tx1">
+                    <a:lumMod val="95000"/>
+                    <a:lumOff val="5000"/>
+                  </a:schemeClr>
+                </a:solidFill>
+                <a:latin typeface="Bitter" panose="02000000000000000000" pitchFamily="2" charset="0"/>
+              </a:rPr>
+              <a:t> (GC) vai remover um objeto da memória</a:t>
+            </a:r>
+          </a:p>
+          <a:p>
+            <a:pPr>
+              <a:buClr>
+                <a:schemeClr val="tx1">
+                  <a:lumMod val="50000"/>
+                  <a:lumOff val="50000"/>
+                </a:schemeClr>
+              </a:buClr>
+            </a:pPr>
+            <a:endParaRPr lang="pt-BR" sz="2800" dirty="0">
+              <a:solidFill>
+                <a:schemeClr val="tx1">
+                  <a:lumMod val="95000"/>
+                  <a:lumOff val="5000"/>
+                </a:schemeClr>
+              </a:solidFill>
+              <a:latin typeface="Bitter" panose="02000000000000000000" pitchFamily="2" charset="0"/>
+            </a:endParaRPr>
+          </a:p>
+        </p:txBody>
+      </p:sp>
+    </p:spTree>
+    <p:extLst>
+      <p:ext uri="{BB962C8B-B14F-4D97-AF65-F5344CB8AC3E}">
+        <p14:creationId xmlns:p14="http://schemas.microsoft.com/office/powerpoint/2010/main" val="1219546697"/>
+      </p:ext>
+    </p:extLst>
+  </p:cSld>
+  <p:clrMapOvr>
+    <a:masterClrMapping/>
+  </p:clrMapOvr>
+  <mc:AlternateContent xmlns:mc="http://schemas.openxmlformats.org/markup-compatibility/2006" xmlns:p14="http://schemas.microsoft.com/office/powerpoint/2010/main">
+    <mc:Choice Requires="p14">
+      <p:transition p14:dur="0"/>
+    </mc:Choice>
+    <mc:Fallback xmlns="">
+      <p:transition/>
+    </mc:Fallback>
+  </mc:AlternateContent>
+  <p:timing>
+    <p:tnLst>
+      <p:par>
+        <p:cTn id="1" dur="indefinite" restart="never" nodeType="tmRoot"/>
+      </p:par>
+    </p:tnLst>
+  </p:timing>
+</p:sld>
+</file>
+
+<file path=ppt/slides/slide30.xml><?xml version="1.0" encoding="utf-8"?>
+<p:sld xmlns:a="http://schemas.openxmlformats.org/drawingml/2006/main" xmlns:r="http://schemas.openxmlformats.org/officeDocument/2006/relationships" xmlns:p="http://schemas.openxmlformats.org/presentationml/2006/main">
+  <p:cSld>
+    <p:spTree>
+      <p:nvGrpSpPr>
+        <p:cNvPr id="1" name=""/>
+        <p:cNvGrpSpPr/>
+        <p:nvPr/>
+      </p:nvGrpSpPr>
+      <p:grpSpPr>
+        <a:xfrm>
+          <a:off x="0" y="0"/>
+          <a:ext cx="0" cy="0"/>
+          <a:chOff x="0" y="0"/>
+          <a:chExt cx="0" cy="0"/>
+        </a:xfrm>
+      </p:grpSpPr>
+      <p:sp>
+        <p:nvSpPr>
+          <p:cNvPr id="2" name="Título 1"/>
+          <p:cNvSpPr>
+            <a:spLocks noGrp="1"/>
+          </p:cNvSpPr>
+          <p:nvPr>
+            <p:ph type="title"/>
+          </p:nvPr>
+        </p:nvSpPr>
+        <p:spPr/>
+        <p:txBody>
+          <a:bodyPr anchor="ctr"/>
+          <a:lstStyle/>
+          <a:p>
+            <a:pPr algn="l"/>
+            <a:r>
+              <a:rPr lang="pt-BR" dirty="0" smtClean="0">
+                <a:solidFill>
+                  <a:schemeClr val="tx1">
+                    <a:lumMod val="50000"/>
+                    <a:lumOff val="50000"/>
+                  </a:schemeClr>
+                </a:solidFill>
+                <a:latin typeface="Bitter" panose="02000000000000000000" pitchFamily="2" charset="0"/>
+              </a:rPr>
+              <a:t>Encapsulamento</a:t>
+            </a:r>
+            <a:endParaRPr lang="pt-BR" dirty="0">
+              <a:solidFill>
+                <a:schemeClr val="tx1">
+                  <a:lumMod val="50000"/>
+                  <a:lumOff val="50000"/>
+                </a:schemeClr>
+              </a:solidFill>
+              <a:latin typeface="Bitter" panose="02000000000000000000" pitchFamily="2" charset="0"/>
+            </a:endParaRPr>
+          </a:p>
+        </p:txBody>
+      </p:sp>
+      <p:sp>
+        <p:nvSpPr>
+          <p:cNvPr id="3" name="Espaço Reservado para Conteúdo 2"/>
+          <p:cNvSpPr>
+            <a:spLocks noGrp="1"/>
+          </p:cNvSpPr>
+          <p:nvPr>
+            <p:ph idx="1"/>
+          </p:nvPr>
+        </p:nvSpPr>
+        <p:spPr/>
+        <p:txBody>
+          <a:bodyPr>
+            <a:normAutofit/>
+          </a:bodyPr>
+          <a:lstStyle/>
+          <a:p>
+            <a:pPr>
+              <a:buClr>
+                <a:schemeClr val="tx1">
+                  <a:lumMod val="50000"/>
+                  <a:lumOff val="50000"/>
+                </a:schemeClr>
+              </a:buClr>
+            </a:pPr>
+            <a:r>
+              <a:rPr lang="pt-BR" sz="2800" dirty="0" err="1" smtClean="0">
+                <a:solidFill>
+                  <a:srgbClr val="FF0000"/>
+                </a:solidFill>
+                <a:latin typeface="Bitter" panose="02000000000000000000" pitchFamily="2" charset="0"/>
+              </a:rPr>
+              <a:t>Package</a:t>
+            </a:r>
+            <a:r>
+              <a:rPr lang="pt-BR" sz="2800" dirty="0" smtClean="0">
+                <a:solidFill>
+                  <a:srgbClr val="FF0000"/>
+                </a:solidFill>
+                <a:latin typeface="Bitter" panose="02000000000000000000" pitchFamily="2" charset="0"/>
+              </a:rPr>
+              <a:t> </a:t>
+            </a:r>
+            <a:r>
+              <a:rPr lang="pt-BR" sz="2800" dirty="0" smtClean="0">
+                <a:solidFill>
+                  <a:schemeClr val="tx1"/>
+                </a:solidFill>
+                <a:latin typeface="Bitter" panose="02000000000000000000" pitchFamily="2" charset="0"/>
+              </a:rPr>
+              <a:t>(padrão)</a:t>
+            </a:r>
+          </a:p>
+          <a:p>
+            <a:pPr lvl="1">
+              <a:buClr>
+                <a:schemeClr val="tx1">
+                  <a:lumMod val="50000"/>
+                  <a:lumOff val="50000"/>
+                </a:schemeClr>
+              </a:buClr>
+            </a:pPr>
+            <a:r>
+              <a:rPr lang="pt-BR" sz="2000" dirty="0" smtClean="0">
+                <a:solidFill>
+                  <a:schemeClr val="tx1"/>
+                </a:solidFill>
+                <a:latin typeface="Bitter" panose="02000000000000000000" pitchFamily="2" charset="0"/>
+              </a:rPr>
+              <a:t>Igual ao </a:t>
+            </a:r>
+            <a:r>
+              <a:rPr lang="pt-BR" sz="2000" dirty="0" err="1" smtClean="0">
+                <a:solidFill>
+                  <a:schemeClr val="tx1"/>
+                </a:solidFill>
+                <a:latin typeface="Bitter" panose="02000000000000000000" pitchFamily="2" charset="0"/>
+              </a:rPr>
+              <a:t>public</a:t>
+            </a:r>
+            <a:r>
+              <a:rPr lang="pt-BR" sz="2000" dirty="0" smtClean="0">
+                <a:solidFill>
+                  <a:schemeClr val="tx1"/>
+                </a:solidFill>
+                <a:latin typeface="Bitter" panose="02000000000000000000" pitchFamily="2" charset="0"/>
+              </a:rPr>
+              <a:t>, mas apenas dentro do mesmo pacote</a:t>
+            </a:r>
+          </a:p>
+          <a:p>
+            <a:pPr>
+              <a:buClr>
+                <a:schemeClr val="tx1">
+                  <a:lumMod val="50000"/>
+                  <a:lumOff val="50000"/>
+                </a:schemeClr>
+              </a:buClr>
+            </a:pPr>
+            <a:r>
+              <a:rPr lang="pt-BR" sz="2800" dirty="0" smtClean="0">
+                <a:solidFill>
+                  <a:srgbClr val="FF0000"/>
+                </a:solidFill>
+                <a:latin typeface="Bitter" panose="02000000000000000000" pitchFamily="2" charset="0"/>
+              </a:rPr>
+              <a:t>Private</a:t>
+            </a:r>
+          </a:p>
+          <a:p>
+            <a:pPr lvl="1">
+              <a:buClr>
+                <a:schemeClr val="tx1">
+                  <a:lumMod val="50000"/>
+                  <a:lumOff val="50000"/>
+                </a:schemeClr>
+              </a:buClr>
+            </a:pPr>
+            <a:r>
+              <a:rPr lang="pt-BR" sz="2000" dirty="0" smtClean="0">
+                <a:solidFill>
+                  <a:schemeClr val="tx1"/>
+                </a:solidFill>
+                <a:latin typeface="Bitter" panose="02000000000000000000" pitchFamily="2" charset="0"/>
+              </a:rPr>
+              <a:t>Mais restrito</a:t>
+            </a:r>
+          </a:p>
+          <a:p>
+            <a:pPr lvl="1">
+              <a:buClr>
+                <a:schemeClr val="tx1">
+                  <a:lumMod val="50000"/>
+                  <a:lumOff val="50000"/>
+                </a:schemeClr>
+              </a:buClr>
+            </a:pPr>
+            <a:r>
+              <a:rPr lang="pt-BR" sz="2000" dirty="0" smtClean="0">
+                <a:solidFill>
+                  <a:schemeClr val="tx1"/>
+                </a:solidFill>
+                <a:latin typeface="Bitter" panose="02000000000000000000" pitchFamily="2" charset="0"/>
+              </a:rPr>
+              <a:t>Acesso apenas na própria classe (leitura e escrita)</a:t>
+            </a:r>
+          </a:p>
+          <a:p>
+            <a:pPr lvl="1">
+              <a:buClr>
+                <a:schemeClr val="tx1">
+                  <a:lumMod val="50000"/>
+                  <a:lumOff val="50000"/>
+                </a:schemeClr>
+              </a:buClr>
+            </a:pPr>
+            <a:r>
+              <a:rPr lang="pt-BR" sz="2000" dirty="0" smtClean="0">
+                <a:solidFill>
+                  <a:schemeClr val="tx1"/>
+                </a:solidFill>
+                <a:latin typeface="Bitter" panose="02000000000000000000" pitchFamily="2" charset="0"/>
+              </a:rPr>
+              <a:t>Métodos </a:t>
+            </a:r>
+            <a:r>
+              <a:rPr lang="pt-BR" sz="2000" dirty="0" err="1" smtClean="0">
+                <a:solidFill>
+                  <a:srgbClr val="FF0000"/>
+                </a:solidFill>
+                <a:latin typeface="Bitter" panose="02000000000000000000" pitchFamily="2" charset="0"/>
+              </a:rPr>
+              <a:t>getter</a:t>
+            </a:r>
+            <a:r>
+              <a:rPr lang="pt-BR" sz="2000" dirty="0" smtClean="0">
+                <a:solidFill>
+                  <a:srgbClr val="FF0000"/>
+                </a:solidFill>
+                <a:latin typeface="Bitter" panose="02000000000000000000" pitchFamily="2" charset="0"/>
+              </a:rPr>
+              <a:t> </a:t>
+            </a:r>
+            <a:r>
+              <a:rPr lang="pt-BR" sz="2000" dirty="0" smtClean="0">
+                <a:solidFill>
+                  <a:schemeClr val="tx1"/>
+                </a:solidFill>
+                <a:latin typeface="Bitter" panose="02000000000000000000" pitchFamily="2" charset="0"/>
+              </a:rPr>
+              <a:t>e </a:t>
+            </a:r>
+            <a:r>
+              <a:rPr lang="pt-BR" sz="2000" dirty="0" err="1" smtClean="0">
+                <a:solidFill>
+                  <a:srgbClr val="FF0000"/>
+                </a:solidFill>
+                <a:latin typeface="Bitter" panose="02000000000000000000" pitchFamily="2" charset="0"/>
+              </a:rPr>
+              <a:t>setter</a:t>
+            </a:r>
+            <a:r>
+              <a:rPr lang="pt-BR" sz="2000" dirty="0" smtClean="0">
+                <a:solidFill>
+                  <a:schemeClr val="tx1"/>
+                </a:solidFill>
+                <a:latin typeface="Bitter" panose="02000000000000000000" pitchFamily="2" charset="0"/>
+              </a:rPr>
+              <a:t>!!!</a:t>
+            </a:r>
+          </a:p>
+          <a:p>
+            <a:pPr lvl="2">
+              <a:buClr>
+                <a:schemeClr val="tx1">
+                  <a:lumMod val="50000"/>
+                  <a:lumOff val="50000"/>
+                </a:schemeClr>
+              </a:buClr>
+            </a:pPr>
+            <a:r>
+              <a:rPr lang="pt-BR" sz="2000" dirty="0" smtClean="0">
+                <a:solidFill>
+                  <a:schemeClr val="tx1"/>
+                </a:solidFill>
+                <a:latin typeface="Bitter" panose="02000000000000000000" pitchFamily="2" charset="0"/>
+              </a:rPr>
+              <a:t>São tão comuns que até as </a:t>
+            </a:r>
+            <a:r>
+              <a:rPr lang="pt-BR" sz="2000" dirty="0" err="1" smtClean="0">
+                <a:solidFill>
+                  <a:schemeClr val="tx1"/>
+                </a:solidFill>
+                <a:latin typeface="Bitter" panose="02000000000000000000" pitchFamily="2" charset="0"/>
+              </a:rPr>
+              <a:t>IDEs</a:t>
+            </a:r>
+            <a:r>
+              <a:rPr lang="pt-BR" sz="2000" dirty="0" smtClean="0">
+                <a:solidFill>
+                  <a:schemeClr val="tx1"/>
+                </a:solidFill>
+                <a:latin typeface="Bitter" panose="02000000000000000000" pitchFamily="2" charset="0"/>
+              </a:rPr>
+              <a:t> costumam gera-los automaticamente</a:t>
+            </a:r>
+          </a:p>
+          <a:p>
+            <a:pPr lvl="2">
+              <a:buClr>
+                <a:schemeClr val="tx1">
+                  <a:lumMod val="50000"/>
+                  <a:lumOff val="50000"/>
+                </a:schemeClr>
+              </a:buClr>
+            </a:pPr>
+            <a:r>
+              <a:rPr lang="pt-BR" sz="2000" dirty="0" smtClean="0">
+                <a:solidFill>
+                  <a:schemeClr val="tx1"/>
+                </a:solidFill>
+                <a:latin typeface="Bitter" panose="02000000000000000000" pitchFamily="2" charset="0"/>
+              </a:rPr>
+              <a:t>No </a:t>
+            </a:r>
+            <a:r>
+              <a:rPr lang="pt-BR" sz="2000" dirty="0" err="1" smtClean="0">
+                <a:solidFill>
+                  <a:schemeClr val="tx1"/>
+                </a:solidFill>
+                <a:latin typeface="Bitter" panose="02000000000000000000" pitchFamily="2" charset="0"/>
+              </a:rPr>
+              <a:t>netbeans</a:t>
+            </a:r>
+            <a:r>
+              <a:rPr lang="pt-BR" sz="2000" dirty="0" smtClean="0">
+                <a:solidFill>
+                  <a:schemeClr val="tx1"/>
+                </a:solidFill>
+                <a:latin typeface="Bitter" panose="02000000000000000000" pitchFamily="2" charset="0"/>
+              </a:rPr>
+              <a:t>:</a:t>
+            </a:r>
+          </a:p>
+        </p:txBody>
+      </p:sp>
+      <p:pic>
+        <p:nvPicPr>
+          <p:cNvPr id="5" name="Imagem 4"/>
+          <p:cNvPicPr>
+            <a:picLocks noChangeAspect="1"/>
+          </p:cNvPicPr>
+          <p:nvPr/>
+        </p:nvPicPr>
+        <p:blipFill>
+          <a:blip r:embed="rId3"/>
+          <a:stretch>
+            <a:fillRect/>
+          </a:stretch>
+        </p:blipFill>
+        <p:spPr>
+          <a:xfrm>
+            <a:off x="2987824" y="4581128"/>
+            <a:ext cx="2438400" cy="190500"/>
+          </a:xfrm>
+          <a:prstGeom prst="rect">
+            <a:avLst/>
+          </a:prstGeom>
+        </p:spPr>
+      </p:pic>
+    </p:spTree>
+    <p:extLst>
+      <p:ext uri="{BB962C8B-B14F-4D97-AF65-F5344CB8AC3E}">
+        <p14:creationId xmlns:p14="http://schemas.microsoft.com/office/powerpoint/2010/main" val="4063760168"/>
+      </p:ext>
+    </p:extLst>
+  </p:cSld>
+  <p:clrMapOvr>
+    <a:masterClrMapping/>
+  </p:clrMapOvr>
+  <mc:AlternateContent xmlns:mc="http://schemas.openxmlformats.org/markup-compatibility/2006" xmlns:p14="http://schemas.microsoft.com/office/powerpoint/2010/main">
+    <mc:Choice Requires="p14">
+      <p:transition p14:dur="0"/>
+    </mc:Choice>
+    <mc:Fallback xmlns="">
+      <p:transition/>
+    </mc:Fallback>
+  </mc:AlternateContent>
+  <p:timing>
+    <p:tnLst>
+      <p:par>
+        <p:cTn id="1" dur="indefinite" restart="never" nodeType="tmRoot"/>
+      </p:par>
+    </p:tnLst>
+  </p:timing>
+</p:sld>
+</file>
+
+<file path=ppt/slides/slide31.xml><?xml version="1.0" encoding="utf-8"?>
+<p:sld xmlns:a="http://schemas.openxmlformats.org/drawingml/2006/main" xmlns:r="http://schemas.openxmlformats.org/officeDocument/2006/relationships" xmlns:p="http://schemas.openxmlformats.org/presentationml/2006/main">
+  <p:cSld>
+    <p:spTree>
+      <p:nvGrpSpPr>
+        <p:cNvPr id="1" name=""/>
+        <p:cNvGrpSpPr/>
+        <p:nvPr/>
+      </p:nvGrpSpPr>
+      <p:grpSpPr>
+        <a:xfrm>
+          <a:off x="0" y="0"/>
+          <a:ext cx="0" cy="0"/>
+          <a:chOff x="0" y="0"/>
+          <a:chExt cx="0" cy="0"/>
+        </a:xfrm>
+      </p:grpSpPr>
+      <p:sp>
+        <p:nvSpPr>
+          <p:cNvPr id="2" name="Título 1"/>
+          <p:cNvSpPr>
+            <a:spLocks noGrp="1"/>
+          </p:cNvSpPr>
+          <p:nvPr>
+            <p:ph type="title"/>
+          </p:nvPr>
+        </p:nvSpPr>
+        <p:spPr/>
+        <p:txBody>
+          <a:bodyPr anchor="ctr"/>
+          <a:lstStyle/>
+          <a:p>
+            <a:pPr algn="l"/>
+            <a:r>
+              <a:rPr lang="pt-BR" dirty="0" smtClean="0">
+                <a:solidFill>
+                  <a:schemeClr val="tx1">
+                    <a:lumMod val="50000"/>
+                    <a:lumOff val="50000"/>
+                  </a:schemeClr>
+                </a:solidFill>
+                <a:latin typeface="Bitter" panose="02000000000000000000" pitchFamily="2" charset="0"/>
+              </a:rPr>
+              <a:t>Encapsulamento</a:t>
+            </a:r>
+            <a:endParaRPr lang="pt-BR" dirty="0">
+              <a:solidFill>
+                <a:schemeClr val="tx1">
+                  <a:lumMod val="50000"/>
+                  <a:lumOff val="50000"/>
+                </a:schemeClr>
+              </a:solidFill>
+              <a:latin typeface="Bitter" panose="02000000000000000000" pitchFamily="2" charset="0"/>
+            </a:endParaRPr>
+          </a:p>
+        </p:txBody>
+      </p:sp>
+      <p:sp>
+        <p:nvSpPr>
+          <p:cNvPr id="3" name="Espaço Reservado para Conteúdo 2"/>
+          <p:cNvSpPr>
+            <a:spLocks noGrp="1"/>
+          </p:cNvSpPr>
+          <p:nvPr>
+            <p:ph idx="1"/>
+          </p:nvPr>
+        </p:nvSpPr>
+        <p:spPr/>
+        <p:txBody>
+          <a:bodyPr>
+            <a:normAutofit/>
+          </a:bodyPr>
+          <a:lstStyle/>
+          <a:p>
+            <a:pPr>
+              <a:buClr>
+                <a:schemeClr val="tx1">
+                  <a:lumMod val="50000"/>
+                  <a:lumOff val="50000"/>
+                </a:schemeClr>
+              </a:buClr>
+            </a:pPr>
+            <a:r>
+              <a:rPr lang="pt-BR" sz="2800" dirty="0" err="1" smtClean="0">
+                <a:solidFill>
+                  <a:srgbClr val="FF0000"/>
+                </a:solidFill>
+                <a:latin typeface="Bitter" panose="02000000000000000000" pitchFamily="2" charset="0"/>
+              </a:rPr>
+              <a:t>Package</a:t>
+            </a:r>
+            <a:r>
+              <a:rPr lang="pt-BR" sz="2800" dirty="0" smtClean="0">
+                <a:solidFill>
+                  <a:srgbClr val="FF0000"/>
+                </a:solidFill>
+                <a:latin typeface="Bitter" panose="02000000000000000000" pitchFamily="2" charset="0"/>
+              </a:rPr>
+              <a:t> </a:t>
+            </a:r>
+            <a:r>
+              <a:rPr lang="pt-BR" sz="2800" dirty="0" smtClean="0">
+                <a:solidFill>
+                  <a:schemeClr val="tx1"/>
+                </a:solidFill>
+                <a:latin typeface="Bitter" panose="02000000000000000000" pitchFamily="2" charset="0"/>
+              </a:rPr>
+              <a:t>(padrão)</a:t>
+            </a:r>
+          </a:p>
+          <a:p>
+            <a:pPr lvl="1">
+              <a:buClr>
+                <a:schemeClr val="tx1">
+                  <a:lumMod val="50000"/>
+                  <a:lumOff val="50000"/>
+                </a:schemeClr>
+              </a:buClr>
+            </a:pPr>
+            <a:r>
+              <a:rPr lang="pt-BR" sz="2000" dirty="0" smtClean="0">
+                <a:solidFill>
+                  <a:schemeClr val="tx1"/>
+                </a:solidFill>
+                <a:latin typeface="Bitter" panose="02000000000000000000" pitchFamily="2" charset="0"/>
+              </a:rPr>
+              <a:t>Igual ao </a:t>
+            </a:r>
+            <a:r>
+              <a:rPr lang="pt-BR" sz="2000" dirty="0" err="1" smtClean="0">
+                <a:solidFill>
+                  <a:schemeClr val="tx1"/>
+                </a:solidFill>
+                <a:latin typeface="Bitter" panose="02000000000000000000" pitchFamily="2" charset="0"/>
+              </a:rPr>
+              <a:t>public</a:t>
+            </a:r>
+            <a:r>
+              <a:rPr lang="pt-BR" sz="2000" dirty="0" smtClean="0">
+                <a:solidFill>
+                  <a:schemeClr val="tx1"/>
+                </a:solidFill>
+                <a:latin typeface="Bitter" panose="02000000000000000000" pitchFamily="2" charset="0"/>
+              </a:rPr>
+              <a:t>, mas apenas dentro do mesmo pacote</a:t>
+            </a:r>
+          </a:p>
+          <a:p>
+            <a:pPr>
+              <a:buClr>
+                <a:schemeClr val="tx1">
+                  <a:lumMod val="50000"/>
+                  <a:lumOff val="50000"/>
+                </a:schemeClr>
+              </a:buClr>
+            </a:pPr>
+            <a:r>
+              <a:rPr lang="pt-BR" sz="2800" dirty="0" smtClean="0">
+                <a:solidFill>
+                  <a:srgbClr val="FF0000"/>
+                </a:solidFill>
+                <a:latin typeface="Bitter" panose="02000000000000000000" pitchFamily="2" charset="0"/>
+              </a:rPr>
+              <a:t>Private</a:t>
+            </a:r>
+          </a:p>
+          <a:p>
+            <a:pPr lvl="1">
+              <a:buClr>
+                <a:schemeClr val="tx1">
+                  <a:lumMod val="50000"/>
+                  <a:lumOff val="50000"/>
+                </a:schemeClr>
+              </a:buClr>
+            </a:pPr>
+            <a:r>
+              <a:rPr lang="pt-BR" sz="2000" dirty="0" smtClean="0">
+                <a:solidFill>
+                  <a:schemeClr val="tx1"/>
+                </a:solidFill>
+                <a:latin typeface="Bitter" panose="02000000000000000000" pitchFamily="2" charset="0"/>
+              </a:rPr>
+              <a:t>Mais restrito</a:t>
+            </a:r>
+          </a:p>
+          <a:p>
+            <a:pPr lvl="1">
+              <a:buClr>
+                <a:schemeClr val="tx1">
+                  <a:lumMod val="50000"/>
+                  <a:lumOff val="50000"/>
+                </a:schemeClr>
+              </a:buClr>
+            </a:pPr>
+            <a:r>
+              <a:rPr lang="pt-BR" sz="2000" dirty="0" smtClean="0">
+                <a:solidFill>
+                  <a:schemeClr val="tx1"/>
+                </a:solidFill>
+                <a:latin typeface="Bitter" panose="02000000000000000000" pitchFamily="2" charset="0"/>
+              </a:rPr>
+              <a:t>Acesso apenas na própria classe (leitura e escrita)</a:t>
+            </a:r>
+          </a:p>
+          <a:p>
+            <a:pPr lvl="1">
+              <a:buClr>
+                <a:schemeClr val="tx1">
+                  <a:lumMod val="50000"/>
+                  <a:lumOff val="50000"/>
+                </a:schemeClr>
+              </a:buClr>
+            </a:pPr>
+            <a:r>
+              <a:rPr lang="pt-BR" sz="2000" dirty="0" smtClean="0">
+                <a:solidFill>
+                  <a:schemeClr val="tx1"/>
+                </a:solidFill>
+                <a:latin typeface="Bitter" panose="02000000000000000000" pitchFamily="2" charset="0"/>
+              </a:rPr>
+              <a:t>Métodos </a:t>
+            </a:r>
+            <a:r>
+              <a:rPr lang="pt-BR" sz="2000" dirty="0" err="1" smtClean="0">
+                <a:solidFill>
+                  <a:srgbClr val="FF0000"/>
+                </a:solidFill>
+                <a:latin typeface="Bitter" panose="02000000000000000000" pitchFamily="2" charset="0"/>
+              </a:rPr>
+              <a:t>getter</a:t>
+            </a:r>
+            <a:r>
+              <a:rPr lang="pt-BR" sz="2000" dirty="0" smtClean="0">
+                <a:solidFill>
+                  <a:srgbClr val="FF0000"/>
+                </a:solidFill>
+                <a:latin typeface="Bitter" panose="02000000000000000000" pitchFamily="2" charset="0"/>
+              </a:rPr>
+              <a:t> </a:t>
+            </a:r>
+            <a:r>
+              <a:rPr lang="pt-BR" sz="2000" dirty="0" smtClean="0">
+                <a:solidFill>
+                  <a:schemeClr val="tx1"/>
+                </a:solidFill>
+                <a:latin typeface="Bitter" panose="02000000000000000000" pitchFamily="2" charset="0"/>
+              </a:rPr>
+              <a:t>e </a:t>
+            </a:r>
+            <a:r>
+              <a:rPr lang="pt-BR" sz="2000" dirty="0" err="1" smtClean="0">
+                <a:solidFill>
+                  <a:srgbClr val="FF0000"/>
+                </a:solidFill>
+                <a:latin typeface="Bitter" panose="02000000000000000000" pitchFamily="2" charset="0"/>
+              </a:rPr>
+              <a:t>setter</a:t>
+            </a:r>
+            <a:r>
+              <a:rPr lang="pt-BR" sz="2000" dirty="0" smtClean="0">
+                <a:solidFill>
+                  <a:schemeClr val="tx1"/>
+                </a:solidFill>
+                <a:latin typeface="Bitter" panose="02000000000000000000" pitchFamily="2" charset="0"/>
+              </a:rPr>
+              <a:t>!!!</a:t>
+            </a:r>
+          </a:p>
+          <a:p>
+            <a:pPr lvl="2">
+              <a:buClr>
+                <a:schemeClr val="tx1">
+                  <a:lumMod val="50000"/>
+                  <a:lumOff val="50000"/>
+                </a:schemeClr>
+              </a:buClr>
+            </a:pPr>
+            <a:r>
+              <a:rPr lang="pt-BR" sz="2000" dirty="0" smtClean="0">
+                <a:solidFill>
+                  <a:schemeClr val="tx1"/>
+                </a:solidFill>
+                <a:latin typeface="Bitter" panose="02000000000000000000" pitchFamily="2" charset="0"/>
+              </a:rPr>
+              <a:t>São tão comuns que até as </a:t>
+            </a:r>
+            <a:r>
+              <a:rPr lang="pt-BR" sz="2000" dirty="0" err="1" smtClean="0">
+                <a:solidFill>
+                  <a:schemeClr val="tx1"/>
+                </a:solidFill>
+                <a:latin typeface="Bitter" panose="02000000000000000000" pitchFamily="2" charset="0"/>
+              </a:rPr>
+              <a:t>IDEs</a:t>
+            </a:r>
+            <a:r>
+              <a:rPr lang="pt-BR" sz="2000" dirty="0" smtClean="0">
+                <a:solidFill>
+                  <a:schemeClr val="tx1"/>
+                </a:solidFill>
+                <a:latin typeface="Bitter" panose="02000000000000000000" pitchFamily="2" charset="0"/>
+              </a:rPr>
+              <a:t> costumam gera-los automaticamente</a:t>
+            </a:r>
+          </a:p>
+          <a:p>
+            <a:pPr lvl="2">
+              <a:buClr>
+                <a:schemeClr val="tx1">
+                  <a:lumMod val="50000"/>
+                  <a:lumOff val="50000"/>
+                </a:schemeClr>
+              </a:buClr>
+            </a:pPr>
+            <a:r>
+              <a:rPr lang="pt-BR" sz="2000" dirty="0" smtClean="0">
+                <a:solidFill>
+                  <a:schemeClr val="tx1"/>
+                </a:solidFill>
+                <a:latin typeface="Bitter" panose="02000000000000000000" pitchFamily="2" charset="0"/>
+              </a:rPr>
+              <a:t>No </a:t>
+            </a:r>
+            <a:r>
+              <a:rPr lang="pt-BR" sz="2000" dirty="0" err="1" smtClean="0">
+                <a:solidFill>
+                  <a:schemeClr val="tx1"/>
+                </a:solidFill>
+                <a:latin typeface="Bitter" panose="02000000000000000000" pitchFamily="2" charset="0"/>
+              </a:rPr>
+              <a:t>netbeans</a:t>
+            </a:r>
+            <a:r>
+              <a:rPr lang="pt-BR" sz="2000" dirty="0" smtClean="0">
+                <a:solidFill>
+                  <a:schemeClr val="tx1"/>
+                </a:solidFill>
+                <a:latin typeface="Bitter" panose="02000000000000000000" pitchFamily="2" charset="0"/>
+              </a:rPr>
+              <a:t>:</a:t>
+            </a:r>
+          </a:p>
+        </p:txBody>
+      </p:sp>
+      <p:pic>
+        <p:nvPicPr>
+          <p:cNvPr id="5" name="Imagem 4"/>
+          <p:cNvPicPr>
+            <a:picLocks noChangeAspect="1"/>
+          </p:cNvPicPr>
+          <p:nvPr/>
+        </p:nvPicPr>
+        <p:blipFill>
+          <a:blip r:embed="rId3"/>
+          <a:stretch>
+            <a:fillRect/>
+          </a:stretch>
+        </p:blipFill>
+        <p:spPr>
+          <a:xfrm>
+            <a:off x="2987824" y="4581128"/>
+            <a:ext cx="2438400" cy="190500"/>
+          </a:xfrm>
+          <a:prstGeom prst="rect">
+            <a:avLst/>
+          </a:prstGeom>
+        </p:spPr>
+      </p:pic>
+      <p:pic>
+        <p:nvPicPr>
+          <p:cNvPr id="4" name="Imagem 3"/>
+          <p:cNvPicPr>
+            <a:picLocks noChangeAspect="1"/>
+          </p:cNvPicPr>
+          <p:nvPr/>
+        </p:nvPicPr>
+        <p:blipFill>
+          <a:blip r:embed="rId4"/>
+          <a:stretch>
+            <a:fillRect/>
+          </a:stretch>
+        </p:blipFill>
+        <p:spPr>
+          <a:xfrm>
+            <a:off x="0" y="411850"/>
+            <a:ext cx="9144000" cy="6034300"/>
+          </a:xfrm>
+          <a:prstGeom prst="rect">
+            <a:avLst/>
+          </a:prstGeom>
+        </p:spPr>
+      </p:pic>
+    </p:spTree>
+    <p:extLst>
+      <p:ext uri="{BB962C8B-B14F-4D97-AF65-F5344CB8AC3E}">
+        <p14:creationId xmlns:p14="http://schemas.microsoft.com/office/powerpoint/2010/main" val="3019577956"/>
+      </p:ext>
+    </p:extLst>
+  </p:cSld>
+  <p:clrMapOvr>
+    <a:masterClrMapping/>
+  </p:clrMapOvr>
+  <mc:AlternateContent xmlns:mc="http://schemas.openxmlformats.org/markup-compatibility/2006" xmlns:p14="http://schemas.microsoft.com/office/powerpoint/2010/main">
+    <mc:Choice Requires="p14">
+      <p:transition p14:dur="0"/>
+    </mc:Choice>
+    <mc:Fallback xmlns="">
+      <p:transition/>
+    </mc:Fallback>
+  </mc:AlternateContent>
+  <p:timing>
+    <p:tnLst>
+      <p:par>
+        <p:cTn id="1" dur="indefinite" restart="never" nodeType="tmRoot"/>
+      </p:par>
+    </p:tnLst>
+  </p:timing>
+</p:sld>
+</file>
+
+<file path=ppt/slides/slide32.xml><?xml version="1.0" encoding="utf-8"?>
+<p:sld xmlns:a="http://schemas.openxmlformats.org/drawingml/2006/main" xmlns:r="http://schemas.openxmlformats.org/officeDocument/2006/relationships" xmlns:p="http://schemas.openxmlformats.org/presentationml/2006/main">
+  <p:cSld>
+    <p:spTree>
+      <p:nvGrpSpPr>
+        <p:cNvPr id="1" name=""/>
+        <p:cNvGrpSpPr/>
+        <p:nvPr/>
+      </p:nvGrpSpPr>
+      <p:grpSpPr>
+        <a:xfrm>
+          <a:off x="0" y="0"/>
+          <a:ext cx="0" cy="0"/>
+          <a:chOff x="0" y="0"/>
+          <a:chExt cx="0" cy="0"/>
+        </a:xfrm>
+      </p:grpSpPr>
+      <p:sp>
+        <p:nvSpPr>
+          <p:cNvPr id="2" name="Título 1"/>
+          <p:cNvSpPr>
+            <a:spLocks noGrp="1"/>
+          </p:cNvSpPr>
+          <p:nvPr>
+            <p:ph type="title"/>
+          </p:nvPr>
+        </p:nvSpPr>
+        <p:spPr/>
+        <p:txBody>
+          <a:bodyPr anchor="ctr"/>
+          <a:lstStyle/>
+          <a:p>
+            <a:pPr algn="l"/>
+            <a:r>
+              <a:rPr lang="pt-BR" dirty="0" smtClean="0">
+                <a:solidFill>
+                  <a:schemeClr val="tx1">
+                    <a:lumMod val="50000"/>
+                    <a:lumOff val="50000"/>
+                  </a:schemeClr>
+                </a:solidFill>
+                <a:latin typeface="Bitter" panose="02000000000000000000" pitchFamily="2" charset="0"/>
+              </a:rPr>
+              <a:t>Encapsulamento</a:t>
+            </a:r>
+            <a:endParaRPr lang="pt-BR" dirty="0">
+              <a:solidFill>
+                <a:schemeClr val="tx1">
+                  <a:lumMod val="50000"/>
+                  <a:lumOff val="50000"/>
+                </a:schemeClr>
+              </a:solidFill>
+              <a:latin typeface="Bitter" panose="02000000000000000000" pitchFamily="2" charset="0"/>
+            </a:endParaRPr>
+          </a:p>
+        </p:txBody>
+      </p:sp>
+      <p:sp>
+        <p:nvSpPr>
+          <p:cNvPr id="3" name="Espaço Reservado para Conteúdo 2"/>
+          <p:cNvSpPr>
+            <a:spLocks noGrp="1"/>
+          </p:cNvSpPr>
+          <p:nvPr>
+            <p:ph idx="1"/>
+          </p:nvPr>
+        </p:nvSpPr>
+        <p:spPr/>
+        <p:txBody>
+          <a:bodyPr>
+            <a:normAutofit/>
+          </a:bodyPr>
+          <a:lstStyle/>
+          <a:p>
+            <a:pPr>
+              <a:buClr>
+                <a:schemeClr val="tx1">
+                  <a:lumMod val="50000"/>
+                  <a:lumOff val="50000"/>
+                </a:schemeClr>
+              </a:buClr>
+            </a:pPr>
+            <a:r>
+              <a:rPr lang="pt-BR" sz="2800" dirty="0" smtClean="0">
+                <a:solidFill>
+                  <a:schemeClr val="tx1"/>
+                </a:solidFill>
+                <a:latin typeface="Bitter" panose="02000000000000000000" pitchFamily="2" charset="0"/>
+              </a:rPr>
+              <a:t>Resumo</a:t>
+            </a:r>
+          </a:p>
+        </p:txBody>
+      </p:sp>
+      <p:pic>
+        <p:nvPicPr>
+          <p:cNvPr id="7" name="Imagem 6"/>
+          <p:cNvPicPr>
+            <a:picLocks noChangeAspect="1"/>
+          </p:cNvPicPr>
+          <p:nvPr/>
+        </p:nvPicPr>
+        <p:blipFill>
+          <a:blip r:embed="rId3"/>
+          <a:stretch>
+            <a:fillRect/>
+          </a:stretch>
+        </p:blipFill>
+        <p:spPr>
+          <a:xfrm>
+            <a:off x="0" y="2307114"/>
+            <a:ext cx="9144000" cy="2850078"/>
+          </a:xfrm>
+          <a:prstGeom prst="rect">
+            <a:avLst/>
+          </a:prstGeom>
+        </p:spPr>
+      </p:pic>
+    </p:spTree>
+    <p:extLst>
+      <p:ext uri="{BB962C8B-B14F-4D97-AF65-F5344CB8AC3E}">
+        <p14:creationId xmlns:p14="http://schemas.microsoft.com/office/powerpoint/2010/main" val="4161977719"/>
+      </p:ext>
+    </p:extLst>
+  </p:cSld>
+  <p:clrMapOvr>
+    <a:masterClrMapping/>
+  </p:clrMapOvr>
+  <mc:AlternateContent xmlns:mc="http://schemas.openxmlformats.org/markup-compatibility/2006" xmlns:p14="http://schemas.microsoft.com/office/powerpoint/2010/main">
+    <mc:Choice Requires="p14">
+      <p:transition p14:dur="0"/>
+    </mc:Choice>
+    <mc:Fallback xmlns="">
+      <p:transition/>
+    </mc:Fallback>
+  </mc:AlternateContent>
+  <p:timing>
+    <p:tnLst>
+      <p:par>
+        <p:cTn id="1" dur="indefinite" restart="never" nodeType="tmRoot"/>
+      </p:par>
+    </p:tnLst>
+  </p:timing>
+</p:sld>
+</file>
+
+<file path=ppt/slides/slide33.xml><?xml version="1.0" encoding="utf-8"?>
+<p:sld xmlns:a="http://schemas.openxmlformats.org/drawingml/2006/main" xmlns:r="http://schemas.openxmlformats.org/officeDocument/2006/relationships" xmlns:p="http://schemas.openxmlformats.org/presentationml/2006/main">
+  <p:cSld>
+    <p:spTree>
+      <p:nvGrpSpPr>
+        <p:cNvPr id="1" name=""/>
+        <p:cNvGrpSpPr/>
+        <p:nvPr/>
+      </p:nvGrpSpPr>
+      <p:grpSpPr>
+        <a:xfrm>
+          <a:off x="0" y="0"/>
+          <a:ext cx="0" cy="0"/>
+          <a:chOff x="0" y="0"/>
+          <a:chExt cx="0" cy="0"/>
+        </a:xfrm>
+      </p:grpSpPr>
+      <p:sp>
+        <p:nvSpPr>
+          <p:cNvPr id="2" name="Título 1"/>
+          <p:cNvSpPr>
+            <a:spLocks noGrp="1"/>
+          </p:cNvSpPr>
+          <p:nvPr>
+            <p:ph type="title"/>
+          </p:nvPr>
+        </p:nvSpPr>
+        <p:spPr/>
+        <p:txBody>
+          <a:bodyPr anchor="ctr"/>
+          <a:lstStyle/>
+          <a:p>
+            <a:pPr algn="l"/>
+            <a:r>
+              <a:rPr lang="pt-BR" dirty="0" smtClean="0">
+                <a:solidFill>
+                  <a:schemeClr val="tx1">
+                    <a:lumMod val="50000"/>
+                    <a:lumOff val="50000"/>
+                  </a:schemeClr>
+                </a:solidFill>
+                <a:latin typeface="Bitter" panose="02000000000000000000" pitchFamily="2" charset="0"/>
+              </a:rPr>
+              <a:t>Herança</a:t>
+            </a:r>
+            <a:endParaRPr lang="pt-BR" dirty="0">
+              <a:solidFill>
+                <a:schemeClr val="tx1">
+                  <a:lumMod val="50000"/>
+                  <a:lumOff val="50000"/>
+                </a:schemeClr>
+              </a:solidFill>
+              <a:latin typeface="Bitter" panose="02000000000000000000" pitchFamily="2" charset="0"/>
+            </a:endParaRPr>
+          </a:p>
+        </p:txBody>
+      </p:sp>
+      <p:sp>
+        <p:nvSpPr>
+          <p:cNvPr id="3" name="Espaço Reservado para Conteúdo 2"/>
+          <p:cNvSpPr>
+            <a:spLocks noGrp="1"/>
+          </p:cNvSpPr>
+          <p:nvPr>
+            <p:ph idx="1"/>
+          </p:nvPr>
+        </p:nvSpPr>
+        <p:spPr/>
+        <p:txBody>
+          <a:bodyPr>
+            <a:normAutofit/>
+          </a:bodyPr>
+          <a:lstStyle/>
+          <a:p>
+            <a:pPr>
+              <a:buClr>
+                <a:schemeClr val="tx1">
+                  <a:lumMod val="50000"/>
+                  <a:lumOff val="50000"/>
+                </a:schemeClr>
+              </a:buClr>
+            </a:pPr>
+            <a:r>
+              <a:rPr lang="pt-BR" sz="2800" dirty="0" smtClean="0">
+                <a:solidFill>
+                  <a:schemeClr val="tx1">
+                    <a:lumMod val="95000"/>
+                    <a:lumOff val="5000"/>
+                  </a:schemeClr>
+                </a:solidFill>
+                <a:latin typeface="Bitter" panose="02000000000000000000" pitchFamily="2" charset="0"/>
+              </a:rPr>
+              <a:t>Quando uma classe é um tipo de elemento que pode herdar características e comportamentos de um elemento mais abstrato</a:t>
+            </a:r>
+          </a:p>
+          <a:p>
+            <a:pPr lvl="1">
+              <a:buClr>
+                <a:schemeClr val="tx1">
+                  <a:lumMod val="50000"/>
+                  <a:lumOff val="50000"/>
+                </a:schemeClr>
+              </a:buClr>
+            </a:pPr>
+            <a:r>
+              <a:rPr lang="pt-BR" sz="2000" dirty="0" smtClean="0">
+                <a:solidFill>
+                  <a:schemeClr val="tx1">
+                    <a:lumMod val="95000"/>
+                    <a:lumOff val="5000"/>
+                  </a:schemeClr>
+                </a:solidFill>
+                <a:latin typeface="Bitter" panose="02000000000000000000" pitchFamily="2" charset="0"/>
+              </a:rPr>
+              <a:t>Exemplo: Professor herda da classe Funcionário que herda da classe Pessoa</a:t>
+            </a:r>
+          </a:p>
+          <a:p>
+            <a:pPr lvl="1">
+              <a:buClr>
+                <a:schemeClr val="tx1">
+                  <a:lumMod val="50000"/>
+                  <a:lumOff val="50000"/>
+                </a:schemeClr>
+              </a:buClr>
+            </a:pPr>
+            <a:r>
+              <a:rPr lang="pt-BR" sz="2000" dirty="0" smtClean="0">
+                <a:solidFill>
+                  <a:schemeClr val="tx1">
+                    <a:lumMod val="95000"/>
+                    <a:lumOff val="5000"/>
+                  </a:schemeClr>
+                </a:solidFill>
+                <a:latin typeface="Bitter" panose="02000000000000000000" pitchFamily="2" charset="0"/>
+              </a:rPr>
+              <a:t>Exemplo2: Cachorro herda da classe Mamífero</a:t>
+            </a:r>
+          </a:p>
+          <a:p>
+            <a:pPr>
+              <a:buClr>
+                <a:schemeClr val="tx1">
+                  <a:lumMod val="50000"/>
+                  <a:lumOff val="50000"/>
+                </a:schemeClr>
+              </a:buClr>
+            </a:pPr>
+            <a:r>
+              <a:rPr lang="pt-BR" sz="2800" dirty="0" smtClean="0">
+                <a:solidFill>
+                  <a:schemeClr val="tx1">
+                    <a:lumMod val="95000"/>
+                    <a:lumOff val="5000"/>
+                  </a:schemeClr>
+                </a:solidFill>
+                <a:latin typeface="Bitter" panose="02000000000000000000" pitchFamily="2" charset="0"/>
+              </a:rPr>
+              <a:t>Vantagens:</a:t>
+            </a:r>
+          </a:p>
+          <a:p>
+            <a:pPr lvl="1">
+              <a:buClr>
+                <a:schemeClr val="tx1">
+                  <a:lumMod val="50000"/>
+                  <a:lumOff val="50000"/>
+                </a:schemeClr>
+              </a:buClr>
+            </a:pPr>
+            <a:r>
+              <a:rPr lang="pt-BR" sz="2000" dirty="0" smtClean="0">
+                <a:solidFill>
+                  <a:schemeClr val="tx1">
+                    <a:lumMod val="95000"/>
+                    <a:lumOff val="5000"/>
+                  </a:schemeClr>
+                </a:solidFill>
+                <a:latin typeface="Bitter" panose="02000000000000000000" pitchFamily="2" charset="0"/>
+              </a:rPr>
+              <a:t>Organização e reuso</a:t>
+            </a:r>
+          </a:p>
+          <a:p>
+            <a:pPr lvl="1">
+              <a:buClr>
+                <a:schemeClr val="tx1">
+                  <a:lumMod val="50000"/>
+                  <a:lumOff val="50000"/>
+                </a:schemeClr>
+              </a:buClr>
+            </a:pPr>
+            <a:r>
+              <a:rPr lang="pt-BR" sz="2000" dirty="0" smtClean="0">
+                <a:solidFill>
+                  <a:schemeClr val="tx1">
+                    <a:lumMod val="95000"/>
+                    <a:lumOff val="5000"/>
+                  </a:schemeClr>
+                </a:solidFill>
+                <a:latin typeface="Bitter" panose="02000000000000000000" pitchFamily="2" charset="0"/>
+              </a:rPr>
+              <a:t>Alterar comportamentos da classe pai</a:t>
+            </a:r>
+          </a:p>
+          <a:p>
+            <a:pPr>
+              <a:buClr>
+                <a:schemeClr val="tx1">
+                  <a:lumMod val="50000"/>
+                  <a:lumOff val="50000"/>
+                </a:schemeClr>
+              </a:buClr>
+            </a:pPr>
+            <a:r>
+              <a:rPr lang="pt-BR" sz="2800" dirty="0" smtClean="0">
+                <a:solidFill>
+                  <a:srgbClr val="FF0000"/>
+                </a:solidFill>
+                <a:latin typeface="Bitter" panose="02000000000000000000" pitchFamily="2" charset="0"/>
+              </a:rPr>
+              <a:t>Não existe múltipla herança!!</a:t>
+            </a:r>
+            <a:endParaRPr lang="pt-BR" sz="2800" dirty="0">
+              <a:solidFill>
+                <a:srgbClr val="FF0000"/>
+              </a:solidFill>
+              <a:latin typeface="Bitter" panose="02000000000000000000" pitchFamily="2" charset="0"/>
+            </a:endParaRPr>
+          </a:p>
+        </p:txBody>
+      </p:sp>
+    </p:spTree>
+    <p:extLst>
+      <p:ext uri="{BB962C8B-B14F-4D97-AF65-F5344CB8AC3E}">
+        <p14:creationId xmlns:p14="http://schemas.microsoft.com/office/powerpoint/2010/main" val="1212697614"/>
+      </p:ext>
+    </p:extLst>
+  </p:cSld>
+  <p:clrMapOvr>
+    <a:masterClrMapping/>
+  </p:clrMapOvr>
+  <mc:AlternateContent xmlns:mc="http://schemas.openxmlformats.org/markup-compatibility/2006" xmlns:p14="http://schemas.microsoft.com/office/powerpoint/2010/main">
+    <mc:Choice Requires="p14">
+      <p:transition p14:dur="0"/>
+    </mc:Choice>
+    <mc:Fallback xmlns="">
+      <p:transition/>
+    </mc:Fallback>
+  </mc:AlternateContent>
+  <p:timing>
+    <p:tnLst>
+      <p:par>
+        <p:cTn id="1" dur="indefinite" restart="never" nodeType="tmRoot"/>
+      </p:par>
+    </p:tnLst>
+  </p:timing>
+</p:sld>
+</file>
+
+<file path=ppt/slides/slide34.xml><?xml version="1.0" encoding="utf-8"?>
+<p:sld xmlns:a="http://schemas.openxmlformats.org/drawingml/2006/main" xmlns:r="http://schemas.openxmlformats.org/officeDocument/2006/relationships" xmlns:p="http://schemas.openxmlformats.org/presentationml/2006/main">
+  <p:cSld>
+    <p:spTree>
+      <p:nvGrpSpPr>
+        <p:cNvPr id="1" name=""/>
+        <p:cNvGrpSpPr/>
+        <p:nvPr/>
+      </p:nvGrpSpPr>
+      <p:grpSpPr>
+        <a:xfrm>
+          <a:off x="0" y="0"/>
+          <a:ext cx="0" cy="0"/>
+          <a:chOff x="0" y="0"/>
+          <a:chExt cx="0" cy="0"/>
+        </a:xfrm>
+      </p:grpSpPr>
+      <p:sp>
+        <p:nvSpPr>
+          <p:cNvPr id="2" name="Título 1"/>
+          <p:cNvSpPr>
+            <a:spLocks noGrp="1"/>
+          </p:cNvSpPr>
+          <p:nvPr>
+            <p:ph type="title"/>
+          </p:nvPr>
+        </p:nvSpPr>
+        <p:spPr/>
+        <p:txBody>
+          <a:bodyPr anchor="ctr"/>
+          <a:lstStyle/>
+          <a:p>
+            <a:pPr algn="l"/>
+            <a:r>
+              <a:rPr lang="pt-BR" dirty="0" smtClean="0">
+                <a:solidFill>
+                  <a:schemeClr val="tx1">
+                    <a:lumMod val="50000"/>
+                    <a:lumOff val="50000"/>
+                  </a:schemeClr>
+                </a:solidFill>
+                <a:latin typeface="Bitter" panose="02000000000000000000" pitchFamily="2" charset="0"/>
+              </a:rPr>
+              <a:t>Herança</a:t>
+            </a:r>
+            <a:endParaRPr lang="pt-BR" dirty="0">
+              <a:solidFill>
+                <a:schemeClr val="tx1">
+                  <a:lumMod val="50000"/>
+                  <a:lumOff val="50000"/>
+                </a:schemeClr>
+              </a:solidFill>
+              <a:latin typeface="Bitter" panose="02000000000000000000" pitchFamily="2" charset="0"/>
+            </a:endParaRPr>
+          </a:p>
+        </p:txBody>
+      </p:sp>
+      <p:pic>
+        <p:nvPicPr>
+          <p:cNvPr id="11266" name="Picture 2"/>
+          <p:cNvPicPr>
+            <a:picLocks noGrp="1" noChangeAspect="1" noChangeArrowheads="1"/>
+          </p:cNvPicPr>
+          <p:nvPr>
+            <p:ph idx="1"/>
+          </p:nvPr>
+        </p:nvPicPr>
+        <p:blipFill>
+          <a:blip r:embed="rId2">
+            <a:extLst>
+              <a:ext uri="{28A0092B-C50C-407E-A947-70E740481C1C}">
+                <a14:useLocalDpi xmlns:a14="http://schemas.microsoft.com/office/drawing/2010/main" val="0"/>
+              </a:ext>
+            </a:extLst>
+          </a:blip>
+          <a:srcRect/>
+          <a:stretch>
+            <a:fillRect/>
+          </a:stretch>
+        </p:blipFill>
+        <p:spPr bwMode="auto">
+          <a:xfrm>
+            <a:off x="2952750" y="1901031"/>
+            <a:ext cx="3238500" cy="3924300"/>
+          </a:xfrm>
+          <a:prstGeom prst="rect">
+            <a:avLst/>
+          </a:prstGeom>
+          <a:noFill/>
+          <a:ln>
+            <a:noFill/>
+          </a:ln>
+          <a:extLst>
+            <a:ext uri="{909E8E84-426E-40DD-AFC4-6F175D3DCCD1}">
+              <a14:hiddenFill xmlns:a14="http://schemas.microsoft.com/office/drawing/2010/main">
+                <a:solidFill>
+                  <a:schemeClr val="accent1"/>
+                </a:solidFill>
+              </a14:hiddenFill>
+            </a:ext>
+            <a:ext uri="{91240B29-F687-4F45-9708-019B960494DF}">
+              <a14:hiddenLine xmlns:a14="http://schemas.microsoft.com/office/drawing/2010/main" w="9525">
+                <a:solidFill>
+                  <a:schemeClr val="tx1"/>
+                </a:solidFill>
+                <a:miter lim="800000"/>
+                <a:headEnd/>
+                <a:tailEnd/>
+              </a14:hiddenLine>
+            </a:ext>
+          </a:extLst>
+        </p:spPr>
+      </p:pic>
+    </p:spTree>
+    <p:extLst>
+      <p:ext uri="{BB962C8B-B14F-4D97-AF65-F5344CB8AC3E}">
+        <p14:creationId xmlns:p14="http://schemas.microsoft.com/office/powerpoint/2010/main" val="508365782"/>
+      </p:ext>
+    </p:extLst>
+  </p:cSld>
+  <p:clrMapOvr>
+    <a:masterClrMapping/>
+  </p:clrMapOvr>
+  <mc:AlternateContent xmlns:mc="http://schemas.openxmlformats.org/markup-compatibility/2006" xmlns:p14="http://schemas.microsoft.com/office/powerpoint/2010/main">
+    <mc:Choice Requires="p14">
+      <p:transition p14:dur="0"/>
+    </mc:Choice>
+    <mc:Fallback xmlns="">
+      <p:transition/>
+    </mc:Fallback>
+  </mc:AlternateContent>
+  <p:timing>
+    <p:tnLst>
+      <p:par>
+        <p:cTn id="1" dur="indefinite" restart="never" nodeType="tmRoot"/>
+      </p:par>
+    </p:tnLst>
+  </p:timing>
+</p:sld>
+</file>
+
+<file path=ppt/slides/slide35.xml><?xml version="1.0" encoding="utf-8"?>
+<p:sld xmlns:a="http://schemas.openxmlformats.org/drawingml/2006/main" xmlns:r="http://schemas.openxmlformats.org/officeDocument/2006/relationships" xmlns:p="http://schemas.openxmlformats.org/presentationml/2006/main">
+  <p:cSld>
+    <p:spTree>
+      <p:nvGrpSpPr>
+        <p:cNvPr id="1" name=""/>
+        <p:cNvGrpSpPr/>
+        <p:nvPr/>
+      </p:nvGrpSpPr>
+      <p:grpSpPr>
+        <a:xfrm>
+          <a:off x="0" y="0"/>
+          <a:ext cx="0" cy="0"/>
+          <a:chOff x="0" y="0"/>
+          <a:chExt cx="0" cy="0"/>
+        </a:xfrm>
+      </p:grpSpPr>
+      <p:sp>
+        <p:nvSpPr>
+          <p:cNvPr id="2" name="Título 1"/>
+          <p:cNvSpPr>
+            <a:spLocks noGrp="1"/>
+          </p:cNvSpPr>
+          <p:nvPr>
+            <p:ph type="title"/>
+          </p:nvPr>
+        </p:nvSpPr>
+        <p:spPr/>
+        <p:txBody>
+          <a:bodyPr anchor="ctr"/>
+          <a:lstStyle/>
+          <a:p>
+            <a:pPr algn="l"/>
+            <a:r>
+              <a:rPr lang="pt-BR" dirty="0" smtClean="0">
+                <a:solidFill>
+                  <a:schemeClr val="tx1">
+                    <a:lumMod val="50000"/>
+                    <a:lumOff val="50000"/>
+                  </a:schemeClr>
+                </a:solidFill>
+                <a:latin typeface="Bitter" panose="02000000000000000000" pitchFamily="2" charset="0"/>
+              </a:rPr>
               <a:t>Herança</a:t>
             </a:r>
             <a:endParaRPr lang="pt-BR" dirty="0">
@@ -8345,7 +13638,7 @@
 </p:sld>
 </file>
 
-<file path=ppt/slides/slide22.xml><?xml version="1.0" encoding="utf-8"?>
+<file path=ppt/slides/slide36.xml><?xml version="1.0" encoding="utf-8"?>
 <p:sld xmlns:a="http://schemas.openxmlformats.org/drawingml/2006/main" xmlns:r="http://schemas.openxmlformats.org/officeDocument/2006/relationships" xmlns:p="http://schemas.openxmlformats.org/presentationml/2006/main">
   <p:cSld>
     <p:spTree>
@@ -8540,7 +13833,7 @@
 </p:sld>
 </file>
 
-<file path=ppt/slides/slide23.xml><?xml version="1.0" encoding="utf-8"?>
+<file path=ppt/slides/slide37.xml><?xml version="1.0" encoding="utf-8"?>
 <p:sld xmlns:a="http://schemas.openxmlformats.org/drawingml/2006/main" xmlns:r="http://schemas.openxmlformats.org/officeDocument/2006/relationships" xmlns:p="http://schemas.openxmlformats.org/presentationml/2006/main">
   <p:cSld>
     <p:spTree>
@@ -8735,7 +14028,7 @@
 </p:sld>
 </file>
 
-<file path=ppt/slides/slide24.xml><?xml version="1.0" encoding="utf-8"?>
+<file path=ppt/slides/slide38.xml><?xml version="1.0" encoding="utf-8"?>
 <p:sld xmlns:a="http://schemas.openxmlformats.org/drawingml/2006/main" xmlns:r="http://schemas.openxmlformats.org/officeDocument/2006/relationships" xmlns:p="http://schemas.openxmlformats.org/presentationml/2006/main">
   <p:cSld>
     <p:spTree>
@@ -8778,19 +14071,7 @@
                 </a:solidFill>
                 <a:latin typeface="Bitter" panose="02000000000000000000" pitchFamily="2" charset="0"/>
               </a:rPr>
-              <a:t>Coesã</a:t>
-            </a:r>
-            <a:r>
-              <a:rPr lang="pt-BR" dirty="0" smtClean="0">
-                <a:solidFill>
-                  <a:schemeClr val="tx1">
-                    <a:lumMod val="50000"/>
-                    <a:lumOff val="50000"/>
-                  </a:schemeClr>
-                </a:solidFill>
-                <a:latin typeface="Bitter" panose="02000000000000000000" pitchFamily="2" charset="0"/>
-              </a:rPr>
-              <a:t>o e Acoplamento</a:t>
+              <a:t>Coesão e Acoplamento</a:t>
             </a:r>
             <a:endParaRPr lang="pt-BR" dirty="0">
               <a:solidFill>
@@ -8885,20 +14166,10 @@
                 </a:solidFill>
                 <a:latin typeface="Bitter" panose="02000000000000000000" pitchFamily="2" charset="0"/>
               </a:rPr>
-              <a:t>Uma característica importante de uma classe é que ela tenha uma única responsabilidade (Coesão)</a:t>
-            </a:r>
-          </a:p>
-          <a:p>
-            <a:pPr lvl="1">
-              <a:buClr>
-                <a:schemeClr val="tx1">
-                  <a:lumMod val="50000"/>
-                  <a:lumOff val="50000"/>
-                </a:schemeClr>
-              </a:buClr>
-            </a:pPr>
-            <a:r>
-              <a:rPr lang="pt-BR" sz="2000" dirty="0">
+              <a:t>Uma característica importante de uma classe é que ela tenha uma única responsabilidade (</a:t>
+            </a:r>
+            <a:r>
+              <a:rPr lang="pt-BR" sz="2000" dirty="0" smtClean="0">
                 <a:solidFill>
                   <a:schemeClr val="tx1">
                     <a:lumMod val="95000"/>
@@ -8907,168 +14178,8 @@
                 </a:solidFill>
                 <a:latin typeface="Bitter" panose="02000000000000000000" pitchFamily="2" charset="0"/>
               </a:rPr>
-              <a:t>Além disso, uma classe deve, na medida do possível, depender </a:t>
-            </a:r>
-            <a:r>
-              <a:rPr lang="pt-BR" sz="2000" dirty="0" smtClean="0">
-                <a:solidFill>
-                  <a:schemeClr val="tx1">
-                    <a:lumMod val="95000"/>
-                    <a:lumOff val="5000"/>
-                  </a:schemeClr>
-                </a:solidFill>
-                <a:latin typeface="Bitter" panose="02000000000000000000" pitchFamily="2" charset="0"/>
-              </a:rPr>
-              <a:t>o mínimo </a:t>
-            </a:r>
-            <a:r>
-              <a:rPr lang="pt-BR" sz="2000" dirty="0">
-                <a:solidFill>
-                  <a:schemeClr val="tx1">
-                    <a:lumMod val="95000"/>
-                    <a:lumOff val="5000"/>
-                  </a:schemeClr>
-                </a:solidFill>
-                <a:latin typeface="Bitter" panose="02000000000000000000" pitchFamily="2" charset="0"/>
-              </a:rPr>
-              <a:t>de outras </a:t>
-            </a:r>
-            <a:r>
-              <a:rPr lang="pt-BR" sz="2000" dirty="0" smtClean="0">
-                <a:solidFill>
-                  <a:schemeClr val="tx1">
-                    <a:lumMod val="95000"/>
-                    <a:lumOff val="5000"/>
-                  </a:schemeClr>
-                </a:solidFill>
-                <a:latin typeface="Bitter" panose="02000000000000000000" pitchFamily="2" charset="0"/>
-              </a:rPr>
-              <a:t>classes (</a:t>
-            </a:r>
-            <a:r>
-              <a:rPr lang="pt-BR" sz="2000" dirty="0" err="1" smtClean="0">
-                <a:solidFill>
-                  <a:schemeClr val="tx1">
-                    <a:lumMod val="95000"/>
-                    <a:lumOff val="5000"/>
-                  </a:schemeClr>
-                </a:solidFill>
-                <a:latin typeface="Bitter" panose="02000000000000000000" pitchFamily="2" charset="0"/>
-              </a:rPr>
-              <a:t>Acomplamento</a:t>
-            </a:r>
-            <a:r>
-              <a:rPr lang="pt-BR" sz="2000" dirty="0" smtClean="0">
-                <a:solidFill>
-                  <a:schemeClr val="tx1">
-                    <a:lumMod val="95000"/>
-                    <a:lumOff val="5000"/>
-                  </a:schemeClr>
-                </a:solidFill>
-                <a:latin typeface="Bitter" panose="02000000000000000000" pitchFamily="2" charset="0"/>
-              </a:rPr>
-              <a:t>)</a:t>
-            </a:r>
-          </a:p>
-          <a:p>
-            <a:pPr>
-              <a:buClr>
-                <a:schemeClr val="tx1">
-                  <a:lumMod val="50000"/>
-                  <a:lumOff val="50000"/>
-                </a:schemeClr>
-              </a:buClr>
-            </a:pPr>
-            <a:r>
-              <a:rPr lang="pt-BR" sz="2800" dirty="0" smtClean="0">
-                <a:solidFill>
-                  <a:schemeClr val="tx1">
-                    <a:lumMod val="95000"/>
-                    <a:lumOff val="5000"/>
-                  </a:schemeClr>
-                </a:solidFill>
-                <a:latin typeface="Bitter" panose="02000000000000000000" pitchFamily="2" charset="0"/>
-              </a:rPr>
-              <a:t>Exemplo: </a:t>
-            </a:r>
-          </a:p>
-          <a:p>
-            <a:pPr lvl="1">
-              <a:buClr>
-                <a:schemeClr val="tx1">
-                  <a:lumMod val="50000"/>
-                  <a:lumOff val="50000"/>
-                </a:schemeClr>
-              </a:buClr>
-            </a:pPr>
-            <a:r>
-              <a:rPr lang="pt-BR" sz="2000" dirty="0" smtClean="0">
-                <a:solidFill>
-                  <a:schemeClr val="tx1">
-                    <a:lumMod val="95000"/>
-                    <a:lumOff val="5000"/>
-                  </a:schemeClr>
-                </a:solidFill>
-                <a:latin typeface="Bitter" panose="02000000000000000000" pitchFamily="2" charset="0"/>
-              </a:rPr>
-              <a:t>Programa que realiza múltiplas tarefas de outras classes (pouca coesão)</a:t>
-            </a:r>
-          </a:p>
-          <a:p>
-            <a:pPr lvl="1">
-              <a:buClr>
-                <a:schemeClr val="tx1">
-                  <a:lumMod val="50000"/>
-                  <a:lumOff val="50000"/>
-                </a:schemeClr>
-              </a:buClr>
-            </a:pPr>
-            <a:r>
-              <a:rPr lang="pt-BR" sz="2000" dirty="0" smtClean="0">
-                <a:solidFill>
-                  <a:schemeClr val="tx1">
-                    <a:lumMod val="95000"/>
-                    <a:lumOff val="5000"/>
-                  </a:schemeClr>
-                </a:solidFill>
-                <a:latin typeface="Bitter" panose="02000000000000000000" pitchFamily="2" charset="0"/>
-              </a:rPr>
-              <a:t>Programa com dependências encadeadas (forte </a:t>
-            </a:r>
-            <a:r>
-              <a:rPr lang="pt-BR" sz="2000" dirty="0" err="1" smtClean="0">
-                <a:solidFill>
-                  <a:schemeClr val="tx1">
-                    <a:lumMod val="95000"/>
-                    <a:lumOff val="5000"/>
-                  </a:schemeClr>
-                </a:solidFill>
-                <a:latin typeface="Bitter" panose="02000000000000000000" pitchFamily="2" charset="0"/>
-              </a:rPr>
-              <a:t>acomplamento</a:t>
-            </a:r>
-            <a:r>
-              <a:rPr lang="pt-BR" sz="2000" dirty="0" smtClean="0">
-                <a:solidFill>
-                  <a:schemeClr val="tx1">
-                    <a:lumMod val="95000"/>
-                    <a:lumOff val="5000"/>
-                  </a:schemeClr>
-                </a:solidFill>
-                <a:latin typeface="Bitter" panose="02000000000000000000" pitchFamily="2" charset="0"/>
-              </a:rPr>
-              <a:t>)</a:t>
-            </a:r>
-          </a:p>
-          <a:p>
-            <a:pPr lvl="1">
-              <a:buClr>
-                <a:schemeClr val="tx1">
-                  <a:lumMod val="50000"/>
-                  <a:lumOff val="50000"/>
-                </a:schemeClr>
-              </a:buClr>
-            </a:pPr>
+              <a:t>Coesão – forte)</a:t>
+            </a:r>
             <a:endParaRPr lang="pt-BR" sz="2000" dirty="0" smtClean="0">
               <a:solidFill>
                 <a:schemeClr val="tx1">
@@ -9078,6 +14189,209 @@
               </a:solidFill>
               <a:latin typeface="Bitter" panose="02000000000000000000" pitchFamily="2" charset="0"/>
             </a:endParaRPr>
+          </a:p>
+          <a:p>
+            <a:pPr lvl="1">
+              <a:buClr>
+                <a:schemeClr val="tx1">
+                  <a:lumMod val="50000"/>
+                  <a:lumOff val="50000"/>
+                </a:schemeClr>
+              </a:buClr>
+            </a:pPr>
+            <a:r>
+              <a:rPr lang="pt-BR" sz="2000" dirty="0">
+                <a:solidFill>
+                  <a:schemeClr val="tx1">
+                    <a:lumMod val="95000"/>
+                    <a:lumOff val="5000"/>
+                  </a:schemeClr>
+                </a:solidFill>
+                <a:latin typeface="Bitter" panose="02000000000000000000" pitchFamily="2" charset="0"/>
+              </a:rPr>
+              <a:t>Além disso, uma classe deve, na medida do possível, depender </a:t>
+            </a:r>
+            <a:r>
+              <a:rPr lang="pt-BR" sz="2000" dirty="0" smtClean="0">
+                <a:solidFill>
+                  <a:schemeClr val="tx1">
+                    <a:lumMod val="95000"/>
+                    <a:lumOff val="5000"/>
+                  </a:schemeClr>
+                </a:solidFill>
+                <a:latin typeface="Bitter" panose="02000000000000000000" pitchFamily="2" charset="0"/>
+              </a:rPr>
+              <a:t>o mínimo </a:t>
+            </a:r>
+            <a:r>
+              <a:rPr lang="pt-BR" sz="2000" dirty="0">
+                <a:solidFill>
+                  <a:schemeClr val="tx1">
+                    <a:lumMod val="95000"/>
+                    <a:lumOff val="5000"/>
+                  </a:schemeClr>
+                </a:solidFill>
+                <a:latin typeface="Bitter" panose="02000000000000000000" pitchFamily="2" charset="0"/>
+              </a:rPr>
+              <a:t>de outras </a:t>
+            </a:r>
+            <a:r>
+              <a:rPr lang="pt-BR" sz="2000" dirty="0" smtClean="0">
+                <a:solidFill>
+                  <a:schemeClr val="tx1">
+                    <a:lumMod val="95000"/>
+                    <a:lumOff val="5000"/>
+                  </a:schemeClr>
+                </a:solidFill>
+                <a:latin typeface="Bitter" panose="02000000000000000000" pitchFamily="2" charset="0"/>
+              </a:rPr>
+              <a:t>classes (</a:t>
+            </a:r>
+            <a:r>
+              <a:rPr lang="pt-BR" sz="2000" dirty="0" err="1" smtClean="0">
+                <a:solidFill>
+                  <a:schemeClr val="tx1">
+                    <a:lumMod val="95000"/>
+                    <a:lumOff val="5000"/>
+                  </a:schemeClr>
+                </a:solidFill>
+                <a:latin typeface="Bitter" panose="02000000000000000000" pitchFamily="2" charset="0"/>
+              </a:rPr>
+              <a:t>Acomplamento</a:t>
+            </a:r>
+            <a:r>
+              <a:rPr lang="pt-BR" sz="2000" dirty="0" smtClean="0">
+                <a:solidFill>
+                  <a:schemeClr val="tx1">
+                    <a:lumMod val="95000"/>
+                    <a:lumOff val="5000"/>
+                  </a:schemeClr>
+                </a:solidFill>
+                <a:latin typeface="Bitter" panose="02000000000000000000" pitchFamily="2" charset="0"/>
+              </a:rPr>
+              <a:t> – fraco)</a:t>
+            </a:r>
+            <a:endParaRPr lang="pt-BR" sz="2000" dirty="0" smtClean="0">
+              <a:solidFill>
+                <a:schemeClr val="tx1">
+                  <a:lumMod val="95000"/>
+                  <a:lumOff val="5000"/>
+                </a:schemeClr>
+              </a:solidFill>
+              <a:latin typeface="Bitter" panose="02000000000000000000" pitchFamily="2" charset="0"/>
+            </a:endParaRPr>
+          </a:p>
+          <a:p>
+            <a:pPr>
+              <a:buClr>
+                <a:schemeClr val="tx1">
+                  <a:lumMod val="50000"/>
+                  <a:lumOff val="50000"/>
+                </a:schemeClr>
+              </a:buClr>
+            </a:pPr>
+            <a:r>
+              <a:rPr lang="pt-BR" sz="2800" dirty="0" smtClean="0">
+                <a:solidFill>
+                  <a:schemeClr val="tx1">
+                    <a:lumMod val="95000"/>
+                    <a:lumOff val="5000"/>
+                  </a:schemeClr>
+                </a:solidFill>
+                <a:latin typeface="Bitter" panose="02000000000000000000" pitchFamily="2" charset="0"/>
+              </a:rPr>
+              <a:t>Exemplo: </a:t>
+            </a:r>
+          </a:p>
+          <a:p>
+            <a:pPr lvl="1">
+              <a:buClr>
+                <a:schemeClr val="tx1">
+                  <a:lumMod val="50000"/>
+                  <a:lumOff val="50000"/>
+                </a:schemeClr>
+              </a:buClr>
+            </a:pPr>
+            <a:r>
+              <a:rPr lang="pt-BR" sz="2000" dirty="0" smtClean="0">
+                <a:solidFill>
+                  <a:schemeClr val="tx1">
+                    <a:lumMod val="95000"/>
+                    <a:lumOff val="5000"/>
+                  </a:schemeClr>
+                </a:solidFill>
+                <a:latin typeface="Bitter" panose="02000000000000000000" pitchFamily="2" charset="0"/>
+              </a:rPr>
+              <a:t>Programa que realiza múltiplas tarefas de outras classes (pouca coesão)</a:t>
+            </a:r>
+          </a:p>
+          <a:p>
+            <a:pPr lvl="1">
+              <a:buClr>
+                <a:schemeClr val="tx1">
+                  <a:lumMod val="50000"/>
+                  <a:lumOff val="50000"/>
+                </a:schemeClr>
+              </a:buClr>
+            </a:pPr>
+            <a:r>
+              <a:rPr lang="pt-BR" sz="2000" dirty="0" smtClean="0">
+                <a:solidFill>
+                  <a:schemeClr val="tx1">
+                    <a:lumMod val="95000"/>
+                    <a:lumOff val="5000"/>
+                  </a:schemeClr>
+                </a:solidFill>
+                <a:latin typeface="Bitter" panose="02000000000000000000" pitchFamily="2" charset="0"/>
+              </a:rPr>
+              <a:t>Programa com dependências encadeadas (forte </a:t>
+            </a:r>
+            <a:r>
+              <a:rPr lang="pt-BR" sz="2000" dirty="0" err="1" smtClean="0">
+                <a:solidFill>
+                  <a:schemeClr val="tx1">
+                    <a:lumMod val="95000"/>
+                    <a:lumOff val="5000"/>
+                  </a:schemeClr>
+                </a:solidFill>
+                <a:latin typeface="Bitter" panose="02000000000000000000" pitchFamily="2" charset="0"/>
+              </a:rPr>
+              <a:t>acomplamento</a:t>
+            </a:r>
+            <a:r>
+              <a:rPr lang="pt-BR" sz="2000" dirty="0" smtClean="0">
+                <a:solidFill>
+                  <a:schemeClr val="tx1">
+                    <a:lumMod val="95000"/>
+                    <a:lumOff val="5000"/>
+                  </a:schemeClr>
+                </a:solidFill>
+                <a:latin typeface="Bitter" panose="02000000000000000000" pitchFamily="2" charset="0"/>
+              </a:rPr>
+              <a:t>)</a:t>
+            </a:r>
+          </a:p>
+          <a:p>
+            <a:pPr lvl="2">
+              <a:buClr>
+                <a:schemeClr val="tx1">
+                  <a:lumMod val="50000"/>
+                  <a:lumOff val="50000"/>
+                </a:schemeClr>
+              </a:buClr>
+            </a:pPr>
+            <a:r>
+              <a:rPr lang="pt-BR" sz="2000" dirty="0" smtClean="0">
+                <a:solidFill>
+                  <a:schemeClr val="tx1">
+                    <a:lumMod val="95000"/>
+                    <a:lumOff val="5000"/>
+                  </a:schemeClr>
+                </a:solidFill>
+                <a:latin typeface="Bitter" panose="02000000000000000000" pitchFamily="2" charset="0"/>
+              </a:rPr>
+              <a:t>Problemas: difícil reuso e manutenção</a:t>
+            </a:r>
           </a:p>
         </p:txBody>
       </p:sp>
@@ -9109,7 +14423,7 @@
 </p:sld>
 </file>
 
-<file path=ppt/slides/slide25.xml><?xml version="1.0" encoding="utf-8"?>
+<file path=ppt/slides/slide39.xml><?xml version="1.0" encoding="utf-8"?>
 <p:sld xmlns:a="http://schemas.openxmlformats.org/drawingml/2006/main" xmlns:r="http://schemas.openxmlformats.org/officeDocument/2006/relationships" xmlns:p="http://schemas.openxmlformats.org/presentationml/2006/main">
   <p:cSld>
     <p:spTree>
@@ -9152,19 +14466,7 @@
                 </a:solidFill>
                 <a:latin typeface="Bitter" panose="02000000000000000000" pitchFamily="2" charset="0"/>
               </a:rPr>
-              <a:t>Coesã</a:t>
-            </a:r>
-            <a:r>
-              <a:rPr lang="pt-BR" dirty="0" smtClean="0">
-                <a:solidFill>
-                  <a:schemeClr val="tx1">
-                    <a:lumMod val="50000"/>
-                    <a:lumOff val="50000"/>
-                  </a:schemeClr>
-                </a:solidFill>
-                <a:latin typeface="Bitter" panose="02000000000000000000" pitchFamily="2" charset="0"/>
-              </a:rPr>
-              <a:t>o e Acoplamento</a:t>
+              <a:t>Coesão e Acoplamento</a:t>
             </a:r>
             <a:endParaRPr lang="pt-BR" dirty="0">
               <a:solidFill>
@@ -9213,7 +14515,19 @@
                 </a:solidFill>
                 <a:latin typeface="Bitter" panose="02000000000000000000" pitchFamily="2" charset="0"/>
               </a:rPr>
-              <a:t>Coesão:</a:t>
+              <a:t>Coesão</a:t>
+            </a:r>
+            <a:r>
+              <a:rPr lang="pt-BR" sz="2800" dirty="0" smtClean="0">
+                <a:solidFill>
+                  <a:schemeClr val="tx1">
+                    <a:lumMod val="95000"/>
+                    <a:lumOff val="5000"/>
+                  </a:schemeClr>
+                </a:solidFill>
+                <a:latin typeface="Bitter" panose="02000000000000000000" pitchFamily="2" charset="0"/>
+              </a:rPr>
+              <a:t>: (Baixa coesão)</a:t>
             </a:r>
             <a:endParaRPr lang="pt-BR" sz="2000" dirty="0" smtClean="0">
               <a:solidFill>
@@ -9246,411 +14560,34 @@
           </a:p>
         </p:txBody>
       </p:sp>
+      <p:pic>
+        <p:nvPicPr>
+          <p:cNvPr id="4" name="Imagem 3"/>
+          <p:cNvPicPr>
+            <a:picLocks noChangeAspect="1"/>
+          </p:cNvPicPr>
+          <p:nvPr/>
+        </p:nvPicPr>
+        <p:blipFill>
+          <a:blip r:embed="rId3"/>
+          <a:stretch>
+            <a:fillRect/>
+          </a:stretch>
+        </p:blipFill>
+        <p:spPr>
+          <a:xfrm>
+            <a:off x="1042987" y="2132856"/>
+            <a:ext cx="7058025" cy="4200525"/>
+          </a:xfrm>
+          <a:prstGeom prst="rect">
+            <a:avLst/>
+          </a:prstGeom>
+        </p:spPr>
+      </p:pic>
     </p:spTree>
     <p:extLst>
       <p:ext uri="{BB962C8B-B14F-4D97-AF65-F5344CB8AC3E}">
         <p14:creationId xmlns:p14="http://schemas.microsoft.com/office/powerpoint/2010/main" val="3746453955"/>
-      </p:ext>
-    </p:extLst>
-  </p:cSld>
-  <p:clrMapOvr>
-    <a:masterClrMapping/>
-  </p:clrMapOvr>
-  <mc:AlternateContent xmlns:mc="http://schemas.openxmlformats.org/markup-compatibility/2006" xmlns:p14="http://schemas.microsoft.com/office/powerpoint/2010/main">
-    <mc:Choice Requires="p14">
-      <p:transition p14:dur="0"/>
-    </mc:Choice>
-    <mc:Fallback xmlns="">
-      <p:transition/>
-    </mc:Fallback>
-  </mc:AlternateContent>
-  <p:timing>
-    <p:tnLst>
-      <p:par>
-        <p:cTn id="1" dur="indefinite" restart="never" nodeType="tmRoot"/>
-      </p:par>
-    </p:tnLst>
-  </p:timing>
-</p:sld>
-</file>
-
-<file path=ppt/slides/slide26.xml><?xml version="1.0" encoding="utf-8"?>
-<p:sld xmlns:a="http://schemas.openxmlformats.org/drawingml/2006/main" xmlns:r="http://schemas.openxmlformats.org/officeDocument/2006/relationships" xmlns:p="http://schemas.openxmlformats.org/presentationml/2006/main">
-  <p:cSld>
-    <p:spTree>
-      <p:nvGrpSpPr>
-        <p:cNvPr id="1" name=""/>
-        <p:cNvGrpSpPr/>
-        <p:nvPr/>
-      </p:nvGrpSpPr>
-      <p:grpSpPr>
-        <a:xfrm>
-          <a:off x="0" y="0"/>
-          <a:ext cx="0" cy="0"/>
-          <a:chOff x="0" y="0"/>
-          <a:chExt cx="0" cy="0"/>
-        </a:xfrm>
-      </p:grpSpPr>
-      <p:sp>
-        <p:nvSpPr>
-          <p:cNvPr id="2" name="Título 1"/>
-          <p:cNvSpPr>
-            <a:spLocks noGrp="1"/>
-          </p:cNvSpPr>
-          <p:nvPr>
-            <p:ph type="title"/>
-          </p:nvPr>
-        </p:nvSpPr>
-        <p:spPr/>
-        <p:txBody>
-          <a:bodyPr anchor="ctr"/>
-          <a:lstStyle/>
-          <a:p>
-            <a:pPr algn="l"/>
-            <a:r>
-              <a:rPr lang="pt-BR" dirty="0" smtClean="0">
-                <a:solidFill>
-                  <a:schemeClr val="tx1">
-                    <a:lumMod val="50000"/>
-                    <a:lumOff val="50000"/>
-                  </a:schemeClr>
-                </a:solidFill>
-                <a:latin typeface="Bitter" panose="02000000000000000000" pitchFamily="2" charset="0"/>
-              </a:rPr>
-              <a:t>Coesã</a:t>
-            </a:r>
-            <a:r>
-              <a:rPr lang="pt-BR" dirty="0" smtClean="0">
-                <a:solidFill>
-                  <a:schemeClr val="tx1">
-                    <a:lumMod val="50000"/>
-                    <a:lumOff val="50000"/>
-                  </a:schemeClr>
-                </a:solidFill>
-                <a:latin typeface="Bitter" panose="02000000000000000000" pitchFamily="2" charset="0"/>
-              </a:rPr>
-              <a:t>o e Acoplamento</a:t>
-            </a:r>
-            <a:endParaRPr lang="pt-BR" dirty="0">
-              <a:solidFill>
-                <a:schemeClr val="tx1">
-                  <a:lumMod val="50000"/>
-                  <a:lumOff val="50000"/>
-                </a:schemeClr>
-              </a:solidFill>
-              <a:latin typeface="Bitter" panose="02000000000000000000" pitchFamily="2" charset="0"/>
-            </a:endParaRPr>
-          </a:p>
-        </p:txBody>
-      </p:sp>
-      <p:sp>
-        <p:nvSpPr>
-          <p:cNvPr id="3" name="Espaço Reservado para Conteúdo 2"/>
-          <p:cNvSpPr>
-            <a:spLocks noGrp="1"/>
-          </p:cNvSpPr>
-          <p:nvPr>
-            <p:ph idx="1"/>
-          </p:nvPr>
-        </p:nvSpPr>
-        <p:spPr/>
-        <p:txBody>
-          <a:bodyPr>
-            <a:normAutofit/>
-          </a:bodyPr>
-          <a:lstStyle/>
-          <a:p>
-            <a:pPr>
-              <a:buClr>
-                <a:schemeClr val="tx1">
-                  <a:lumMod val="50000"/>
-                  <a:lumOff val="50000"/>
-                </a:schemeClr>
-              </a:buClr>
-            </a:pPr>
-            <a:r>
-              <a:rPr lang="pt-BR" sz="2800" dirty="0" smtClean="0">
-                <a:solidFill>
-                  <a:schemeClr val="tx1">
-                    <a:lumMod val="95000"/>
-                    <a:lumOff val="5000"/>
-                  </a:schemeClr>
-                </a:solidFill>
-                <a:latin typeface="Bitter" panose="02000000000000000000" pitchFamily="2" charset="0"/>
-              </a:rPr>
-              <a:t>Acoplamento:</a:t>
-            </a:r>
-            <a:endParaRPr lang="pt-BR" sz="2000" dirty="0" smtClean="0">
-              <a:solidFill>
-                <a:schemeClr val="tx1">
-                  <a:lumMod val="95000"/>
-                  <a:lumOff val="5000"/>
-                </a:schemeClr>
-              </a:solidFill>
-              <a:latin typeface="Bitter" panose="02000000000000000000" pitchFamily="2" charset="0"/>
-            </a:endParaRPr>
-          </a:p>
-          <a:p>
-            <a:pPr lvl="1">
-              <a:buClr>
-                <a:schemeClr val="tx1">
-                  <a:lumMod val="50000"/>
-                  <a:lumOff val="50000"/>
-                </a:schemeClr>
-              </a:buClr>
-            </a:pPr>
-            <a:endParaRPr lang="pt-BR" sz="2000" dirty="0" smtClean="0">
-              <a:solidFill>
-                <a:schemeClr val="tx1">
-                  <a:lumMod val="95000"/>
-                  <a:lumOff val="5000"/>
-                </a:schemeClr>
-              </a:solidFill>
-              <a:latin typeface="Bitter" panose="02000000000000000000" pitchFamily="2" charset="0"/>
-            </a:endParaRPr>
-          </a:p>
-        </p:txBody>
-      </p:sp>
-    </p:spTree>
-    <p:extLst>
-      <p:ext uri="{BB962C8B-B14F-4D97-AF65-F5344CB8AC3E}">
-        <p14:creationId xmlns:p14="http://schemas.microsoft.com/office/powerpoint/2010/main" val="3714686226"/>
-      </p:ext>
-    </p:extLst>
-  </p:cSld>
-  <p:clrMapOvr>
-    <a:masterClrMapping/>
-  </p:clrMapOvr>
-  <mc:AlternateContent xmlns:mc="http://schemas.openxmlformats.org/markup-compatibility/2006" xmlns:p14="http://schemas.microsoft.com/office/powerpoint/2010/main">
-    <mc:Choice Requires="p14">
-      <p:transition p14:dur="0"/>
-    </mc:Choice>
-    <mc:Fallback xmlns="">
-      <p:transition/>
-    </mc:Fallback>
-  </mc:AlternateContent>
-  <p:timing>
-    <p:tnLst>
-      <p:par>
-        <p:cTn id="1" dur="indefinite" restart="never" nodeType="tmRoot"/>
-      </p:par>
-    </p:tnLst>
-  </p:timing>
-</p:sld>
-</file>
-
-<file path=ppt/slides/slide3.xml><?xml version="1.0" encoding="utf-8"?>
-<p:sld xmlns:a="http://schemas.openxmlformats.org/drawingml/2006/main" xmlns:r="http://schemas.openxmlformats.org/officeDocument/2006/relationships" xmlns:p="http://schemas.openxmlformats.org/presentationml/2006/main">
-  <p:cSld>
-    <p:spTree>
-      <p:nvGrpSpPr>
-        <p:cNvPr id="1" name=""/>
-        <p:cNvGrpSpPr/>
-        <p:nvPr/>
-      </p:nvGrpSpPr>
-      <p:grpSpPr>
-        <a:xfrm>
-          <a:off x="0" y="0"/>
-          <a:ext cx="0" cy="0"/>
-          <a:chOff x="0" y="0"/>
-          <a:chExt cx="0" cy="0"/>
-        </a:xfrm>
-      </p:grpSpPr>
-      <p:sp>
-        <p:nvSpPr>
-          <p:cNvPr id="2" name="Título 1"/>
-          <p:cNvSpPr>
-            <a:spLocks noGrp="1"/>
-          </p:cNvSpPr>
-          <p:nvPr>
-            <p:ph type="title"/>
-          </p:nvPr>
-        </p:nvSpPr>
-        <p:spPr/>
-        <p:txBody>
-          <a:bodyPr anchor="ctr"/>
-          <a:lstStyle/>
-          <a:p>
-            <a:pPr algn="l"/>
-            <a:r>
-              <a:rPr lang="pt-BR" dirty="0" smtClean="0">
-                <a:solidFill>
-                  <a:schemeClr val="tx1">
-                    <a:lumMod val="50000"/>
-                    <a:lumOff val="50000"/>
-                  </a:schemeClr>
-                </a:solidFill>
-                <a:latin typeface="Bitter" panose="02000000000000000000" pitchFamily="2" charset="0"/>
-              </a:rPr>
-              <a:t>Métodos Especiais</a:t>
-            </a:r>
-            <a:endParaRPr lang="pt-BR" dirty="0">
-              <a:solidFill>
-                <a:schemeClr val="tx1">
-                  <a:lumMod val="50000"/>
-                  <a:lumOff val="50000"/>
-                </a:schemeClr>
-              </a:solidFill>
-              <a:latin typeface="Bitter" panose="02000000000000000000" pitchFamily="2" charset="0"/>
-            </a:endParaRPr>
-          </a:p>
-        </p:txBody>
-      </p:sp>
-      <p:sp>
-        <p:nvSpPr>
-          <p:cNvPr id="3" name="Espaço Reservado para Conteúdo 2"/>
-          <p:cNvSpPr>
-            <a:spLocks noGrp="1"/>
-          </p:cNvSpPr>
-          <p:nvPr>
-            <p:ph idx="1"/>
-          </p:nvPr>
-        </p:nvSpPr>
-        <p:spPr/>
-        <p:txBody>
-          <a:bodyPr>
-            <a:normAutofit/>
-          </a:bodyPr>
-          <a:lstStyle/>
-          <a:p>
-            <a:pPr>
-              <a:buClr>
-                <a:schemeClr val="tx1">
-                  <a:lumMod val="50000"/>
-                  <a:lumOff val="50000"/>
-                </a:schemeClr>
-              </a:buClr>
-            </a:pPr>
-            <a:r>
-              <a:rPr lang="pt-BR" sz="2800" dirty="0" smtClean="0">
-                <a:solidFill>
-                  <a:schemeClr val="tx1">
-                    <a:lumMod val="95000"/>
-                    <a:lumOff val="5000"/>
-                  </a:schemeClr>
-                </a:solidFill>
-                <a:latin typeface="Bitter" panose="02000000000000000000" pitchFamily="2" charset="0"/>
-              </a:rPr>
-              <a:t>Construtores/Destrutores</a:t>
-            </a:r>
-          </a:p>
-          <a:p>
-            <a:pPr lvl="1">
-              <a:buClr>
-                <a:schemeClr val="tx1">
-                  <a:lumMod val="50000"/>
-                  <a:lumOff val="50000"/>
-                </a:schemeClr>
-              </a:buClr>
-            </a:pPr>
-            <a:r>
-              <a:rPr lang="pt-BR" sz="2000" dirty="0" smtClean="0">
-                <a:solidFill>
-                  <a:schemeClr val="tx1">
-                    <a:lumMod val="95000"/>
-                    <a:lumOff val="5000"/>
-                  </a:schemeClr>
-                </a:solidFill>
-                <a:latin typeface="Bitter" panose="02000000000000000000" pitchFamily="2" charset="0"/>
-              </a:rPr>
-              <a:t>Construtor: executado quando um novo objeto da classe é criado</a:t>
-            </a:r>
-          </a:p>
-          <a:p>
-            <a:pPr lvl="1">
-              <a:buClr>
-                <a:schemeClr val="tx1">
-                  <a:lumMod val="50000"/>
-                  <a:lumOff val="50000"/>
-                </a:schemeClr>
-              </a:buClr>
-            </a:pPr>
-            <a:r>
-              <a:rPr lang="pt-BR" sz="2000" dirty="0" smtClean="0">
-                <a:solidFill>
-                  <a:schemeClr val="tx1">
-                    <a:lumMod val="95000"/>
-                    <a:lumOff val="5000"/>
-                  </a:schemeClr>
-                </a:solidFill>
-                <a:latin typeface="Bitter" panose="02000000000000000000" pitchFamily="2" charset="0"/>
-              </a:rPr>
-              <a:t>Destrutor: executado quando o </a:t>
-            </a:r>
-            <a:r>
-              <a:rPr lang="pt-BR" sz="2000" dirty="0" err="1" smtClean="0">
-                <a:solidFill>
-                  <a:schemeClr val="tx1">
-                    <a:lumMod val="95000"/>
-                    <a:lumOff val="5000"/>
-                  </a:schemeClr>
-                </a:solidFill>
-                <a:latin typeface="Bitter" panose="02000000000000000000" pitchFamily="2" charset="0"/>
-              </a:rPr>
-              <a:t>garbage</a:t>
-            </a:r>
-            <a:r>
-              <a:rPr lang="pt-BR" sz="2000" dirty="0" smtClean="0">
-                <a:solidFill>
-                  <a:schemeClr val="tx1">
-                    <a:lumMod val="95000"/>
-                    <a:lumOff val="5000"/>
-                  </a:schemeClr>
-                </a:solidFill>
-                <a:latin typeface="Bitter" panose="02000000000000000000" pitchFamily="2" charset="0"/>
-              </a:rPr>
-              <a:t> </a:t>
-            </a:r>
-            <a:r>
-              <a:rPr lang="pt-BR" sz="2000" dirty="0" err="1" smtClean="0">
-                <a:solidFill>
-                  <a:schemeClr val="tx1">
-                    <a:lumMod val="95000"/>
-                    <a:lumOff val="5000"/>
-                  </a:schemeClr>
-                </a:solidFill>
-                <a:latin typeface="Bitter" panose="02000000000000000000" pitchFamily="2" charset="0"/>
-              </a:rPr>
-              <a:t>collector</a:t>
-            </a:r>
-            <a:r>
-              <a:rPr lang="pt-BR" sz="2000" dirty="0" smtClean="0">
-                <a:solidFill>
-                  <a:schemeClr val="tx1">
-                    <a:lumMod val="95000"/>
-                    <a:lumOff val="5000"/>
-                  </a:schemeClr>
-                </a:solidFill>
-                <a:latin typeface="Bitter" panose="02000000000000000000" pitchFamily="2" charset="0"/>
-              </a:rPr>
-              <a:t> (GC) vai remover um objeto da memória</a:t>
-            </a:r>
-          </a:p>
-          <a:p>
-            <a:pPr>
-              <a:buClr>
-                <a:schemeClr val="tx1">
-                  <a:lumMod val="50000"/>
-                  <a:lumOff val="50000"/>
-                </a:schemeClr>
-              </a:buClr>
-            </a:pPr>
-            <a:endParaRPr lang="pt-BR" sz="2800" dirty="0">
-              <a:solidFill>
-                <a:schemeClr val="tx1">
-                  <a:lumMod val="95000"/>
-                  <a:lumOff val="5000"/>
-                </a:schemeClr>
-              </a:solidFill>
-              <a:latin typeface="Bitter" panose="02000000000000000000" pitchFamily="2" charset="0"/>
-            </a:endParaRPr>
-          </a:p>
-        </p:txBody>
-      </p:sp>
-    </p:spTree>
-    <p:extLst>
-      <p:ext uri="{BB962C8B-B14F-4D97-AF65-F5344CB8AC3E}">
-        <p14:creationId xmlns:p14="http://schemas.microsoft.com/office/powerpoint/2010/main" val="1219546697"/>
       </p:ext>
     </p:extLst>
   </p:cSld>
@@ -9856,15 +14793,6 @@
               </a:rPr>
               <a:t>Não retorna valor</a:t>
             </a:r>
-            <a:endParaRPr lang="pt-BR" sz="2000" dirty="0" smtClean="0">
-              <a:solidFill>
-                <a:schemeClr val="tx1">
-                  <a:lumMod val="95000"/>
-                  <a:lumOff val="5000"/>
-                </a:schemeClr>
-              </a:solidFill>
-              <a:latin typeface="Bitter" panose="02000000000000000000" pitchFamily="2" charset="0"/>
-            </a:endParaRPr>
           </a:p>
           <a:p>
             <a:pPr>
@@ -9945,6 +14873,927 @@
     <p:extLst>
       <p:ext uri="{BB962C8B-B14F-4D97-AF65-F5344CB8AC3E}">
         <p14:creationId xmlns:p14="http://schemas.microsoft.com/office/powerpoint/2010/main" val="439804231"/>
+      </p:ext>
+    </p:extLst>
+  </p:cSld>
+  <p:clrMapOvr>
+    <a:masterClrMapping/>
+  </p:clrMapOvr>
+  <mc:AlternateContent xmlns:mc="http://schemas.openxmlformats.org/markup-compatibility/2006" xmlns:p14="http://schemas.microsoft.com/office/powerpoint/2010/main">
+    <mc:Choice Requires="p14">
+      <p:transition p14:dur="0"/>
+    </mc:Choice>
+    <mc:Fallback xmlns="">
+      <p:transition/>
+    </mc:Fallback>
+  </mc:AlternateContent>
+  <p:timing>
+    <p:tnLst>
+      <p:par>
+        <p:cTn id="1" dur="indefinite" restart="never" nodeType="tmRoot"/>
+      </p:par>
+    </p:tnLst>
+  </p:timing>
+</p:sld>
+</file>
+
+<file path=ppt/slides/slide40.xml><?xml version="1.0" encoding="utf-8"?>
+<p:sld xmlns:a="http://schemas.openxmlformats.org/drawingml/2006/main" xmlns:r="http://schemas.openxmlformats.org/officeDocument/2006/relationships" xmlns:p="http://schemas.openxmlformats.org/presentationml/2006/main">
+  <p:cSld>
+    <p:spTree>
+      <p:nvGrpSpPr>
+        <p:cNvPr id="1" name=""/>
+        <p:cNvGrpSpPr/>
+        <p:nvPr/>
+      </p:nvGrpSpPr>
+      <p:grpSpPr>
+        <a:xfrm>
+          <a:off x="0" y="0"/>
+          <a:ext cx="0" cy="0"/>
+          <a:chOff x="0" y="0"/>
+          <a:chExt cx="0" cy="0"/>
+        </a:xfrm>
+      </p:grpSpPr>
+      <p:sp>
+        <p:nvSpPr>
+          <p:cNvPr id="2" name="Título 1"/>
+          <p:cNvSpPr>
+            <a:spLocks noGrp="1"/>
+          </p:cNvSpPr>
+          <p:nvPr>
+            <p:ph type="title"/>
+          </p:nvPr>
+        </p:nvSpPr>
+        <p:spPr/>
+        <p:txBody>
+          <a:bodyPr anchor="ctr"/>
+          <a:lstStyle/>
+          <a:p>
+            <a:pPr algn="l"/>
+            <a:r>
+              <a:rPr lang="pt-BR" dirty="0" smtClean="0">
+                <a:solidFill>
+                  <a:schemeClr val="tx1">
+                    <a:lumMod val="50000"/>
+                    <a:lumOff val="50000"/>
+                  </a:schemeClr>
+                </a:solidFill>
+                <a:latin typeface="Bitter" panose="02000000000000000000" pitchFamily="2" charset="0"/>
+              </a:rPr>
+              <a:t>Coesão e Acoplamento</a:t>
+            </a:r>
+            <a:endParaRPr lang="pt-BR" dirty="0">
+              <a:solidFill>
+                <a:schemeClr val="tx1">
+                  <a:lumMod val="50000"/>
+                  <a:lumOff val="50000"/>
+                </a:schemeClr>
+              </a:solidFill>
+              <a:latin typeface="Bitter" panose="02000000000000000000" pitchFamily="2" charset="0"/>
+            </a:endParaRPr>
+          </a:p>
+        </p:txBody>
+      </p:sp>
+      <p:sp>
+        <p:nvSpPr>
+          <p:cNvPr id="3" name="Espaço Reservado para Conteúdo 2"/>
+          <p:cNvSpPr>
+            <a:spLocks noGrp="1"/>
+          </p:cNvSpPr>
+          <p:nvPr>
+            <p:ph idx="1"/>
+          </p:nvPr>
+        </p:nvSpPr>
+        <p:spPr/>
+        <p:txBody>
+          <a:bodyPr>
+            <a:normAutofit/>
+          </a:bodyPr>
+          <a:lstStyle/>
+          <a:p>
+            <a:pPr>
+              <a:buClr>
+                <a:schemeClr val="tx1">
+                  <a:lumMod val="50000"/>
+                  <a:lumOff val="50000"/>
+                </a:schemeClr>
+              </a:buClr>
+            </a:pPr>
+            <a:r>
+              <a:rPr lang="pt-BR" sz="2800" dirty="0" smtClean="0">
+                <a:solidFill>
+                  <a:schemeClr val="tx1">
+                    <a:lumMod val="95000"/>
+                    <a:lumOff val="5000"/>
+                  </a:schemeClr>
+                </a:solidFill>
+                <a:latin typeface="Bitter" panose="02000000000000000000" pitchFamily="2" charset="0"/>
+              </a:rPr>
+              <a:t>Coesão</a:t>
+            </a:r>
+            <a:r>
+              <a:rPr lang="pt-BR" sz="2800" dirty="0" smtClean="0">
+                <a:solidFill>
+                  <a:schemeClr val="tx1">
+                    <a:lumMod val="95000"/>
+                    <a:lumOff val="5000"/>
+                  </a:schemeClr>
+                </a:solidFill>
+                <a:latin typeface="Bitter" panose="02000000000000000000" pitchFamily="2" charset="0"/>
+              </a:rPr>
+              <a:t>: (Alta coesão)</a:t>
+            </a:r>
+            <a:endParaRPr lang="pt-BR" sz="2000" dirty="0" smtClean="0">
+              <a:solidFill>
+                <a:schemeClr val="tx1">
+                  <a:lumMod val="95000"/>
+                  <a:lumOff val="5000"/>
+                </a:schemeClr>
+              </a:solidFill>
+              <a:latin typeface="Bitter" panose="02000000000000000000" pitchFamily="2" charset="0"/>
+            </a:endParaRPr>
+          </a:p>
+          <a:p>
+            <a:pPr lvl="1">
+              <a:buClr>
+                <a:schemeClr val="tx1">
+                  <a:lumMod val="50000"/>
+                  <a:lumOff val="50000"/>
+                </a:schemeClr>
+              </a:buClr>
+            </a:pPr>
+            <a:endParaRPr lang="pt-BR" sz="2000" dirty="0" smtClean="0">
+              <a:solidFill>
+                <a:schemeClr val="tx1">
+                  <a:lumMod val="95000"/>
+                  <a:lumOff val="5000"/>
+                </a:schemeClr>
+              </a:solidFill>
+              <a:latin typeface="Bitter" panose="02000000000000000000" pitchFamily="2" charset="0"/>
+            </a:endParaRPr>
+          </a:p>
+        </p:txBody>
+      </p:sp>
+      <p:pic>
+        <p:nvPicPr>
+          <p:cNvPr id="5" name="Imagem 4"/>
+          <p:cNvPicPr>
+            <a:picLocks noChangeAspect="1"/>
+          </p:cNvPicPr>
+          <p:nvPr/>
+        </p:nvPicPr>
+        <p:blipFill>
+          <a:blip r:embed="rId3"/>
+          <a:stretch>
+            <a:fillRect/>
+          </a:stretch>
+        </p:blipFill>
+        <p:spPr>
+          <a:xfrm>
+            <a:off x="1119187" y="2162175"/>
+            <a:ext cx="6905625" cy="2533650"/>
+          </a:xfrm>
+          <a:prstGeom prst="rect">
+            <a:avLst/>
+          </a:prstGeom>
+        </p:spPr>
+      </p:pic>
+    </p:spTree>
+    <p:extLst>
+      <p:ext uri="{BB962C8B-B14F-4D97-AF65-F5344CB8AC3E}">
+        <p14:creationId xmlns:p14="http://schemas.microsoft.com/office/powerpoint/2010/main" val="725313472"/>
+      </p:ext>
+    </p:extLst>
+  </p:cSld>
+  <p:clrMapOvr>
+    <a:masterClrMapping/>
+  </p:clrMapOvr>
+  <mc:AlternateContent xmlns:mc="http://schemas.openxmlformats.org/markup-compatibility/2006" xmlns:p14="http://schemas.microsoft.com/office/powerpoint/2010/main">
+    <mc:Choice Requires="p14">
+      <p:transition p14:dur="0"/>
+    </mc:Choice>
+    <mc:Fallback xmlns="">
+      <p:transition/>
+    </mc:Fallback>
+  </mc:AlternateContent>
+  <p:timing>
+    <p:tnLst>
+      <p:par>
+        <p:cTn id="1" dur="indefinite" restart="never" nodeType="tmRoot"/>
+      </p:par>
+    </p:tnLst>
+  </p:timing>
+</p:sld>
+</file>
+
+<file path=ppt/slides/slide41.xml><?xml version="1.0" encoding="utf-8"?>
+<p:sld xmlns:a="http://schemas.openxmlformats.org/drawingml/2006/main" xmlns:r="http://schemas.openxmlformats.org/officeDocument/2006/relationships" xmlns:p="http://schemas.openxmlformats.org/presentationml/2006/main">
+  <p:cSld>
+    <p:spTree>
+      <p:nvGrpSpPr>
+        <p:cNvPr id="1" name=""/>
+        <p:cNvGrpSpPr/>
+        <p:nvPr/>
+      </p:nvGrpSpPr>
+      <p:grpSpPr>
+        <a:xfrm>
+          <a:off x="0" y="0"/>
+          <a:ext cx="0" cy="0"/>
+          <a:chOff x="0" y="0"/>
+          <a:chExt cx="0" cy="0"/>
+        </a:xfrm>
+      </p:grpSpPr>
+      <p:sp>
+        <p:nvSpPr>
+          <p:cNvPr id="2" name="Título 1"/>
+          <p:cNvSpPr>
+            <a:spLocks noGrp="1"/>
+          </p:cNvSpPr>
+          <p:nvPr>
+            <p:ph type="title"/>
+          </p:nvPr>
+        </p:nvSpPr>
+        <p:spPr/>
+        <p:txBody>
+          <a:bodyPr anchor="ctr"/>
+          <a:lstStyle/>
+          <a:p>
+            <a:pPr algn="l"/>
+            <a:r>
+              <a:rPr lang="pt-BR" dirty="0" smtClean="0">
+                <a:solidFill>
+                  <a:schemeClr val="tx1">
+                    <a:lumMod val="50000"/>
+                    <a:lumOff val="50000"/>
+                  </a:schemeClr>
+                </a:solidFill>
+                <a:latin typeface="Bitter" panose="02000000000000000000" pitchFamily="2" charset="0"/>
+              </a:rPr>
+              <a:t>Coesão e Acoplamento</a:t>
+            </a:r>
+            <a:endParaRPr lang="pt-BR" dirty="0">
+              <a:solidFill>
+                <a:schemeClr val="tx1">
+                  <a:lumMod val="50000"/>
+                  <a:lumOff val="50000"/>
+                </a:schemeClr>
+              </a:solidFill>
+              <a:latin typeface="Bitter" panose="02000000000000000000" pitchFamily="2" charset="0"/>
+            </a:endParaRPr>
+          </a:p>
+        </p:txBody>
+      </p:sp>
+      <p:sp>
+        <p:nvSpPr>
+          <p:cNvPr id="3" name="Espaço Reservado para Conteúdo 2"/>
+          <p:cNvSpPr>
+            <a:spLocks noGrp="1"/>
+          </p:cNvSpPr>
+          <p:nvPr>
+            <p:ph idx="1"/>
+          </p:nvPr>
+        </p:nvSpPr>
+        <p:spPr/>
+        <p:txBody>
+          <a:bodyPr>
+            <a:normAutofit/>
+          </a:bodyPr>
+          <a:lstStyle/>
+          <a:p>
+            <a:pPr>
+              <a:buClr>
+                <a:schemeClr val="tx1">
+                  <a:lumMod val="50000"/>
+                  <a:lumOff val="50000"/>
+                </a:schemeClr>
+              </a:buClr>
+            </a:pPr>
+            <a:r>
+              <a:rPr lang="pt-BR" sz="2800" dirty="0" smtClean="0">
+                <a:solidFill>
+                  <a:schemeClr val="tx1">
+                    <a:lumMod val="95000"/>
+                    <a:lumOff val="5000"/>
+                  </a:schemeClr>
+                </a:solidFill>
+                <a:latin typeface="Bitter" panose="02000000000000000000" pitchFamily="2" charset="0"/>
+              </a:rPr>
+              <a:t>Acoplamento:</a:t>
+            </a:r>
+            <a:endParaRPr lang="pt-BR" sz="2000" dirty="0" smtClean="0">
+              <a:solidFill>
+                <a:schemeClr val="tx1">
+                  <a:lumMod val="95000"/>
+                  <a:lumOff val="5000"/>
+                </a:schemeClr>
+              </a:solidFill>
+              <a:latin typeface="Bitter" panose="02000000000000000000" pitchFamily="2" charset="0"/>
+            </a:endParaRPr>
+          </a:p>
+          <a:p>
+            <a:pPr lvl="1">
+              <a:buClr>
+                <a:schemeClr val="tx1">
+                  <a:lumMod val="50000"/>
+                  <a:lumOff val="50000"/>
+                </a:schemeClr>
+              </a:buClr>
+            </a:pPr>
+            <a:endParaRPr lang="pt-BR" sz="2000" dirty="0" smtClean="0">
+              <a:solidFill>
+                <a:schemeClr val="tx1">
+                  <a:lumMod val="95000"/>
+                  <a:lumOff val="5000"/>
+                </a:schemeClr>
+              </a:solidFill>
+              <a:latin typeface="Bitter" panose="02000000000000000000" pitchFamily="2" charset="0"/>
+            </a:endParaRPr>
+          </a:p>
+        </p:txBody>
+      </p:sp>
+      <p:pic>
+        <p:nvPicPr>
+          <p:cNvPr id="4" name="Imagem 3"/>
+          <p:cNvPicPr>
+            <a:picLocks noChangeAspect="1"/>
+          </p:cNvPicPr>
+          <p:nvPr/>
+        </p:nvPicPr>
+        <p:blipFill>
+          <a:blip r:embed="rId3"/>
+          <a:stretch>
+            <a:fillRect/>
+          </a:stretch>
+        </p:blipFill>
+        <p:spPr>
+          <a:xfrm>
+            <a:off x="962025" y="2276872"/>
+            <a:ext cx="7219950" cy="3457575"/>
+          </a:xfrm>
+          <a:prstGeom prst="rect">
+            <a:avLst/>
+          </a:prstGeom>
+        </p:spPr>
+      </p:pic>
+    </p:spTree>
+    <p:extLst>
+      <p:ext uri="{BB962C8B-B14F-4D97-AF65-F5344CB8AC3E}">
+        <p14:creationId xmlns:p14="http://schemas.microsoft.com/office/powerpoint/2010/main" val="3714686226"/>
+      </p:ext>
+    </p:extLst>
+  </p:cSld>
+  <p:clrMapOvr>
+    <a:masterClrMapping/>
+  </p:clrMapOvr>
+  <mc:AlternateContent xmlns:mc="http://schemas.openxmlformats.org/markup-compatibility/2006" xmlns:p14="http://schemas.microsoft.com/office/powerpoint/2010/main">
+    <mc:Choice Requires="p14">
+      <p:transition p14:dur="0"/>
+    </mc:Choice>
+    <mc:Fallback xmlns="">
+      <p:transition/>
+    </mc:Fallback>
+  </mc:AlternateContent>
+  <p:timing>
+    <p:tnLst>
+      <p:par>
+        <p:cTn id="1" dur="indefinite" restart="never" nodeType="tmRoot"/>
+      </p:par>
+    </p:tnLst>
+  </p:timing>
+</p:sld>
+</file>
+
+<file path=ppt/slides/slide42.xml><?xml version="1.0" encoding="utf-8"?>
+<p:sld xmlns:a="http://schemas.openxmlformats.org/drawingml/2006/main" xmlns:r="http://schemas.openxmlformats.org/officeDocument/2006/relationships" xmlns:p="http://schemas.openxmlformats.org/presentationml/2006/main">
+  <p:cSld>
+    <p:spTree>
+      <p:nvGrpSpPr>
+        <p:cNvPr id="1" name=""/>
+        <p:cNvGrpSpPr/>
+        <p:nvPr/>
+      </p:nvGrpSpPr>
+      <p:grpSpPr>
+        <a:xfrm>
+          <a:off x="0" y="0"/>
+          <a:ext cx="0" cy="0"/>
+          <a:chOff x="0" y="0"/>
+          <a:chExt cx="0" cy="0"/>
+        </a:xfrm>
+      </p:grpSpPr>
+      <p:sp>
+        <p:nvSpPr>
+          <p:cNvPr id="2" name="Título 1"/>
+          <p:cNvSpPr>
+            <a:spLocks noGrp="1"/>
+          </p:cNvSpPr>
+          <p:nvPr>
+            <p:ph type="title"/>
+          </p:nvPr>
+        </p:nvSpPr>
+        <p:spPr/>
+        <p:txBody>
+          <a:bodyPr anchor="ctr"/>
+          <a:lstStyle/>
+          <a:p>
+            <a:pPr algn="l"/>
+            <a:r>
+              <a:rPr lang="pt-BR" dirty="0" smtClean="0">
+                <a:solidFill>
+                  <a:schemeClr val="tx1">
+                    <a:lumMod val="50000"/>
+                    <a:lumOff val="50000"/>
+                  </a:schemeClr>
+                </a:solidFill>
+                <a:latin typeface="Bitter" panose="02000000000000000000" pitchFamily="2" charset="0"/>
+              </a:rPr>
+              <a:t>Coesão e Acoplamento</a:t>
+            </a:r>
+            <a:endParaRPr lang="pt-BR" dirty="0">
+              <a:solidFill>
+                <a:schemeClr val="tx1">
+                  <a:lumMod val="50000"/>
+                  <a:lumOff val="50000"/>
+                </a:schemeClr>
+              </a:solidFill>
+              <a:latin typeface="Bitter" panose="02000000000000000000" pitchFamily="2" charset="0"/>
+            </a:endParaRPr>
+          </a:p>
+        </p:txBody>
+      </p:sp>
+      <p:sp>
+        <p:nvSpPr>
+          <p:cNvPr id="3" name="Espaço Reservado para Conteúdo 2"/>
+          <p:cNvSpPr>
+            <a:spLocks noGrp="1"/>
+          </p:cNvSpPr>
+          <p:nvPr>
+            <p:ph idx="1"/>
+          </p:nvPr>
+        </p:nvSpPr>
+        <p:spPr/>
+        <p:txBody>
+          <a:bodyPr>
+            <a:normAutofit/>
+          </a:bodyPr>
+          <a:lstStyle/>
+          <a:p>
+            <a:pPr>
+              <a:buClr>
+                <a:schemeClr val="tx1">
+                  <a:lumMod val="50000"/>
+                  <a:lumOff val="50000"/>
+                </a:schemeClr>
+              </a:buClr>
+            </a:pPr>
+            <a:r>
+              <a:rPr lang="pt-BR" sz="2800" dirty="0" smtClean="0">
+                <a:solidFill>
+                  <a:schemeClr val="tx1">
+                    <a:lumMod val="95000"/>
+                    <a:lumOff val="5000"/>
+                  </a:schemeClr>
+                </a:solidFill>
+                <a:latin typeface="Bitter" panose="02000000000000000000" pitchFamily="2" charset="0"/>
+              </a:rPr>
+              <a:t>Acoplamento</a:t>
+            </a:r>
+            <a:r>
+              <a:rPr lang="pt-BR" sz="2800" dirty="0" smtClean="0">
+                <a:solidFill>
+                  <a:schemeClr val="tx1">
+                    <a:lumMod val="95000"/>
+                    <a:lumOff val="5000"/>
+                  </a:schemeClr>
+                </a:solidFill>
+                <a:latin typeface="Bitter" panose="02000000000000000000" pitchFamily="2" charset="0"/>
+              </a:rPr>
+              <a:t>: classe DAO tem nível de contato com Contato</a:t>
+            </a:r>
+            <a:endParaRPr lang="pt-BR" sz="2000" dirty="0" smtClean="0">
+              <a:solidFill>
+                <a:schemeClr val="tx1">
+                  <a:lumMod val="95000"/>
+                  <a:lumOff val="5000"/>
+                </a:schemeClr>
+              </a:solidFill>
+              <a:latin typeface="Bitter" panose="02000000000000000000" pitchFamily="2" charset="0"/>
+            </a:endParaRPr>
+          </a:p>
+          <a:p>
+            <a:pPr lvl="1">
+              <a:buClr>
+                <a:schemeClr val="tx1">
+                  <a:lumMod val="50000"/>
+                  <a:lumOff val="50000"/>
+                </a:schemeClr>
+              </a:buClr>
+            </a:pPr>
+            <a:endParaRPr lang="pt-BR" sz="2000" dirty="0" smtClean="0">
+              <a:solidFill>
+                <a:schemeClr val="tx1">
+                  <a:lumMod val="95000"/>
+                  <a:lumOff val="5000"/>
+                </a:schemeClr>
+              </a:solidFill>
+              <a:latin typeface="Bitter" panose="02000000000000000000" pitchFamily="2" charset="0"/>
+            </a:endParaRPr>
+          </a:p>
+        </p:txBody>
+      </p:sp>
+      <p:pic>
+        <p:nvPicPr>
+          <p:cNvPr id="5" name="Imagem 4"/>
+          <p:cNvPicPr>
+            <a:picLocks noChangeAspect="1"/>
+          </p:cNvPicPr>
+          <p:nvPr/>
+        </p:nvPicPr>
+        <p:blipFill>
+          <a:blip r:embed="rId3"/>
+          <a:stretch>
+            <a:fillRect/>
+          </a:stretch>
+        </p:blipFill>
+        <p:spPr>
+          <a:xfrm>
+            <a:off x="981075" y="2577058"/>
+            <a:ext cx="7181850" cy="2724150"/>
+          </a:xfrm>
+          <a:prstGeom prst="rect">
+            <a:avLst/>
+          </a:prstGeom>
+        </p:spPr>
+      </p:pic>
+    </p:spTree>
+    <p:extLst>
+      <p:ext uri="{BB962C8B-B14F-4D97-AF65-F5344CB8AC3E}">
+        <p14:creationId xmlns:p14="http://schemas.microsoft.com/office/powerpoint/2010/main" val="3140976373"/>
+      </p:ext>
+    </p:extLst>
+  </p:cSld>
+  <p:clrMapOvr>
+    <a:masterClrMapping/>
+  </p:clrMapOvr>
+  <mc:AlternateContent xmlns:mc="http://schemas.openxmlformats.org/markup-compatibility/2006" xmlns:p14="http://schemas.microsoft.com/office/powerpoint/2010/main">
+    <mc:Choice Requires="p14">
+      <p:transition p14:dur="0"/>
+    </mc:Choice>
+    <mc:Fallback xmlns="">
+      <p:transition/>
+    </mc:Fallback>
+  </mc:AlternateContent>
+  <p:timing>
+    <p:tnLst>
+      <p:par>
+        <p:cTn id="1" dur="indefinite" restart="never" nodeType="tmRoot"/>
+      </p:par>
+    </p:tnLst>
+  </p:timing>
+</p:sld>
+</file>
+
+<file path=ppt/slides/slide43.xml><?xml version="1.0" encoding="utf-8"?>
+<p:sld xmlns:a="http://schemas.openxmlformats.org/drawingml/2006/main" xmlns:r="http://schemas.openxmlformats.org/officeDocument/2006/relationships" xmlns:p="http://schemas.openxmlformats.org/presentationml/2006/main">
+  <p:cSld>
+    <p:spTree>
+      <p:nvGrpSpPr>
+        <p:cNvPr id="1" name=""/>
+        <p:cNvGrpSpPr/>
+        <p:nvPr/>
+      </p:nvGrpSpPr>
+      <p:grpSpPr>
+        <a:xfrm>
+          <a:off x="0" y="0"/>
+          <a:ext cx="0" cy="0"/>
+          <a:chOff x="0" y="0"/>
+          <a:chExt cx="0" cy="0"/>
+        </a:xfrm>
+      </p:grpSpPr>
+      <p:sp>
+        <p:nvSpPr>
+          <p:cNvPr id="2" name="Título 1"/>
+          <p:cNvSpPr>
+            <a:spLocks noGrp="1"/>
+          </p:cNvSpPr>
+          <p:nvPr>
+            <p:ph type="title"/>
+          </p:nvPr>
+        </p:nvSpPr>
+        <p:spPr/>
+        <p:txBody>
+          <a:bodyPr anchor="ctr"/>
+          <a:lstStyle/>
+          <a:p>
+            <a:pPr algn="l"/>
+            <a:r>
+              <a:rPr lang="pt-BR" dirty="0" smtClean="0">
+                <a:solidFill>
+                  <a:schemeClr val="tx1">
+                    <a:lumMod val="50000"/>
+                    <a:lumOff val="50000"/>
+                  </a:schemeClr>
+                </a:solidFill>
+                <a:latin typeface="Bitter" panose="02000000000000000000" pitchFamily="2" charset="0"/>
+              </a:rPr>
+              <a:t>Coesão e Acoplamento</a:t>
+            </a:r>
+            <a:endParaRPr lang="pt-BR" dirty="0">
+              <a:solidFill>
+                <a:schemeClr val="tx1">
+                  <a:lumMod val="50000"/>
+                  <a:lumOff val="50000"/>
+                </a:schemeClr>
+              </a:solidFill>
+              <a:latin typeface="Bitter" panose="02000000000000000000" pitchFamily="2" charset="0"/>
+            </a:endParaRPr>
+          </a:p>
+        </p:txBody>
+      </p:sp>
+      <p:sp>
+        <p:nvSpPr>
+          <p:cNvPr id="3" name="Espaço Reservado para Conteúdo 2"/>
+          <p:cNvSpPr>
+            <a:spLocks noGrp="1"/>
+          </p:cNvSpPr>
+          <p:nvPr>
+            <p:ph idx="1"/>
+          </p:nvPr>
+        </p:nvSpPr>
+        <p:spPr/>
+        <p:txBody>
+          <a:bodyPr>
+            <a:normAutofit/>
+          </a:bodyPr>
+          <a:lstStyle/>
+          <a:p>
+            <a:pPr>
+              <a:buClr>
+                <a:schemeClr val="tx1">
+                  <a:lumMod val="50000"/>
+                  <a:lumOff val="50000"/>
+                </a:schemeClr>
+              </a:buClr>
+            </a:pPr>
+            <a:r>
+              <a:rPr lang="pt-BR" sz="2800" dirty="0" smtClean="0">
+                <a:solidFill>
+                  <a:schemeClr val="tx1">
+                    <a:lumMod val="95000"/>
+                    <a:lumOff val="5000"/>
+                  </a:schemeClr>
+                </a:solidFill>
+                <a:latin typeface="Bitter" panose="02000000000000000000" pitchFamily="2" charset="0"/>
+              </a:rPr>
+              <a:t>Acoplamento</a:t>
+            </a:r>
+            <a:r>
+              <a:rPr lang="pt-BR" sz="2800" dirty="0" smtClean="0">
+                <a:solidFill>
+                  <a:schemeClr val="tx1">
+                    <a:lumMod val="95000"/>
+                    <a:lumOff val="5000"/>
+                  </a:schemeClr>
+                </a:solidFill>
+                <a:latin typeface="Bitter" panose="02000000000000000000" pitchFamily="2" charset="0"/>
+              </a:rPr>
+              <a:t>: classe Controlador tem nível de contato com Contato e DAO</a:t>
+            </a:r>
+            <a:endParaRPr lang="pt-BR" sz="2000" dirty="0" smtClean="0">
+              <a:solidFill>
+                <a:schemeClr val="tx1">
+                  <a:lumMod val="95000"/>
+                  <a:lumOff val="5000"/>
+                </a:schemeClr>
+              </a:solidFill>
+              <a:latin typeface="Bitter" panose="02000000000000000000" pitchFamily="2" charset="0"/>
+            </a:endParaRPr>
+          </a:p>
+          <a:p>
+            <a:pPr lvl="1">
+              <a:buClr>
+                <a:schemeClr val="tx1">
+                  <a:lumMod val="50000"/>
+                  <a:lumOff val="50000"/>
+                </a:schemeClr>
+              </a:buClr>
+            </a:pPr>
+            <a:endParaRPr lang="pt-BR" sz="2000" dirty="0" smtClean="0">
+              <a:solidFill>
+                <a:schemeClr val="tx1">
+                  <a:lumMod val="95000"/>
+                  <a:lumOff val="5000"/>
+                </a:schemeClr>
+              </a:solidFill>
+              <a:latin typeface="Bitter" panose="02000000000000000000" pitchFamily="2" charset="0"/>
+            </a:endParaRPr>
+          </a:p>
+        </p:txBody>
+      </p:sp>
+      <p:pic>
+        <p:nvPicPr>
+          <p:cNvPr id="4" name="Imagem 3"/>
+          <p:cNvPicPr>
+            <a:picLocks noChangeAspect="1"/>
+          </p:cNvPicPr>
+          <p:nvPr/>
+        </p:nvPicPr>
+        <p:blipFill>
+          <a:blip r:embed="rId3"/>
+          <a:stretch>
+            <a:fillRect/>
+          </a:stretch>
+        </p:blipFill>
+        <p:spPr>
+          <a:xfrm>
+            <a:off x="971550" y="2996952"/>
+            <a:ext cx="7200900" cy="3314700"/>
+          </a:xfrm>
+          <a:prstGeom prst="rect">
+            <a:avLst/>
+          </a:prstGeom>
+        </p:spPr>
+      </p:pic>
+    </p:spTree>
+    <p:extLst>
+      <p:ext uri="{BB962C8B-B14F-4D97-AF65-F5344CB8AC3E}">
+        <p14:creationId xmlns:p14="http://schemas.microsoft.com/office/powerpoint/2010/main" val="2973478566"/>
+      </p:ext>
+    </p:extLst>
+  </p:cSld>
+  <p:clrMapOvr>
+    <a:masterClrMapping/>
+  </p:clrMapOvr>
+  <mc:AlternateContent xmlns:mc="http://schemas.openxmlformats.org/markup-compatibility/2006" xmlns:p14="http://schemas.microsoft.com/office/powerpoint/2010/main">
+    <mc:Choice Requires="p14">
+      <p:transition p14:dur="0"/>
+    </mc:Choice>
+    <mc:Fallback xmlns="">
+      <p:transition/>
+    </mc:Fallback>
+  </mc:AlternateContent>
+  <p:timing>
+    <p:tnLst>
+      <p:par>
+        <p:cTn id="1" dur="indefinite" restart="never" nodeType="tmRoot"/>
+      </p:par>
+    </p:tnLst>
+  </p:timing>
+</p:sld>
+</file>
+
+<file path=ppt/slides/slide44.xml><?xml version="1.0" encoding="utf-8"?>
+<p:sld xmlns:a="http://schemas.openxmlformats.org/drawingml/2006/main" xmlns:r="http://schemas.openxmlformats.org/officeDocument/2006/relationships" xmlns:p="http://schemas.openxmlformats.org/presentationml/2006/main">
+  <p:cSld>
+    <p:spTree>
+      <p:nvGrpSpPr>
+        <p:cNvPr id="1" name=""/>
+        <p:cNvGrpSpPr/>
+        <p:nvPr/>
+      </p:nvGrpSpPr>
+      <p:grpSpPr>
+        <a:xfrm>
+          <a:off x="0" y="0"/>
+          <a:ext cx="0" cy="0"/>
+          <a:chOff x="0" y="0"/>
+          <a:chExt cx="0" cy="0"/>
+        </a:xfrm>
+      </p:grpSpPr>
+      <p:sp>
+        <p:nvSpPr>
+          <p:cNvPr id="2" name="Título 1"/>
+          <p:cNvSpPr>
+            <a:spLocks noGrp="1"/>
+          </p:cNvSpPr>
+          <p:nvPr>
+            <p:ph type="title"/>
+          </p:nvPr>
+        </p:nvSpPr>
+        <p:spPr/>
+        <p:txBody>
+          <a:bodyPr anchor="ctr"/>
+          <a:lstStyle/>
+          <a:p>
+            <a:pPr algn="l"/>
+            <a:r>
+              <a:rPr lang="pt-BR" dirty="0" smtClean="0">
+                <a:solidFill>
+                  <a:schemeClr val="tx1">
+                    <a:lumMod val="50000"/>
+                    <a:lumOff val="50000"/>
+                  </a:schemeClr>
+                </a:solidFill>
+                <a:latin typeface="Bitter" panose="02000000000000000000" pitchFamily="2" charset="0"/>
+              </a:rPr>
+              <a:t>Coesão e Acoplamento</a:t>
+            </a:r>
+            <a:endParaRPr lang="pt-BR" dirty="0">
+              <a:solidFill>
+                <a:schemeClr val="tx1">
+                  <a:lumMod val="50000"/>
+                  <a:lumOff val="50000"/>
+                </a:schemeClr>
+              </a:solidFill>
+              <a:latin typeface="Bitter" panose="02000000000000000000" pitchFamily="2" charset="0"/>
+            </a:endParaRPr>
+          </a:p>
+        </p:txBody>
+      </p:sp>
+      <p:sp>
+        <p:nvSpPr>
+          <p:cNvPr id="3" name="Espaço Reservado para Conteúdo 2"/>
+          <p:cNvSpPr>
+            <a:spLocks noGrp="1"/>
+          </p:cNvSpPr>
+          <p:nvPr>
+            <p:ph idx="1"/>
+          </p:nvPr>
+        </p:nvSpPr>
+        <p:spPr/>
+        <p:txBody>
+          <a:bodyPr>
+            <a:normAutofit/>
+          </a:bodyPr>
+          <a:lstStyle/>
+          <a:p>
+            <a:pPr>
+              <a:buClr>
+                <a:schemeClr val="tx1">
+                  <a:lumMod val="50000"/>
+                  <a:lumOff val="50000"/>
+                </a:schemeClr>
+              </a:buClr>
+            </a:pPr>
+            <a:r>
+              <a:rPr lang="pt-BR" sz="2800" dirty="0" smtClean="0">
+                <a:solidFill>
+                  <a:schemeClr val="tx1">
+                    <a:lumMod val="95000"/>
+                    <a:lumOff val="5000"/>
+                  </a:schemeClr>
+                </a:solidFill>
+                <a:latin typeface="Bitter" panose="02000000000000000000" pitchFamily="2" charset="0"/>
+              </a:rPr>
+              <a:t>Como diminuir acoplamentos? Interfaces!!</a:t>
+            </a:r>
+            <a:endParaRPr lang="pt-BR" sz="2000" dirty="0" smtClean="0">
+              <a:solidFill>
+                <a:schemeClr val="tx1">
+                  <a:lumMod val="95000"/>
+                  <a:lumOff val="5000"/>
+                </a:schemeClr>
+              </a:solidFill>
+              <a:latin typeface="Bitter" panose="02000000000000000000" pitchFamily="2" charset="0"/>
+            </a:endParaRPr>
+          </a:p>
+          <a:p>
+            <a:pPr lvl="1">
+              <a:buClr>
+                <a:schemeClr val="tx1">
+                  <a:lumMod val="50000"/>
+                  <a:lumOff val="50000"/>
+                </a:schemeClr>
+              </a:buClr>
+            </a:pPr>
+            <a:endParaRPr lang="pt-BR" sz="2000" dirty="0" smtClean="0">
+              <a:solidFill>
+                <a:schemeClr val="tx1">
+                  <a:lumMod val="95000"/>
+                  <a:lumOff val="5000"/>
+                </a:schemeClr>
+              </a:solidFill>
+              <a:latin typeface="Bitter" panose="02000000000000000000" pitchFamily="2" charset="0"/>
+            </a:endParaRPr>
+          </a:p>
+        </p:txBody>
+      </p:sp>
+      <p:pic>
+        <p:nvPicPr>
+          <p:cNvPr id="5" name="Imagem 4"/>
+          <p:cNvPicPr>
+            <a:picLocks noChangeAspect="1"/>
+          </p:cNvPicPr>
+          <p:nvPr/>
+        </p:nvPicPr>
+        <p:blipFill>
+          <a:blip r:embed="rId3"/>
+          <a:stretch>
+            <a:fillRect/>
+          </a:stretch>
+        </p:blipFill>
+        <p:spPr>
+          <a:xfrm>
+            <a:off x="1500187" y="2900362"/>
+            <a:ext cx="6143625" cy="1057275"/>
+          </a:xfrm>
+          <a:prstGeom prst="rect">
+            <a:avLst/>
+          </a:prstGeom>
+        </p:spPr>
+      </p:pic>
+    </p:spTree>
+    <p:extLst>
+      <p:ext uri="{BB962C8B-B14F-4D97-AF65-F5344CB8AC3E}">
+        <p14:creationId xmlns:p14="http://schemas.microsoft.com/office/powerpoint/2010/main" val="1737177452"/>
       </p:ext>
     </p:extLst>
   </p:cSld>
@@ -10150,15 +15999,6 @@
               </a:rPr>
               <a:t>Não retorna valor</a:t>
             </a:r>
-            <a:endParaRPr lang="pt-BR" sz="2000" dirty="0" smtClean="0">
-              <a:solidFill>
-                <a:schemeClr val="tx1">
-                  <a:lumMod val="95000"/>
-                  <a:lumOff val="5000"/>
-                </a:schemeClr>
-              </a:solidFill>
-              <a:latin typeface="Bitter" panose="02000000000000000000" pitchFamily="2" charset="0"/>
-            </a:endParaRPr>
           </a:p>
           <a:p>
             <a:pPr>
@@ -10951,12 +16791,6 @@
               </a:rPr>
               <a:t>por valor</a:t>
             </a:r>
-            <a:endParaRPr lang="pt-BR" sz="2000" dirty="0" smtClean="0">
-              <a:solidFill>
-                <a:srgbClr val="FF0000"/>
-              </a:solidFill>
-              <a:latin typeface="Bitter" panose="02000000000000000000" pitchFamily="2" charset="0"/>
-            </a:endParaRPr>
           </a:p>
           <a:p>
             <a:pPr>
